--- a/visualisation.pptx
+++ b/visualisation.pptx
@@ -6,8 +6,7 @@
   </p:sldMasterIdLst>
   <p:sldIdLst>
     <p:sldId id="256" r:id="rId2"/>
-    <p:sldId id="258" r:id="rId3"/>
-    <p:sldId id="261" r:id="rId4"/>
+    <p:sldId id="261" r:id="rId3"/>
   </p:sldIdLst>
   <p:sldSz cx="12192000" cy="6858000"/>
   <p:notesSz cx="6858000" cy="9144000"/>
@@ -127,12 +126,12 @@
   <pc:docChgLst>
     <pc:chgData name="WILSON FOTSING" userId="b53ce03a-30bc-4d16-9894-0c3b1cb51b57" providerId="ADAL" clId="{7B39744B-546E-4313-93BF-9179DF18F515}"/>
     <pc:docChg chg="undo custSel addSld delSld modSld sldOrd">
-      <pc:chgData name="WILSON FOTSING" userId="b53ce03a-30bc-4d16-9894-0c3b1cb51b57" providerId="ADAL" clId="{7B39744B-546E-4313-93BF-9179DF18F515}" dt="2025-05-12T16:48:36.402" v="1653" actId="2696"/>
+      <pc:chgData name="WILSON FOTSING" userId="b53ce03a-30bc-4d16-9894-0c3b1cb51b57" providerId="ADAL" clId="{7B39744B-546E-4313-93BF-9179DF18F515}" dt="2025-05-12T17:22:11.566" v="1666" actId="2696"/>
       <pc:docMkLst>
         <pc:docMk/>
       </pc:docMkLst>
       <pc:sldChg chg="addSp delSp modSp mod">
-        <pc:chgData name="WILSON FOTSING" userId="b53ce03a-30bc-4d16-9894-0c3b1cb51b57" providerId="ADAL" clId="{7B39744B-546E-4313-93BF-9179DF18F515}" dt="2025-05-12T16:45:52.896" v="1652" actId="1076"/>
+        <pc:chgData name="WILSON FOTSING" userId="b53ce03a-30bc-4d16-9894-0c3b1cb51b57" providerId="ADAL" clId="{7B39744B-546E-4313-93BF-9179DF18F515}" dt="2025-05-12T17:21:55.880" v="1665" actId="1076"/>
         <pc:sldMkLst>
           <pc:docMk/>
           <pc:sldMk cId="1545427743" sldId="256"/>
@@ -146,7 +145,7 @@
           </ac:spMkLst>
         </pc:spChg>
         <pc:spChg chg="add mod">
-          <ac:chgData name="WILSON FOTSING" userId="b53ce03a-30bc-4d16-9894-0c3b1cb51b57" providerId="ADAL" clId="{7B39744B-546E-4313-93BF-9179DF18F515}" dt="2025-05-06T15:31:21.136" v="239" actId="1076"/>
+          <ac:chgData name="WILSON FOTSING" userId="b53ce03a-30bc-4d16-9894-0c3b1cb51b57" providerId="ADAL" clId="{7B39744B-546E-4313-93BF-9179DF18F515}" dt="2025-05-12T17:21:48.438" v="1663" actId="14100"/>
           <ac:spMkLst>
             <pc:docMk/>
             <pc:sldMk cId="1545427743" sldId="256"/>
@@ -154,15 +153,15 @@
           </ac:spMkLst>
         </pc:spChg>
         <pc:spChg chg="add mod">
-          <ac:chgData name="WILSON FOTSING" userId="b53ce03a-30bc-4d16-9894-0c3b1cb51b57" providerId="ADAL" clId="{7B39744B-546E-4313-93BF-9179DF18F515}" dt="2025-05-12T16:06:37.728" v="1285" actId="1036"/>
+          <ac:chgData name="WILSON FOTSING" userId="b53ce03a-30bc-4d16-9894-0c3b1cb51b57" providerId="ADAL" clId="{7B39744B-546E-4313-93BF-9179DF18F515}" dt="2025-05-12T17:21:40.158" v="1661" actId="14100"/>
           <ac:spMkLst>
             <pc:docMk/>
             <pc:sldMk cId="1545427743" sldId="256"/>
             <ac:spMk id="8" creationId="{88080711-D884-B489-DED0-BA43914A122C}"/>
           </ac:spMkLst>
         </pc:spChg>
-        <pc:spChg chg="add mod">
-          <ac:chgData name="WILSON FOTSING" userId="b53ce03a-30bc-4d16-9894-0c3b1cb51b57" providerId="ADAL" clId="{7B39744B-546E-4313-93BF-9179DF18F515}" dt="2025-05-12T16:06:37.728" v="1285" actId="1036"/>
+        <pc:spChg chg="add del mod">
+          <ac:chgData name="WILSON FOTSING" userId="b53ce03a-30bc-4d16-9894-0c3b1cb51b57" providerId="ADAL" clId="{7B39744B-546E-4313-93BF-9179DF18F515}" dt="2025-05-12T17:21:20.405" v="1655" actId="478"/>
           <ac:spMkLst>
             <pc:docMk/>
             <pc:sldMk cId="1545427743" sldId="256"/>
@@ -185,8 +184,8 @@
             <ac:spMk id="13" creationId="{FFA23BB6-80E7-3366-8E00-118133A6C315}"/>
           </ac:spMkLst>
         </pc:spChg>
-        <pc:spChg chg="add mod">
-          <ac:chgData name="WILSON FOTSING" userId="b53ce03a-30bc-4d16-9894-0c3b1cb51b57" providerId="ADAL" clId="{7B39744B-546E-4313-93BF-9179DF18F515}" dt="2025-05-06T15:39:17.955" v="377" actId="1076"/>
+        <pc:spChg chg="add del mod">
+          <ac:chgData name="WILSON FOTSING" userId="b53ce03a-30bc-4d16-9894-0c3b1cb51b57" providerId="ADAL" clId="{7B39744B-546E-4313-93BF-9179DF18F515}" dt="2025-05-12T17:21:22.209" v="1656" actId="478"/>
           <ac:spMkLst>
             <pc:docMk/>
             <pc:sldMk cId="1545427743" sldId="256"/>
@@ -194,7 +193,7 @@
           </ac:spMkLst>
         </pc:spChg>
         <pc:spChg chg="add mod">
-          <ac:chgData name="WILSON FOTSING" userId="b53ce03a-30bc-4d16-9894-0c3b1cb51b57" providerId="ADAL" clId="{7B39744B-546E-4313-93BF-9179DF18F515}" dt="2025-05-12T16:06:37.728" v="1285" actId="1036"/>
+          <ac:chgData name="WILSON FOTSING" userId="b53ce03a-30bc-4d16-9894-0c3b1cb51b57" providerId="ADAL" clId="{7B39744B-546E-4313-93BF-9179DF18F515}" dt="2025-05-12T17:21:51.909" v="1664" actId="1076"/>
           <ac:spMkLst>
             <pc:docMk/>
             <pc:sldMk cId="1545427743" sldId="256"/>
@@ -202,7 +201,7 @@
           </ac:spMkLst>
         </pc:spChg>
         <pc:spChg chg="add mod">
-          <ac:chgData name="WILSON FOTSING" userId="b53ce03a-30bc-4d16-9894-0c3b1cb51b57" providerId="ADAL" clId="{7B39744B-546E-4313-93BF-9179DF18F515}" dt="2025-05-06T15:39:15.331" v="376" actId="1076"/>
+          <ac:chgData name="WILSON FOTSING" userId="b53ce03a-30bc-4d16-9894-0c3b1cb51b57" providerId="ADAL" clId="{7B39744B-546E-4313-93BF-9179DF18F515}" dt="2025-05-12T17:21:55.880" v="1665" actId="1076"/>
           <ac:spMkLst>
             <pc:docMk/>
             <pc:sldMk cId="1545427743" sldId="256"/>
@@ -505,8 +504,8 @@
           </ac:spMkLst>
         </pc:spChg>
       </pc:sldChg>
-      <pc:sldChg chg="add ord">
-        <pc:chgData name="WILSON FOTSING" userId="b53ce03a-30bc-4d16-9894-0c3b1cb51b57" providerId="ADAL" clId="{7B39744B-546E-4313-93BF-9179DF18F515}" dt="2025-05-06T15:52:53.131" v="684"/>
+      <pc:sldChg chg="add del ord">
+        <pc:chgData name="WILSON FOTSING" userId="b53ce03a-30bc-4d16-9894-0c3b1cb51b57" providerId="ADAL" clId="{7B39744B-546E-4313-93BF-9179DF18F515}" dt="2025-05-12T17:22:11.566" v="1666" actId="2696"/>
         <pc:sldMkLst>
           <pc:docMk/>
           <pc:sldMk cId="3431780838" sldId="258"/>
@@ -4544,8 +4543,8 @@
         </p:nvSpPr>
         <p:spPr>
           <a:xfrm>
-            <a:off x="3950103" y="1652278"/>
-            <a:ext cx="1597743" cy="648929"/>
+            <a:off x="3548219" y="1652278"/>
+            <a:ext cx="2700180" cy="648929"/>
           </a:xfrm>
           <a:prstGeom prst="rect">
             <a:avLst/>
@@ -4605,8 +4604,8 @@
         </p:nvSpPr>
         <p:spPr>
           <a:xfrm>
-            <a:off x="5633881" y="1644755"/>
-            <a:ext cx="1718188" cy="648929"/>
+            <a:off x="6361471" y="1675460"/>
+            <a:ext cx="3030786" cy="648929"/>
           </a:xfrm>
           <a:prstGeom prst="rect">
             <a:avLst/>
@@ -4650,10 +4649,46 @@
       </p:sp>
       <p:sp>
         <p:nvSpPr>
-          <p:cNvPr id="9" name="Rectangle 8">
-            <a:extLst>
-              <a:ext uri="{FF2B5EF4-FFF2-40B4-BE49-F238E27FC236}">
-                <a16:creationId xmlns:a16="http://schemas.microsoft.com/office/drawing/2014/main" id="{40112D35-D60F-4B8F-D4C1-22B20ED483A2}"/>
+          <p:cNvPr id="11" name="ZoneTexte 10">
+            <a:extLst>
+              <a:ext uri="{FF2B5EF4-FFF2-40B4-BE49-F238E27FC236}">
+                <a16:creationId xmlns:a16="http://schemas.microsoft.com/office/drawing/2014/main" id="{A2E4F25B-9C21-E070-B715-5AB9462F3C4C}"/>
+              </a:ext>
+            </a:extLst>
+          </p:cNvPr>
+          <p:cNvSpPr txBox="1"/>
+          <p:nvPr/>
+        </p:nvSpPr>
+        <p:spPr>
+          <a:xfrm>
+            <a:off x="2787444" y="1924352"/>
+            <a:ext cx="742333" cy="369332"/>
+          </a:xfrm>
+          <a:prstGeom prst="rect">
+            <a:avLst/>
+          </a:prstGeom>
+          <a:noFill/>
+        </p:spPr>
+        <p:txBody>
+          <a:bodyPr wrap="square">
+            <a:spAutoFit/>
+          </a:bodyPr>
+          <a:lstStyle/>
+          <a:p>
+            <a:r>
+              <a:rPr lang="en-CA" dirty="0"/>
+              <a:t>Profil</a:t>
+            </a:r>
+            <a:endParaRPr lang="fr-CA" dirty="0"/>
+          </a:p>
+        </p:txBody>
+      </p:sp>
+      <p:sp>
+        <p:nvSpPr>
+          <p:cNvPr id="17" name="Triangle isocèle 16">
+            <a:extLst>
+              <a:ext uri="{FF2B5EF4-FFF2-40B4-BE49-F238E27FC236}">
+                <a16:creationId xmlns:a16="http://schemas.microsoft.com/office/drawing/2014/main" id="{9FF2C4C8-DB68-4824-3574-4E055617F24A}"/>
               </a:ext>
             </a:extLst>
           </p:cNvPr>
@@ -4661,16 +4696,13 @@
           <p:nvPr/>
         </p:nvSpPr>
         <p:spPr>
-          <a:xfrm>
-            <a:off x="7438104" y="1662109"/>
-            <a:ext cx="1597742" cy="648929"/>
-          </a:xfrm>
-          <a:prstGeom prst="rect">
-            <a:avLst/>
-          </a:prstGeom>
-          <a:solidFill>
-            <a:schemeClr val="bg2"/>
-          </a:solidFill>
+          <a:xfrm rot="10800000">
+            <a:off x="5546726" y="1870118"/>
+            <a:ext cx="226142" cy="274075"/>
+          </a:xfrm>
+          <a:prstGeom prst="triangle">
+            <a:avLst/>
+          </a:prstGeom>
         </p:spPr>
         <p:style>
           <a:lnRef idx="2">
@@ -4693,60 +4725,16 @@
           <a:lstStyle/>
           <a:p>
             <a:pPr algn="ctr"/>
-            <a:r>
-              <a:rPr lang="en-CA" dirty="0">
-                <a:solidFill>
-                  <a:schemeClr val="tx1"/>
-                </a:solidFill>
-              </a:rPr>
-              <a:t>Agent immobilier</a:t>
-            </a:r>
-            <a:endParaRPr lang="fr-CA" dirty="0"/>
-          </a:p>
-        </p:txBody>
-      </p:sp>
-      <p:sp>
-        <p:nvSpPr>
-          <p:cNvPr id="11" name="ZoneTexte 10">
-            <a:extLst>
-              <a:ext uri="{FF2B5EF4-FFF2-40B4-BE49-F238E27FC236}">
-                <a16:creationId xmlns:a16="http://schemas.microsoft.com/office/drawing/2014/main" id="{A2E4F25B-9C21-E070-B715-5AB9462F3C4C}"/>
-              </a:ext>
-            </a:extLst>
-          </p:cNvPr>
-          <p:cNvSpPr txBox="1"/>
-          <p:nvPr/>
-        </p:nvSpPr>
-        <p:spPr>
-          <a:xfrm>
-            <a:off x="2787444" y="1924352"/>
-            <a:ext cx="742333" cy="369332"/>
-          </a:xfrm>
-          <a:prstGeom prst="rect">
-            <a:avLst/>
-          </a:prstGeom>
-          <a:noFill/>
-        </p:spPr>
-        <p:txBody>
-          <a:bodyPr wrap="square">
-            <a:spAutoFit/>
-          </a:bodyPr>
-          <a:lstStyle/>
-          <a:p>
-            <a:r>
-              <a:rPr lang="en-CA" dirty="0"/>
-              <a:t>Profil</a:t>
-            </a:r>
-            <a:endParaRPr lang="fr-CA" dirty="0"/>
-          </a:p>
-        </p:txBody>
-      </p:sp>
-      <p:sp>
-        <p:nvSpPr>
-          <p:cNvPr id="15" name="Triangle isocèle 14">
-            <a:extLst>
-              <a:ext uri="{FF2B5EF4-FFF2-40B4-BE49-F238E27FC236}">
-                <a16:creationId xmlns:a16="http://schemas.microsoft.com/office/drawing/2014/main" id="{3BD20718-5B61-09A1-C688-98C7337BD2CB}"/>
+            <a:endParaRPr lang="fr-CA"/>
+          </a:p>
+        </p:txBody>
+      </p:sp>
+      <p:sp>
+        <p:nvSpPr>
+          <p:cNvPr id="18" name="Triangle isocèle 17">
+            <a:extLst>
+              <a:ext uri="{FF2B5EF4-FFF2-40B4-BE49-F238E27FC236}">
+                <a16:creationId xmlns:a16="http://schemas.microsoft.com/office/drawing/2014/main" id="{1B921B56-AC54-456B-0E07-3B791A5BB2DD}"/>
               </a:ext>
             </a:extLst>
           </p:cNvPr>
@@ -4755,7 +4743,7 @@
         </p:nvSpPr>
         <p:spPr>
           <a:xfrm rot="10800000">
-            <a:off x="8772847" y="1859213"/>
+            <a:off x="8659776" y="1911048"/>
             <a:ext cx="226142" cy="274075"/>
           </a:xfrm>
           <a:prstGeom prst="triangle">
@@ -4789,10 +4777,10 @@
       </p:sp>
       <p:sp>
         <p:nvSpPr>
-          <p:cNvPr id="17" name="Triangle isocèle 16">
-            <a:extLst>
-              <a:ext uri="{FF2B5EF4-FFF2-40B4-BE49-F238E27FC236}">
-                <a16:creationId xmlns:a16="http://schemas.microsoft.com/office/drawing/2014/main" id="{9FF2C4C8-DB68-4824-3574-4E055617F24A}"/>
+          <p:cNvPr id="19" name="Triangle isocèle 18">
+            <a:extLst>
+              <a:ext uri="{FF2B5EF4-FFF2-40B4-BE49-F238E27FC236}">
+                <a16:creationId xmlns:a16="http://schemas.microsoft.com/office/drawing/2014/main" id="{74FB6D0A-A426-EEE9-9C8F-48D9FD0E28CA}"/>
               </a:ext>
             </a:extLst>
           </p:cNvPr>
@@ -4800,9 +4788,9 @@
           <p:nvPr/>
         </p:nvSpPr>
         <p:spPr>
-          <a:xfrm rot="10800000">
-            <a:off x="5231987" y="1859215"/>
-            <a:ext cx="226142" cy="274075"/>
+          <a:xfrm>
+            <a:off x="2753031" y="728990"/>
+            <a:ext cx="7479892" cy="795029"/>
           </a:xfrm>
           <a:prstGeom prst="triangle">
             <a:avLst/>
@@ -4835,10 +4823,10 @@
       </p:sp>
       <p:sp>
         <p:nvSpPr>
-          <p:cNvPr id="18" name="Triangle isocèle 17">
-            <a:extLst>
-              <a:ext uri="{FF2B5EF4-FFF2-40B4-BE49-F238E27FC236}">
-                <a16:creationId xmlns:a16="http://schemas.microsoft.com/office/drawing/2014/main" id="{1B921B56-AC54-456B-0E07-3B791A5BB2DD}"/>
+          <p:cNvPr id="22" name="Rectangle 21">
+            <a:extLst>
+              <a:ext uri="{FF2B5EF4-FFF2-40B4-BE49-F238E27FC236}">
+                <a16:creationId xmlns:a16="http://schemas.microsoft.com/office/drawing/2014/main" id="{821C139F-395F-B0F6-662D-AC521B3425D5}"/>
               </a:ext>
             </a:extLst>
           </p:cNvPr>
@@ -4846,11 +4834,11 @@
           <p:nvPr/>
         </p:nvSpPr>
         <p:spPr>
-          <a:xfrm rot="10800000">
-            <a:off x="7090293" y="1859214"/>
-            <a:ext cx="226142" cy="274075"/>
-          </a:xfrm>
-          <a:prstGeom prst="triangle">
+          <a:xfrm>
+            <a:off x="2753031" y="6206582"/>
+            <a:ext cx="7479892" cy="559830"/>
+          </a:xfrm>
+          <a:prstGeom prst="rect">
             <a:avLst/>
           </a:prstGeom>
         </p:spPr>
@@ -4875,98 +4863,6 @@
           <a:lstStyle/>
           <a:p>
             <a:pPr algn="ctr"/>
-            <a:endParaRPr lang="fr-CA"/>
-          </a:p>
-        </p:txBody>
-      </p:sp>
-      <p:sp>
-        <p:nvSpPr>
-          <p:cNvPr id="19" name="Triangle isocèle 18">
-            <a:extLst>
-              <a:ext uri="{FF2B5EF4-FFF2-40B4-BE49-F238E27FC236}">
-                <a16:creationId xmlns:a16="http://schemas.microsoft.com/office/drawing/2014/main" id="{74FB6D0A-A426-EEE9-9C8F-48D9FD0E28CA}"/>
-              </a:ext>
-            </a:extLst>
-          </p:cNvPr>
-          <p:cNvSpPr/>
-          <p:nvPr/>
-        </p:nvSpPr>
-        <p:spPr>
-          <a:xfrm>
-            <a:off x="2753031" y="728990"/>
-            <a:ext cx="7479892" cy="795029"/>
-          </a:xfrm>
-          <a:prstGeom prst="triangle">
-            <a:avLst/>
-          </a:prstGeom>
-        </p:spPr>
-        <p:style>
-          <a:lnRef idx="2">
-            <a:schemeClr val="accent1">
-              <a:shade val="15000"/>
-            </a:schemeClr>
-          </a:lnRef>
-          <a:fillRef idx="1">
-            <a:schemeClr val="accent1"/>
-          </a:fillRef>
-          <a:effectRef idx="0">
-            <a:schemeClr val="accent1"/>
-          </a:effectRef>
-          <a:fontRef idx="minor">
-            <a:schemeClr val="lt1"/>
-          </a:fontRef>
-        </p:style>
-        <p:txBody>
-          <a:bodyPr rtlCol="0" anchor="ctr"/>
-          <a:lstStyle/>
-          <a:p>
-            <a:pPr algn="ctr"/>
-            <a:endParaRPr lang="fr-CA"/>
-          </a:p>
-        </p:txBody>
-      </p:sp>
-      <p:sp>
-        <p:nvSpPr>
-          <p:cNvPr id="22" name="Rectangle 21">
-            <a:extLst>
-              <a:ext uri="{FF2B5EF4-FFF2-40B4-BE49-F238E27FC236}">
-                <a16:creationId xmlns:a16="http://schemas.microsoft.com/office/drawing/2014/main" id="{821C139F-395F-B0F6-662D-AC521B3425D5}"/>
-              </a:ext>
-            </a:extLst>
-          </p:cNvPr>
-          <p:cNvSpPr/>
-          <p:nvPr/>
-        </p:nvSpPr>
-        <p:spPr>
-          <a:xfrm>
-            <a:off x="2753031" y="6206582"/>
-            <a:ext cx="7479892" cy="559830"/>
-          </a:xfrm>
-          <a:prstGeom prst="rect">
-            <a:avLst/>
-          </a:prstGeom>
-        </p:spPr>
-        <p:style>
-          <a:lnRef idx="2">
-            <a:schemeClr val="accent1">
-              <a:shade val="15000"/>
-            </a:schemeClr>
-          </a:lnRef>
-          <a:fillRef idx="1">
-            <a:schemeClr val="accent1"/>
-          </a:fillRef>
-          <a:effectRef idx="0">
-            <a:schemeClr val="accent1"/>
-          </a:effectRef>
-          <a:fontRef idx="minor">
-            <a:schemeClr val="lt1"/>
-          </a:fontRef>
-        </p:style>
-        <p:txBody>
-          <a:bodyPr rtlCol="0" anchor="ctr"/>
-          <a:lstStyle/>
-          <a:p>
-            <a:pPr algn="ctr"/>
             <a:endParaRPr lang="fr-CA" dirty="0"/>
           </a:p>
         </p:txBody>
@@ -6267,1202 +6163,6 @@
 </file>
 
 <file path=ppt/slides/slide2.xml><?xml version="1.0" encoding="utf-8"?>
-<p:sld xmlns:a="http://schemas.openxmlformats.org/drawingml/2006/main" xmlns:r="http://schemas.openxmlformats.org/officeDocument/2006/relationships" xmlns:p="http://schemas.openxmlformats.org/presentationml/2006/main">
-  <p:cSld>
-    <p:spTree>
-      <p:nvGrpSpPr>
-        <p:cNvPr id="1" name="">
-          <a:extLst>
-            <a:ext uri="{FF2B5EF4-FFF2-40B4-BE49-F238E27FC236}">
-              <a16:creationId xmlns:a16="http://schemas.microsoft.com/office/drawing/2014/main" id="{8A6E7430-7D3C-3FDB-8104-C843C32998B0}"/>
-            </a:ext>
-          </a:extLst>
-        </p:cNvPr>
-        <p:cNvGrpSpPr/>
-        <p:nvPr/>
-      </p:nvGrpSpPr>
-      <p:grpSpPr>
-        <a:xfrm>
-          <a:off x="0" y="0"/>
-          <a:ext cx="0" cy="0"/>
-          <a:chOff x="0" y="0"/>
-          <a:chExt cx="0" cy="0"/>
-        </a:xfrm>
-      </p:grpSpPr>
-      <p:sp>
-        <p:nvSpPr>
-          <p:cNvPr id="13" name="Rectangle 12">
-            <a:extLst>
-              <a:ext uri="{FF2B5EF4-FFF2-40B4-BE49-F238E27FC236}">
-                <a16:creationId xmlns:a16="http://schemas.microsoft.com/office/drawing/2014/main" id="{0CAC42C0-F756-C46B-8B87-B5539999E3A1}"/>
-              </a:ext>
-            </a:extLst>
-          </p:cNvPr>
-          <p:cNvSpPr/>
-          <p:nvPr/>
-        </p:nvSpPr>
-        <p:spPr>
-          <a:xfrm>
-            <a:off x="2595716" y="1315829"/>
-            <a:ext cx="7479892" cy="795029"/>
-          </a:xfrm>
-          <a:prstGeom prst="rect">
-            <a:avLst/>
-          </a:prstGeom>
-        </p:spPr>
-        <p:style>
-          <a:lnRef idx="2">
-            <a:schemeClr val="dk1"/>
-          </a:lnRef>
-          <a:fillRef idx="1">
-            <a:schemeClr val="lt1"/>
-          </a:fillRef>
-          <a:effectRef idx="0">
-            <a:schemeClr val="dk1"/>
-          </a:effectRef>
-          <a:fontRef idx="minor">
-            <a:schemeClr val="dk1"/>
-          </a:fontRef>
-        </p:style>
-        <p:txBody>
-          <a:bodyPr rtlCol="0" anchor="ctr"/>
-          <a:lstStyle/>
-          <a:p>
-            <a:pPr algn="ctr"/>
-            <a:endParaRPr lang="fr-CA" dirty="0">
-              <a:solidFill>
-                <a:schemeClr val="tx1"/>
-              </a:solidFill>
-            </a:endParaRPr>
-          </a:p>
-        </p:txBody>
-      </p:sp>
-      <p:sp>
-        <p:nvSpPr>
-          <p:cNvPr id="6" name="Rectangle 5">
-            <a:extLst>
-              <a:ext uri="{FF2B5EF4-FFF2-40B4-BE49-F238E27FC236}">
-                <a16:creationId xmlns:a16="http://schemas.microsoft.com/office/drawing/2014/main" id="{A1BC6809-5B3C-DA45-1BEA-86802D736A58}"/>
-              </a:ext>
-            </a:extLst>
-          </p:cNvPr>
-          <p:cNvSpPr/>
-          <p:nvPr/>
-        </p:nvSpPr>
-        <p:spPr>
-          <a:xfrm>
-            <a:off x="3645303" y="2456525"/>
-            <a:ext cx="5727290" cy="3320845"/>
-          </a:xfrm>
-          <a:prstGeom prst="rect">
-            <a:avLst/>
-          </a:prstGeom>
-          <a:ln/>
-        </p:spPr>
-        <p:style>
-          <a:lnRef idx="2">
-            <a:schemeClr val="accent1">
-              <a:shade val="15000"/>
-            </a:schemeClr>
-          </a:lnRef>
-          <a:fillRef idx="1">
-            <a:schemeClr val="accent1"/>
-          </a:fillRef>
-          <a:effectRef idx="0">
-            <a:schemeClr val="accent1"/>
-          </a:effectRef>
-          <a:fontRef idx="minor">
-            <a:schemeClr val="lt1"/>
-          </a:fontRef>
-        </p:style>
-        <p:txBody>
-          <a:bodyPr rtlCol="0" anchor="ctr"/>
-          <a:lstStyle/>
-          <a:p>
-            <a:pPr algn="ctr"/>
-            <a:r>
-              <a:rPr lang="en-CA" dirty="0"/>
-              <a:t>Carte du Comte</a:t>
-            </a:r>
-            <a:endParaRPr lang="fr-CA" dirty="0"/>
-          </a:p>
-        </p:txBody>
-      </p:sp>
-      <p:sp>
-        <p:nvSpPr>
-          <p:cNvPr id="7" name="Rectangle 6">
-            <a:extLst>
-              <a:ext uri="{FF2B5EF4-FFF2-40B4-BE49-F238E27FC236}">
-                <a16:creationId xmlns:a16="http://schemas.microsoft.com/office/drawing/2014/main" id="{9DEDB023-FA18-E426-2CE6-851A78113E3F}"/>
-              </a:ext>
-            </a:extLst>
-          </p:cNvPr>
-          <p:cNvSpPr/>
-          <p:nvPr/>
-        </p:nvSpPr>
-        <p:spPr>
-          <a:xfrm>
-            <a:off x="3950103" y="1367144"/>
-            <a:ext cx="1597743" cy="648929"/>
-          </a:xfrm>
-          <a:prstGeom prst="rect">
-            <a:avLst/>
-          </a:prstGeom>
-          <a:solidFill>
-            <a:schemeClr val="bg2"/>
-          </a:solidFill>
-        </p:spPr>
-        <p:style>
-          <a:lnRef idx="2">
-            <a:schemeClr val="accent1">
-              <a:shade val="15000"/>
-            </a:schemeClr>
-          </a:lnRef>
-          <a:fillRef idx="1">
-            <a:schemeClr val="accent1"/>
-          </a:fillRef>
-          <a:effectRef idx="0">
-            <a:schemeClr val="accent1"/>
-          </a:effectRef>
-          <a:fontRef idx="minor">
-            <a:schemeClr val="lt1"/>
-          </a:fontRef>
-        </p:style>
-        <p:txBody>
-          <a:bodyPr rtlCol="0" anchor="ctr"/>
-          <a:lstStyle/>
-          <a:p>
-            <a:pPr algn="ctr"/>
-            <a:r>
-              <a:rPr lang="en-CA" dirty="0">
-                <a:solidFill>
-                  <a:schemeClr val="tx1"/>
-                </a:solidFill>
-              </a:rPr>
-              <a:t>Acheteur </a:t>
-            </a:r>
-            <a:endParaRPr lang="fr-CA" dirty="0">
-              <a:solidFill>
-                <a:schemeClr val="tx1"/>
-              </a:solidFill>
-            </a:endParaRPr>
-          </a:p>
-        </p:txBody>
-      </p:sp>
-      <p:sp>
-        <p:nvSpPr>
-          <p:cNvPr id="8" name="Rectangle 7">
-            <a:extLst>
-              <a:ext uri="{FF2B5EF4-FFF2-40B4-BE49-F238E27FC236}">
-                <a16:creationId xmlns:a16="http://schemas.microsoft.com/office/drawing/2014/main" id="{5FD35785-7848-3ADD-3814-DE9454487E4B}"/>
-              </a:ext>
-            </a:extLst>
-          </p:cNvPr>
-          <p:cNvSpPr/>
-          <p:nvPr/>
-        </p:nvSpPr>
-        <p:spPr>
-          <a:xfrm>
-            <a:off x="5633881" y="1359621"/>
-            <a:ext cx="1718188" cy="648929"/>
-          </a:xfrm>
-          <a:prstGeom prst="rect">
-            <a:avLst/>
-          </a:prstGeom>
-          <a:solidFill>
-            <a:schemeClr val="bg2"/>
-          </a:solidFill>
-        </p:spPr>
-        <p:style>
-          <a:lnRef idx="2">
-            <a:schemeClr val="accent1">
-              <a:shade val="15000"/>
-            </a:schemeClr>
-          </a:lnRef>
-          <a:fillRef idx="1">
-            <a:schemeClr val="accent1"/>
-          </a:fillRef>
-          <a:effectRef idx="0">
-            <a:schemeClr val="accent1"/>
-          </a:effectRef>
-          <a:fontRef idx="minor">
-            <a:schemeClr val="lt1"/>
-          </a:fontRef>
-        </p:style>
-        <p:txBody>
-          <a:bodyPr rtlCol="0" anchor="ctr"/>
-          <a:lstStyle/>
-          <a:p>
-            <a:pPr algn="ctr"/>
-            <a:r>
-              <a:rPr lang="en-CA" dirty="0">
-                <a:solidFill>
-                  <a:schemeClr val="tx1"/>
-                </a:solidFill>
-              </a:rPr>
-              <a:t>Propriétaire</a:t>
-            </a:r>
-            <a:endParaRPr lang="fr-CA" dirty="0"/>
-          </a:p>
-        </p:txBody>
-      </p:sp>
-      <p:sp>
-        <p:nvSpPr>
-          <p:cNvPr id="9" name="Rectangle 8">
-            <a:extLst>
-              <a:ext uri="{FF2B5EF4-FFF2-40B4-BE49-F238E27FC236}">
-                <a16:creationId xmlns:a16="http://schemas.microsoft.com/office/drawing/2014/main" id="{33E15151-5A95-BD22-B9B9-DAF623CE1BBB}"/>
-              </a:ext>
-            </a:extLst>
-          </p:cNvPr>
-          <p:cNvSpPr/>
-          <p:nvPr/>
-        </p:nvSpPr>
-        <p:spPr>
-          <a:xfrm>
-            <a:off x="7438104" y="1376975"/>
-            <a:ext cx="1597742" cy="648929"/>
-          </a:xfrm>
-          <a:prstGeom prst="rect">
-            <a:avLst/>
-          </a:prstGeom>
-          <a:solidFill>
-            <a:schemeClr val="bg2"/>
-          </a:solidFill>
-        </p:spPr>
-        <p:style>
-          <a:lnRef idx="2">
-            <a:schemeClr val="accent1">
-              <a:shade val="15000"/>
-            </a:schemeClr>
-          </a:lnRef>
-          <a:fillRef idx="1">
-            <a:schemeClr val="accent1"/>
-          </a:fillRef>
-          <a:effectRef idx="0">
-            <a:schemeClr val="accent1"/>
-          </a:effectRef>
-          <a:fontRef idx="minor">
-            <a:schemeClr val="lt1"/>
-          </a:fontRef>
-        </p:style>
-        <p:txBody>
-          <a:bodyPr rtlCol="0" anchor="ctr"/>
-          <a:lstStyle/>
-          <a:p>
-            <a:pPr algn="ctr"/>
-            <a:r>
-              <a:rPr lang="en-CA" dirty="0">
-                <a:solidFill>
-                  <a:schemeClr val="tx1"/>
-                </a:solidFill>
-              </a:rPr>
-              <a:t>Agent immobilier</a:t>
-            </a:r>
-            <a:endParaRPr lang="fr-CA" dirty="0"/>
-          </a:p>
-        </p:txBody>
-      </p:sp>
-      <p:sp>
-        <p:nvSpPr>
-          <p:cNvPr id="11" name="ZoneTexte 10">
-            <a:extLst>
-              <a:ext uri="{FF2B5EF4-FFF2-40B4-BE49-F238E27FC236}">
-                <a16:creationId xmlns:a16="http://schemas.microsoft.com/office/drawing/2014/main" id="{1F5784E7-503C-D50B-317F-FB5B769AB37D}"/>
-              </a:ext>
-            </a:extLst>
-          </p:cNvPr>
-          <p:cNvSpPr txBox="1"/>
-          <p:nvPr/>
-        </p:nvSpPr>
-        <p:spPr>
-          <a:xfrm>
-            <a:off x="2787444" y="1639218"/>
-            <a:ext cx="742333" cy="369332"/>
-          </a:xfrm>
-          <a:prstGeom prst="rect">
-            <a:avLst/>
-          </a:prstGeom>
-          <a:noFill/>
-        </p:spPr>
-        <p:txBody>
-          <a:bodyPr wrap="square">
-            <a:spAutoFit/>
-          </a:bodyPr>
-          <a:lstStyle/>
-          <a:p>
-            <a:r>
-              <a:rPr lang="en-CA" dirty="0"/>
-              <a:t>Profil</a:t>
-            </a:r>
-            <a:endParaRPr lang="fr-CA" dirty="0"/>
-          </a:p>
-        </p:txBody>
-      </p:sp>
-      <p:sp>
-        <p:nvSpPr>
-          <p:cNvPr id="15" name="Triangle isocèle 14">
-            <a:extLst>
-              <a:ext uri="{FF2B5EF4-FFF2-40B4-BE49-F238E27FC236}">
-                <a16:creationId xmlns:a16="http://schemas.microsoft.com/office/drawing/2014/main" id="{A32C0DD8-C3EF-9809-991A-C96D3E93550F}"/>
-              </a:ext>
-            </a:extLst>
-          </p:cNvPr>
-          <p:cNvSpPr/>
-          <p:nvPr/>
-        </p:nvSpPr>
-        <p:spPr>
-          <a:xfrm rot="10800000">
-            <a:off x="8772847" y="1574079"/>
-            <a:ext cx="226142" cy="274075"/>
-          </a:xfrm>
-          <a:prstGeom prst="triangle">
-            <a:avLst/>
-          </a:prstGeom>
-        </p:spPr>
-        <p:style>
-          <a:lnRef idx="2">
-            <a:schemeClr val="accent1">
-              <a:shade val="15000"/>
-            </a:schemeClr>
-          </a:lnRef>
-          <a:fillRef idx="1">
-            <a:schemeClr val="accent1"/>
-          </a:fillRef>
-          <a:effectRef idx="0">
-            <a:schemeClr val="accent1"/>
-          </a:effectRef>
-          <a:fontRef idx="minor">
-            <a:schemeClr val="lt1"/>
-          </a:fontRef>
-        </p:style>
-        <p:txBody>
-          <a:bodyPr rtlCol="0" anchor="ctr"/>
-          <a:lstStyle/>
-          <a:p>
-            <a:pPr algn="ctr"/>
-            <a:endParaRPr lang="fr-CA"/>
-          </a:p>
-        </p:txBody>
-      </p:sp>
-      <p:sp>
-        <p:nvSpPr>
-          <p:cNvPr id="17" name="Triangle isocèle 16">
-            <a:extLst>
-              <a:ext uri="{FF2B5EF4-FFF2-40B4-BE49-F238E27FC236}">
-                <a16:creationId xmlns:a16="http://schemas.microsoft.com/office/drawing/2014/main" id="{D7E43E65-1D0E-003C-1EB8-4B4E5F84A313}"/>
-              </a:ext>
-            </a:extLst>
-          </p:cNvPr>
-          <p:cNvSpPr/>
-          <p:nvPr/>
-        </p:nvSpPr>
-        <p:spPr>
-          <a:xfrm rot="10800000">
-            <a:off x="5231987" y="1574081"/>
-            <a:ext cx="226142" cy="274075"/>
-          </a:xfrm>
-          <a:prstGeom prst="triangle">
-            <a:avLst/>
-          </a:prstGeom>
-        </p:spPr>
-        <p:style>
-          <a:lnRef idx="2">
-            <a:schemeClr val="accent1">
-              <a:shade val="15000"/>
-            </a:schemeClr>
-          </a:lnRef>
-          <a:fillRef idx="1">
-            <a:schemeClr val="accent1"/>
-          </a:fillRef>
-          <a:effectRef idx="0">
-            <a:schemeClr val="accent1"/>
-          </a:effectRef>
-          <a:fontRef idx="minor">
-            <a:schemeClr val="lt1"/>
-          </a:fontRef>
-        </p:style>
-        <p:txBody>
-          <a:bodyPr rtlCol="0" anchor="ctr"/>
-          <a:lstStyle/>
-          <a:p>
-            <a:pPr algn="ctr"/>
-            <a:endParaRPr lang="fr-CA"/>
-          </a:p>
-        </p:txBody>
-      </p:sp>
-      <p:sp>
-        <p:nvSpPr>
-          <p:cNvPr id="18" name="Triangle isocèle 17">
-            <a:extLst>
-              <a:ext uri="{FF2B5EF4-FFF2-40B4-BE49-F238E27FC236}">
-                <a16:creationId xmlns:a16="http://schemas.microsoft.com/office/drawing/2014/main" id="{4D0F7B15-3864-BC96-F1C6-B565BB742B02}"/>
-              </a:ext>
-            </a:extLst>
-          </p:cNvPr>
-          <p:cNvSpPr/>
-          <p:nvPr/>
-        </p:nvSpPr>
-        <p:spPr>
-          <a:xfrm rot="10800000">
-            <a:off x="7090293" y="1574080"/>
-            <a:ext cx="226142" cy="274075"/>
-          </a:xfrm>
-          <a:prstGeom prst="triangle">
-            <a:avLst/>
-          </a:prstGeom>
-        </p:spPr>
-        <p:style>
-          <a:lnRef idx="2">
-            <a:schemeClr val="accent1">
-              <a:shade val="15000"/>
-            </a:schemeClr>
-          </a:lnRef>
-          <a:fillRef idx="1">
-            <a:schemeClr val="accent1"/>
-          </a:fillRef>
-          <a:effectRef idx="0">
-            <a:schemeClr val="accent1"/>
-          </a:effectRef>
-          <a:fontRef idx="minor">
-            <a:schemeClr val="lt1"/>
-          </a:fontRef>
-        </p:style>
-        <p:txBody>
-          <a:bodyPr rtlCol="0" anchor="ctr"/>
-          <a:lstStyle/>
-          <a:p>
-            <a:pPr algn="ctr"/>
-            <a:endParaRPr lang="fr-CA"/>
-          </a:p>
-        </p:txBody>
-      </p:sp>
-      <p:sp>
-        <p:nvSpPr>
-          <p:cNvPr id="19" name="Triangle isocèle 18">
-            <a:extLst>
-              <a:ext uri="{FF2B5EF4-FFF2-40B4-BE49-F238E27FC236}">
-                <a16:creationId xmlns:a16="http://schemas.microsoft.com/office/drawing/2014/main" id="{3E19807E-2A6A-2378-83B5-7E2E581D7FC1}"/>
-              </a:ext>
-            </a:extLst>
-          </p:cNvPr>
-          <p:cNvSpPr/>
-          <p:nvPr/>
-        </p:nvSpPr>
-        <p:spPr>
-          <a:xfrm>
-            <a:off x="2595717" y="425402"/>
-            <a:ext cx="7479892" cy="795029"/>
-          </a:xfrm>
-          <a:prstGeom prst="triangle">
-            <a:avLst/>
-          </a:prstGeom>
-        </p:spPr>
-        <p:style>
-          <a:lnRef idx="2">
-            <a:schemeClr val="accent1">
-              <a:shade val="15000"/>
-            </a:schemeClr>
-          </a:lnRef>
-          <a:fillRef idx="1">
-            <a:schemeClr val="accent1"/>
-          </a:fillRef>
-          <a:effectRef idx="0">
-            <a:schemeClr val="accent1"/>
-          </a:effectRef>
-          <a:fontRef idx="minor">
-            <a:schemeClr val="lt1"/>
-          </a:fontRef>
-        </p:style>
-        <p:txBody>
-          <a:bodyPr rtlCol="0" anchor="ctr"/>
-          <a:lstStyle/>
-          <a:p>
-            <a:pPr algn="ctr"/>
-            <a:endParaRPr lang="fr-CA"/>
-          </a:p>
-        </p:txBody>
-      </p:sp>
-      <p:sp>
-        <p:nvSpPr>
-          <p:cNvPr id="22" name="Rectangle 21">
-            <a:extLst>
-              <a:ext uri="{FF2B5EF4-FFF2-40B4-BE49-F238E27FC236}">
-                <a16:creationId xmlns:a16="http://schemas.microsoft.com/office/drawing/2014/main" id="{4B99D486-2188-652D-48D4-945A2B0874BD}"/>
-              </a:ext>
-            </a:extLst>
-          </p:cNvPr>
-          <p:cNvSpPr/>
-          <p:nvPr/>
-        </p:nvSpPr>
-        <p:spPr>
-          <a:xfrm>
-            <a:off x="2595717" y="5872768"/>
-            <a:ext cx="7479892" cy="559830"/>
-          </a:xfrm>
-          <a:prstGeom prst="rect">
-            <a:avLst/>
-          </a:prstGeom>
-        </p:spPr>
-        <p:style>
-          <a:lnRef idx="2">
-            <a:schemeClr val="accent1">
-              <a:shade val="15000"/>
-            </a:schemeClr>
-          </a:lnRef>
-          <a:fillRef idx="1">
-            <a:schemeClr val="accent1"/>
-          </a:fillRef>
-          <a:effectRef idx="0">
-            <a:schemeClr val="accent1"/>
-          </a:effectRef>
-          <a:fontRef idx="minor">
-            <a:schemeClr val="lt1"/>
-          </a:fontRef>
-        </p:style>
-        <p:txBody>
-          <a:bodyPr rtlCol="0" anchor="ctr"/>
-          <a:lstStyle/>
-          <a:p>
-            <a:pPr algn="ctr"/>
-            <a:endParaRPr lang="fr-CA"/>
-          </a:p>
-        </p:txBody>
-      </p:sp>
-      <p:sp>
-        <p:nvSpPr>
-          <p:cNvPr id="23" name="Rectangle 22">
-            <a:extLst>
-              <a:ext uri="{FF2B5EF4-FFF2-40B4-BE49-F238E27FC236}">
-                <a16:creationId xmlns:a16="http://schemas.microsoft.com/office/drawing/2014/main" id="{9475EC0A-BF4A-C6AD-C264-7443C19D43E1}"/>
-              </a:ext>
-            </a:extLst>
-          </p:cNvPr>
-          <p:cNvSpPr/>
-          <p:nvPr/>
-        </p:nvSpPr>
-        <p:spPr>
-          <a:xfrm>
-            <a:off x="2595716" y="2169849"/>
-            <a:ext cx="7479892" cy="224453"/>
-          </a:xfrm>
-          <a:prstGeom prst="rect">
-            <a:avLst/>
-          </a:prstGeom>
-        </p:spPr>
-        <p:style>
-          <a:lnRef idx="2">
-            <a:schemeClr val="accent6"/>
-          </a:lnRef>
-          <a:fillRef idx="1">
-            <a:schemeClr val="lt1"/>
-          </a:fillRef>
-          <a:effectRef idx="0">
-            <a:schemeClr val="accent6"/>
-          </a:effectRef>
-          <a:fontRef idx="minor">
-            <a:schemeClr val="dk1"/>
-          </a:fontRef>
-        </p:style>
-        <p:txBody>
-          <a:bodyPr rtlCol="0" anchor="ctr"/>
-          <a:lstStyle/>
-          <a:p>
-            <a:pPr algn="ctr"/>
-            <a:r>
-              <a:rPr lang="en-CA" dirty="0">
-                <a:solidFill>
-                  <a:schemeClr val="bg2">
-                    <a:lumMod val="90000"/>
-                  </a:schemeClr>
-                </a:solidFill>
-              </a:rPr>
-              <a:t>rechercher</a:t>
-            </a:r>
-            <a:endParaRPr lang="fr-CA" dirty="0">
-              <a:solidFill>
-                <a:schemeClr val="bg2">
-                  <a:lumMod val="90000"/>
-                </a:schemeClr>
-              </a:solidFill>
-            </a:endParaRPr>
-          </a:p>
-        </p:txBody>
-      </p:sp>
-      <p:sp>
-        <p:nvSpPr>
-          <p:cNvPr id="24" name="Ellipse 23">
-            <a:extLst>
-              <a:ext uri="{FF2B5EF4-FFF2-40B4-BE49-F238E27FC236}">
-                <a16:creationId xmlns:a16="http://schemas.microsoft.com/office/drawing/2014/main" id="{499E512F-94D7-EEEA-6EA3-125B72D84BD1}"/>
-              </a:ext>
-            </a:extLst>
-          </p:cNvPr>
-          <p:cNvSpPr/>
-          <p:nvPr/>
-        </p:nvSpPr>
-        <p:spPr>
-          <a:xfrm>
-            <a:off x="2787443" y="2206255"/>
-            <a:ext cx="113067" cy="155179"/>
-          </a:xfrm>
-          <a:prstGeom prst="ellipse">
-            <a:avLst/>
-          </a:prstGeom>
-        </p:spPr>
-        <p:style>
-          <a:lnRef idx="2">
-            <a:schemeClr val="accent6"/>
-          </a:lnRef>
-          <a:fillRef idx="1">
-            <a:schemeClr val="lt1"/>
-          </a:fillRef>
-          <a:effectRef idx="0">
-            <a:schemeClr val="accent6"/>
-          </a:effectRef>
-          <a:fontRef idx="minor">
-            <a:schemeClr val="dk1"/>
-          </a:fontRef>
-        </p:style>
-        <p:txBody>
-          <a:bodyPr rtlCol="0" anchor="ctr"/>
-          <a:lstStyle/>
-          <a:p>
-            <a:pPr algn="ctr"/>
-            <a:endParaRPr lang="fr-CA"/>
-          </a:p>
-        </p:txBody>
-      </p:sp>
-      <p:cxnSp>
-        <p:nvCxnSpPr>
-          <p:cNvPr id="26" name="Connecteur droit 25">
-            <a:extLst>
-              <a:ext uri="{FF2B5EF4-FFF2-40B4-BE49-F238E27FC236}">
-                <a16:creationId xmlns:a16="http://schemas.microsoft.com/office/drawing/2014/main" id="{5171026F-3576-9930-C270-7D33F0F824F1}"/>
-              </a:ext>
-            </a:extLst>
-          </p:cNvPr>
-          <p:cNvCxnSpPr/>
-          <p:nvPr/>
-        </p:nvCxnSpPr>
-        <p:spPr>
-          <a:xfrm flipH="1">
-            <a:off x="2703868" y="2251588"/>
-            <a:ext cx="88490" cy="98322"/>
-          </a:xfrm>
-          <a:prstGeom prst="line">
-            <a:avLst/>
-          </a:prstGeom>
-        </p:spPr>
-        <p:style>
-          <a:lnRef idx="2">
-            <a:schemeClr val="dk1"/>
-          </a:lnRef>
-          <a:fillRef idx="0">
-            <a:schemeClr val="dk1"/>
-          </a:fillRef>
-          <a:effectRef idx="1">
-            <a:schemeClr val="dk1"/>
-          </a:effectRef>
-          <a:fontRef idx="minor">
-            <a:schemeClr val="tx1"/>
-          </a:fontRef>
-        </p:style>
-      </p:cxnSp>
-      <p:sp>
-        <p:nvSpPr>
-          <p:cNvPr id="27" name="Rectangle 26">
-            <a:extLst>
-              <a:ext uri="{FF2B5EF4-FFF2-40B4-BE49-F238E27FC236}">
-                <a16:creationId xmlns:a16="http://schemas.microsoft.com/office/drawing/2014/main" id="{DC4B0C32-F7B7-A973-2371-D38C0458419E}"/>
-              </a:ext>
-            </a:extLst>
-          </p:cNvPr>
-          <p:cNvSpPr/>
-          <p:nvPr/>
-        </p:nvSpPr>
-        <p:spPr>
-          <a:xfrm>
-            <a:off x="2841513" y="4508013"/>
-            <a:ext cx="688258" cy="596075"/>
-          </a:xfrm>
-          <a:prstGeom prst="rect">
-            <a:avLst/>
-          </a:prstGeom>
-        </p:spPr>
-        <p:style>
-          <a:lnRef idx="2">
-            <a:schemeClr val="accent6"/>
-          </a:lnRef>
-          <a:fillRef idx="1">
-            <a:schemeClr val="lt1"/>
-          </a:fillRef>
-          <a:effectRef idx="0">
-            <a:schemeClr val="accent6"/>
-          </a:effectRef>
-          <a:fontRef idx="minor">
-            <a:schemeClr val="dk1"/>
-          </a:fontRef>
-        </p:style>
-        <p:txBody>
-          <a:bodyPr rtlCol="0" anchor="ctr"/>
-          <a:lstStyle/>
-          <a:p>
-            <a:pPr algn="ctr"/>
-            <a:r>
-              <a:rPr lang="en-CA" dirty="0"/>
-              <a:t>G4</a:t>
-            </a:r>
-            <a:endParaRPr lang="fr-CA" dirty="0"/>
-          </a:p>
-        </p:txBody>
-      </p:sp>
-      <p:sp>
-        <p:nvSpPr>
-          <p:cNvPr id="28" name="Rectangle 27">
-            <a:extLst>
-              <a:ext uri="{FF2B5EF4-FFF2-40B4-BE49-F238E27FC236}">
-                <a16:creationId xmlns:a16="http://schemas.microsoft.com/office/drawing/2014/main" id="{D0BF8B73-A991-6BCC-B42A-BCBD70A1EFCA}"/>
-              </a:ext>
-            </a:extLst>
-          </p:cNvPr>
-          <p:cNvSpPr/>
-          <p:nvPr/>
-        </p:nvSpPr>
-        <p:spPr>
-          <a:xfrm>
-            <a:off x="2829243" y="3843948"/>
-            <a:ext cx="688258" cy="596075"/>
-          </a:xfrm>
-          <a:prstGeom prst="rect">
-            <a:avLst/>
-          </a:prstGeom>
-        </p:spPr>
-        <p:style>
-          <a:lnRef idx="2">
-            <a:schemeClr val="accent6"/>
-          </a:lnRef>
-          <a:fillRef idx="1">
-            <a:schemeClr val="lt1"/>
-          </a:fillRef>
-          <a:effectRef idx="0">
-            <a:schemeClr val="accent6"/>
-          </a:effectRef>
-          <a:fontRef idx="minor">
-            <a:schemeClr val="dk1"/>
-          </a:fontRef>
-        </p:style>
-        <p:txBody>
-          <a:bodyPr rtlCol="0" anchor="ctr"/>
-          <a:lstStyle/>
-          <a:p>
-            <a:pPr algn="ctr"/>
-            <a:r>
-              <a:rPr lang="en-CA" dirty="0"/>
-              <a:t>G3</a:t>
-            </a:r>
-            <a:endParaRPr lang="fr-CA" dirty="0"/>
-          </a:p>
-        </p:txBody>
-      </p:sp>
-      <p:sp>
-        <p:nvSpPr>
-          <p:cNvPr id="29" name="Rectangle 28">
-            <a:extLst>
-              <a:ext uri="{FF2B5EF4-FFF2-40B4-BE49-F238E27FC236}">
-                <a16:creationId xmlns:a16="http://schemas.microsoft.com/office/drawing/2014/main" id="{E98AA7EF-74C1-E7E2-7744-6FA54BEA6EC4}"/>
-              </a:ext>
-            </a:extLst>
-          </p:cNvPr>
-          <p:cNvSpPr/>
-          <p:nvPr/>
-        </p:nvSpPr>
-        <p:spPr>
-          <a:xfrm>
-            <a:off x="2829243" y="3143257"/>
-            <a:ext cx="688258" cy="596075"/>
-          </a:xfrm>
-          <a:prstGeom prst="rect">
-            <a:avLst/>
-          </a:prstGeom>
-        </p:spPr>
-        <p:style>
-          <a:lnRef idx="2">
-            <a:schemeClr val="accent6"/>
-          </a:lnRef>
-          <a:fillRef idx="1">
-            <a:schemeClr val="lt1"/>
-          </a:fillRef>
-          <a:effectRef idx="0">
-            <a:schemeClr val="accent6"/>
-          </a:effectRef>
-          <a:fontRef idx="minor">
-            <a:schemeClr val="dk1"/>
-          </a:fontRef>
-        </p:style>
-        <p:txBody>
-          <a:bodyPr rtlCol="0" anchor="ctr"/>
-          <a:lstStyle/>
-          <a:p>
-            <a:pPr algn="ctr"/>
-            <a:r>
-              <a:rPr lang="en-CA" dirty="0"/>
-              <a:t>G2</a:t>
-            </a:r>
-            <a:endParaRPr lang="fr-CA" dirty="0"/>
-          </a:p>
-        </p:txBody>
-      </p:sp>
-      <p:sp>
-        <p:nvSpPr>
-          <p:cNvPr id="30" name="Rectangle 29">
-            <a:extLst>
-              <a:ext uri="{FF2B5EF4-FFF2-40B4-BE49-F238E27FC236}">
-                <a16:creationId xmlns:a16="http://schemas.microsoft.com/office/drawing/2014/main" id="{0313C2B9-EE15-620F-9E79-166D77DCC013}"/>
-              </a:ext>
-            </a:extLst>
-          </p:cNvPr>
-          <p:cNvSpPr/>
-          <p:nvPr/>
-        </p:nvSpPr>
-        <p:spPr>
-          <a:xfrm>
-            <a:off x="2841513" y="2469330"/>
-            <a:ext cx="688258" cy="596075"/>
-          </a:xfrm>
-          <a:prstGeom prst="rect">
-            <a:avLst/>
-          </a:prstGeom>
-        </p:spPr>
-        <p:style>
-          <a:lnRef idx="2">
-            <a:schemeClr val="accent6"/>
-          </a:lnRef>
-          <a:fillRef idx="1">
-            <a:schemeClr val="lt1"/>
-          </a:fillRef>
-          <a:effectRef idx="0">
-            <a:schemeClr val="accent6"/>
-          </a:effectRef>
-          <a:fontRef idx="minor">
-            <a:schemeClr val="dk1"/>
-          </a:fontRef>
-        </p:style>
-        <p:txBody>
-          <a:bodyPr rtlCol="0" anchor="ctr"/>
-          <a:lstStyle/>
-          <a:p>
-            <a:pPr algn="ctr"/>
-            <a:r>
-              <a:rPr lang="en-CA" dirty="0"/>
-              <a:t>G1</a:t>
-            </a:r>
-            <a:endParaRPr lang="fr-CA" dirty="0"/>
-          </a:p>
-        </p:txBody>
-      </p:sp>
-      <p:sp>
-        <p:nvSpPr>
-          <p:cNvPr id="31" name="Rectangle 30">
-            <a:extLst>
-              <a:ext uri="{FF2B5EF4-FFF2-40B4-BE49-F238E27FC236}">
-                <a16:creationId xmlns:a16="http://schemas.microsoft.com/office/drawing/2014/main" id="{3AD17BCF-D6E1-0190-542D-B6FE1A964351}"/>
-              </a:ext>
-            </a:extLst>
-          </p:cNvPr>
-          <p:cNvSpPr/>
-          <p:nvPr/>
-        </p:nvSpPr>
-        <p:spPr>
-          <a:xfrm>
-            <a:off x="9510231" y="4408535"/>
-            <a:ext cx="688258" cy="596075"/>
-          </a:xfrm>
-          <a:prstGeom prst="rect">
-            <a:avLst/>
-          </a:prstGeom>
-        </p:spPr>
-        <p:style>
-          <a:lnRef idx="2">
-            <a:schemeClr val="accent6"/>
-          </a:lnRef>
-          <a:fillRef idx="1">
-            <a:schemeClr val="lt1"/>
-          </a:fillRef>
-          <a:effectRef idx="0">
-            <a:schemeClr val="accent6"/>
-          </a:effectRef>
-          <a:fontRef idx="minor">
-            <a:schemeClr val="dk1"/>
-          </a:fontRef>
-        </p:style>
-        <p:txBody>
-          <a:bodyPr rtlCol="0" anchor="ctr"/>
-          <a:lstStyle/>
-          <a:p>
-            <a:pPr algn="ctr"/>
-            <a:r>
-              <a:rPr lang="en-CA" dirty="0"/>
-              <a:t>D4</a:t>
-            </a:r>
-            <a:endParaRPr lang="fr-CA" dirty="0"/>
-          </a:p>
-        </p:txBody>
-      </p:sp>
-      <p:sp>
-        <p:nvSpPr>
-          <p:cNvPr id="32" name="Rectangle 31">
-            <a:extLst>
-              <a:ext uri="{FF2B5EF4-FFF2-40B4-BE49-F238E27FC236}">
-                <a16:creationId xmlns:a16="http://schemas.microsoft.com/office/drawing/2014/main" id="{741D4FAF-D2B7-34C9-B76C-592EFA0A80CC}"/>
-              </a:ext>
-            </a:extLst>
-          </p:cNvPr>
-          <p:cNvSpPr/>
-          <p:nvPr/>
-        </p:nvSpPr>
-        <p:spPr>
-          <a:xfrm>
-            <a:off x="9510231" y="3770911"/>
-            <a:ext cx="688258" cy="596075"/>
-          </a:xfrm>
-          <a:prstGeom prst="rect">
-            <a:avLst/>
-          </a:prstGeom>
-        </p:spPr>
-        <p:style>
-          <a:lnRef idx="2">
-            <a:schemeClr val="accent6"/>
-          </a:lnRef>
-          <a:fillRef idx="1">
-            <a:schemeClr val="lt1"/>
-          </a:fillRef>
-          <a:effectRef idx="0">
-            <a:schemeClr val="accent6"/>
-          </a:effectRef>
-          <a:fontRef idx="minor">
-            <a:schemeClr val="dk1"/>
-          </a:fontRef>
-        </p:style>
-        <p:txBody>
-          <a:bodyPr rtlCol="0" anchor="ctr"/>
-          <a:lstStyle/>
-          <a:p>
-            <a:pPr algn="ctr"/>
-            <a:r>
-              <a:rPr lang="en-CA" dirty="0"/>
-              <a:t>D3</a:t>
-            </a:r>
-            <a:endParaRPr lang="fr-CA" dirty="0"/>
-          </a:p>
-        </p:txBody>
-      </p:sp>
-      <p:sp>
-        <p:nvSpPr>
-          <p:cNvPr id="33" name="Rectangle 32">
-            <a:extLst>
-              <a:ext uri="{FF2B5EF4-FFF2-40B4-BE49-F238E27FC236}">
-                <a16:creationId xmlns:a16="http://schemas.microsoft.com/office/drawing/2014/main" id="{5758B2D0-BB0C-116F-61C0-33D8D0965676}"/>
-              </a:ext>
-            </a:extLst>
-          </p:cNvPr>
-          <p:cNvSpPr/>
-          <p:nvPr/>
-        </p:nvSpPr>
-        <p:spPr>
-          <a:xfrm>
-            <a:off x="9510231" y="3107002"/>
-            <a:ext cx="688258" cy="596075"/>
-          </a:xfrm>
-          <a:prstGeom prst="rect">
-            <a:avLst/>
-          </a:prstGeom>
-        </p:spPr>
-        <p:style>
-          <a:lnRef idx="2">
-            <a:schemeClr val="accent6"/>
-          </a:lnRef>
-          <a:fillRef idx="1">
-            <a:schemeClr val="lt1"/>
-          </a:fillRef>
-          <a:effectRef idx="0">
-            <a:schemeClr val="accent6"/>
-          </a:effectRef>
-          <a:fontRef idx="minor">
-            <a:schemeClr val="dk1"/>
-          </a:fontRef>
-        </p:style>
-        <p:txBody>
-          <a:bodyPr rtlCol="0" anchor="ctr"/>
-          <a:lstStyle/>
-          <a:p>
-            <a:pPr algn="ctr"/>
-            <a:r>
-              <a:rPr lang="en-CA" dirty="0"/>
-              <a:t>D2</a:t>
-            </a:r>
-            <a:endParaRPr lang="fr-CA" dirty="0"/>
-          </a:p>
-        </p:txBody>
-      </p:sp>
-      <p:sp>
-        <p:nvSpPr>
-          <p:cNvPr id="34" name="Rectangle 33">
-            <a:extLst>
-              <a:ext uri="{FF2B5EF4-FFF2-40B4-BE49-F238E27FC236}">
-                <a16:creationId xmlns:a16="http://schemas.microsoft.com/office/drawing/2014/main" id="{8DA4B5C3-4DFB-C099-FC61-15435363C03D}"/>
-              </a:ext>
-            </a:extLst>
-          </p:cNvPr>
-          <p:cNvSpPr/>
-          <p:nvPr/>
-        </p:nvSpPr>
-        <p:spPr>
-          <a:xfrm>
-            <a:off x="9488111" y="2456525"/>
-            <a:ext cx="688258" cy="596075"/>
-          </a:xfrm>
-          <a:prstGeom prst="rect">
-            <a:avLst/>
-          </a:prstGeom>
-        </p:spPr>
-        <p:style>
-          <a:lnRef idx="2">
-            <a:schemeClr val="accent6"/>
-          </a:lnRef>
-          <a:fillRef idx="1">
-            <a:schemeClr val="lt1"/>
-          </a:fillRef>
-          <a:effectRef idx="0">
-            <a:schemeClr val="accent6"/>
-          </a:effectRef>
-          <a:fontRef idx="minor">
-            <a:schemeClr val="dk1"/>
-          </a:fontRef>
-        </p:style>
-        <p:txBody>
-          <a:bodyPr rtlCol="0" anchor="ctr"/>
-          <a:lstStyle/>
-          <a:p>
-            <a:pPr algn="ctr"/>
-            <a:r>
-              <a:rPr lang="en-CA" dirty="0"/>
-              <a:t>D1</a:t>
-            </a:r>
-            <a:endParaRPr lang="fr-CA" dirty="0"/>
-          </a:p>
-        </p:txBody>
-      </p:sp>
-      <p:sp>
-        <p:nvSpPr>
-          <p:cNvPr id="35" name="Rectangle 34">
-            <a:extLst>
-              <a:ext uri="{FF2B5EF4-FFF2-40B4-BE49-F238E27FC236}">
-                <a16:creationId xmlns:a16="http://schemas.microsoft.com/office/drawing/2014/main" id="{BEA77E1C-A5EE-E232-B103-B4AB8B37F9B3}"/>
-              </a:ext>
-            </a:extLst>
-          </p:cNvPr>
-          <p:cNvSpPr/>
-          <p:nvPr/>
-        </p:nvSpPr>
-        <p:spPr>
-          <a:xfrm>
-            <a:off x="2841527" y="5181295"/>
-            <a:ext cx="688258" cy="596075"/>
-          </a:xfrm>
-          <a:prstGeom prst="rect">
-            <a:avLst/>
-          </a:prstGeom>
-        </p:spPr>
-        <p:style>
-          <a:lnRef idx="2">
-            <a:schemeClr val="accent6"/>
-          </a:lnRef>
-          <a:fillRef idx="1">
-            <a:schemeClr val="lt1"/>
-          </a:fillRef>
-          <a:effectRef idx="0">
-            <a:schemeClr val="accent6"/>
-          </a:effectRef>
-          <a:fontRef idx="minor">
-            <a:schemeClr val="dk1"/>
-          </a:fontRef>
-        </p:style>
-        <p:txBody>
-          <a:bodyPr rtlCol="0" anchor="ctr"/>
-          <a:lstStyle/>
-          <a:p>
-            <a:pPr algn="ctr"/>
-            <a:r>
-              <a:rPr lang="en-CA" dirty="0"/>
-              <a:t>G5</a:t>
-            </a:r>
-            <a:endParaRPr lang="fr-CA" dirty="0"/>
-          </a:p>
-        </p:txBody>
-      </p:sp>
-      <p:sp>
-        <p:nvSpPr>
-          <p:cNvPr id="36" name="Rectangle 35">
-            <a:extLst>
-              <a:ext uri="{FF2B5EF4-FFF2-40B4-BE49-F238E27FC236}">
-                <a16:creationId xmlns:a16="http://schemas.microsoft.com/office/drawing/2014/main" id="{0001F420-DF28-8102-7468-318BE82ED6BA}"/>
-              </a:ext>
-            </a:extLst>
-          </p:cNvPr>
-          <p:cNvSpPr/>
-          <p:nvPr/>
-        </p:nvSpPr>
-        <p:spPr>
-          <a:xfrm>
-            <a:off x="9510231" y="5076367"/>
-            <a:ext cx="688258" cy="596075"/>
-          </a:xfrm>
-          <a:prstGeom prst="rect">
-            <a:avLst/>
-          </a:prstGeom>
-        </p:spPr>
-        <p:style>
-          <a:lnRef idx="2">
-            <a:schemeClr val="accent6"/>
-          </a:lnRef>
-          <a:fillRef idx="1">
-            <a:schemeClr val="lt1"/>
-          </a:fillRef>
-          <a:effectRef idx="0">
-            <a:schemeClr val="accent6"/>
-          </a:effectRef>
-          <a:fontRef idx="minor">
-            <a:schemeClr val="dk1"/>
-          </a:fontRef>
-        </p:style>
-        <p:txBody>
-          <a:bodyPr rtlCol="0" anchor="ctr"/>
-          <a:lstStyle/>
-          <a:p>
-            <a:pPr algn="ctr"/>
-            <a:r>
-              <a:rPr lang="en-CA" dirty="0"/>
-              <a:t>D5</a:t>
-            </a:r>
-            <a:endParaRPr lang="fr-CA" dirty="0"/>
-          </a:p>
-        </p:txBody>
-      </p:sp>
-    </p:spTree>
-    <p:extLst>
-      <p:ext uri="{BB962C8B-B14F-4D97-AF65-F5344CB8AC3E}">
-        <p14:creationId xmlns:p14="http://schemas.microsoft.com/office/powerpoint/2010/main" val="3431780838"/>
-      </p:ext>
-    </p:extLst>
-  </p:cSld>
-  <p:clrMapOvr>
-    <a:masterClrMapping/>
-  </p:clrMapOvr>
-</p:sld>
-</file>
-
-<file path=ppt/slides/slide3.xml><?xml version="1.0" encoding="utf-8"?>
 <p:sld xmlns:a="http://schemas.openxmlformats.org/drawingml/2006/main" xmlns:r="http://schemas.openxmlformats.org/officeDocument/2006/relationships" xmlns:p="http://schemas.openxmlformats.org/presentationml/2006/main">
   <p:cSld>
     <p:spTree>

--- a/visualisation.pptx
+++ b/visualisation.pptx
@@ -4697,7 +4697,7 @@
         </p:nvSpPr>
         <p:spPr>
           <a:xfrm rot="10800000">
-            <a:off x="5546726" y="1870118"/>
+            <a:off x="5643710" y="1852224"/>
             <a:ext cx="226142" cy="274075"/>
           </a:xfrm>
           <a:prstGeom prst="triangle">

--- a/visualisation.pptx
+++ b/visualisation.pptx
@@ -6523,8 +6523,8 @@
         </p:nvSpPr>
         <p:spPr>
           <a:xfrm>
-            <a:off x="2595717" y="6157902"/>
-            <a:ext cx="7479892" cy="559830"/>
+            <a:off x="2769003" y="6175841"/>
+            <a:ext cx="7503246" cy="559830"/>
           </a:xfrm>
           <a:prstGeom prst="rect">
             <a:avLst/>
@@ -6569,7 +6569,7 @@
         </p:nvSpPr>
         <p:spPr>
           <a:xfrm>
-            <a:off x="2769002" y="2434975"/>
+            <a:off x="2788666" y="2434526"/>
             <a:ext cx="7479892" cy="224453"/>
           </a:xfrm>
           <a:prstGeom prst="rect">
@@ -6901,7 +6901,7 @@
         </p:nvSpPr>
         <p:spPr>
           <a:xfrm>
-            <a:off x="9510231" y="4693669"/>
+            <a:off x="9500399" y="4764034"/>
             <a:ext cx="688258" cy="596075"/>
           </a:xfrm>
           <a:prstGeom prst="rect">
@@ -6949,7 +6949,7 @@
         </p:nvSpPr>
         <p:spPr>
           <a:xfrm>
-            <a:off x="9510231" y="4056045"/>
+            <a:off x="9510231" y="4096929"/>
             <a:ext cx="688258" cy="596075"/>
           </a:xfrm>
           <a:prstGeom prst="rect">
@@ -6997,7 +6997,7 @@
         </p:nvSpPr>
         <p:spPr>
           <a:xfrm>
-            <a:off x="9500399" y="3392136"/>
+            <a:off x="9510231" y="3428398"/>
             <a:ext cx="688258" cy="596075"/>
           </a:xfrm>
           <a:prstGeom prst="rect">
@@ -7141,7 +7141,7 @@
         </p:nvSpPr>
         <p:spPr>
           <a:xfrm>
-            <a:off x="9510231" y="5361501"/>
+            <a:off x="9500399" y="5472024"/>
             <a:ext cx="688258" cy="596075"/>
           </a:xfrm>
           <a:prstGeom prst="rect">

--- a/visualisation.pptx
+++ b/visualisation.pptx
@@ -5,8 +5,10 @@
     <p:sldMasterId id="2147483648" r:id="rId1"/>
   </p:sldMasterIdLst>
   <p:sldIdLst>
-    <p:sldId id="256" r:id="rId2"/>
-    <p:sldId id="261" r:id="rId3"/>
+    <p:sldId id="263" r:id="rId2"/>
+    <p:sldId id="256" r:id="rId3"/>
+    <p:sldId id="261" r:id="rId4"/>
+    <p:sldId id="262" r:id="rId5"/>
   </p:sldIdLst>
   <p:sldSz cx="12192000" cy="6858000"/>
   <p:notesSz cx="6858000" cy="9144000"/>
@@ -1363,7 +1365,7 @@
           <a:p>
             <a:fld id="{8D4533B8-79F3-4EF0-9AD5-EC34735398E5}" type="datetimeFigureOut">
               <a:rPr lang="fr-CA" smtClean="0"/>
-              <a:t>2025-05-12</a:t>
+              <a:t>2025-05-14</a:t>
             </a:fld>
             <a:endParaRPr lang="fr-CA"/>
           </a:p>
@@ -1561,7 +1563,7 @@
           <a:p>
             <a:fld id="{8D4533B8-79F3-4EF0-9AD5-EC34735398E5}" type="datetimeFigureOut">
               <a:rPr lang="fr-CA" smtClean="0"/>
-              <a:t>2025-05-12</a:t>
+              <a:t>2025-05-14</a:t>
             </a:fld>
             <a:endParaRPr lang="fr-CA"/>
           </a:p>
@@ -1769,7 +1771,7 @@
           <a:p>
             <a:fld id="{8D4533B8-79F3-4EF0-9AD5-EC34735398E5}" type="datetimeFigureOut">
               <a:rPr lang="fr-CA" smtClean="0"/>
-              <a:t>2025-05-12</a:t>
+              <a:t>2025-05-14</a:t>
             </a:fld>
             <a:endParaRPr lang="fr-CA"/>
           </a:p>
@@ -1967,7 +1969,7 @@
           <a:p>
             <a:fld id="{8D4533B8-79F3-4EF0-9AD5-EC34735398E5}" type="datetimeFigureOut">
               <a:rPr lang="fr-CA" smtClean="0"/>
-              <a:t>2025-05-12</a:t>
+              <a:t>2025-05-14</a:t>
             </a:fld>
             <a:endParaRPr lang="fr-CA"/>
           </a:p>
@@ -2242,7 +2244,7 @@
           <a:p>
             <a:fld id="{8D4533B8-79F3-4EF0-9AD5-EC34735398E5}" type="datetimeFigureOut">
               <a:rPr lang="fr-CA" smtClean="0"/>
-              <a:t>2025-05-12</a:t>
+              <a:t>2025-05-14</a:t>
             </a:fld>
             <a:endParaRPr lang="fr-CA"/>
           </a:p>
@@ -2507,7 +2509,7 @@
           <a:p>
             <a:fld id="{8D4533B8-79F3-4EF0-9AD5-EC34735398E5}" type="datetimeFigureOut">
               <a:rPr lang="fr-CA" smtClean="0"/>
-              <a:t>2025-05-12</a:t>
+              <a:t>2025-05-14</a:t>
             </a:fld>
             <a:endParaRPr lang="fr-CA"/>
           </a:p>
@@ -2919,7 +2921,7 @@
           <a:p>
             <a:fld id="{8D4533B8-79F3-4EF0-9AD5-EC34735398E5}" type="datetimeFigureOut">
               <a:rPr lang="fr-CA" smtClean="0"/>
-              <a:t>2025-05-12</a:t>
+              <a:t>2025-05-14</a:t>
             </a:fld>
             <a:endParaRPr lang="fr-CA"/>
           </a:p>
@@ -3060,7 +3062,7 @@
           <a:p>
             <a:fld id="{8D4533B8-79F3-4EF0-9AD5-EC34735398E5}" type="datetimeFigureOut">
               <a:rPr lang="fr-CA" smtClean="0"/>
-              <a:t>2025-05-12</a:t>
+              <a:t>2025-05-14</a:t>
             </a:fld>
             <a:endParaRPr lang="fr-CA"/>
           </a:p>
@@ -3173,7 +3175,7 @@
           <a:p>
             <a:fld id="{8D4533B8-79F3-4EF0-9AD5-EC34735398E5}" type="datetimeFigureOut">
               <a:rPr lang="fr-CA" smtClean="0"/>
-              <a:t>2025-05-12</a:t>
+              <a:t>2025-05-14</a:t>
             </a:fld>
             <a:endParaRPr lang="fr-CA"/>
           </a:p>
@@ -3484,7 +3486,7 @@
           <a:p>
             <a:fld id="{8D4533B8-79F3-4EF0-9AD5-EC34735398E5}" type="datetimeFigureOut">
               <a:rPr lang="fr-CA" smtClean="0"/>
-              <a:t>2025-05-12</a:t>
+              <a:t>2025-05-14</a:t>
             </a:fld>
             <a:endParaRPr lang="fr-CA"/>
           </a:p>
@@ -3772,7 +3774,7 @@
           <a:p>
             <a:fld id="{8D4533B8-79F3-4EF0-9AD5-EC34735398E5}" type="datetimeFigureOut">
               <a:rPr lang="fr-CA" smtClean="0"/>
-              <a:t>2025-05-12</a:t>
+              <a:t>2025-05-14</a:t>
             </a:fld>
             <a:endParaRPr lang="fr-CA"/>
           </a:p>
@@ -4013,7 +4015,7 @@
           <a:p>
             <a:fld id="{8D4533B8-79F3-4EF0-9AD5-EC34735398E5}" type="datetimeFigureOut">
               <a:rPr lang="fr-CA" smtClean="0"/>
-              <a:t>2025-05-12</a:t>
+              <a:t>2025-05-14</a:t>
             </a:fld>
             <a:endParaRPr lang="fr-CA"/>
           </a:p>
@@ -4430,6 +4432,210 @@
           <a:chExt cx="0" cy="0"/>
         </a:xfrm>
       </p:grpSpPr>
+      <p:pic>
+        <p:nvPicPr>
+          <p:cNvPr id="4" name="Image 3">
+            <a:extLst>
+              <a:ext uri="{FF2B5EF4-FFF2-40B4-BE49-F238E27FC236}">
+                <a16:creationId xmlns:a16="http://schemas.microsoft.com/office/drawing/2014/main" id="{C587226D-324C-A608-F2E8-0E1D66B9CA47}"/>
+              </a:ext>
+            </a:extLst>
+          </p:cNvPr>
+          <p:cNvPicPr>
+            <a:picLocks noChangeAspect="1"/>
+          </p:cNvPicPr>
+          <p:nvPr/>
+        </p:nvPicPr>
+        <p:blipFill>
+          <a:blip r:embed="rId2"/>
+          <a:stretch>
+            <a:fillRect/>
+          </a:stretch>
+        </p:blipFill>
+        <p:spPr>
+          <a:xfrm>
+            <a:off x="6671597" y="389627"/>
+            <a:ext cx="3408833" cy="2676384"/>
+          </a:xfrm>
+          <a:prstGeom prst="rect">
+            <a:avLst/>
+          </a:prstGeom>
+        </p:spPr>
+      </p:pic>
+      <p:sp>
+        <p:nvSpPr>
+          <p:cNvPr id="5" name="ZoneTexte 4">
+            <a:extLst>
+              <a:ext uri="{FF2B5EF4-FFF2-40B4-BE49-F238E27FC236}">
+                <a16:creationId xmlns:a16="http://schemas.microsoft.com/office/drawing/2014/main" id="{65BE2CC8-A51F-979B-9587-1A72A060D80B}"/>
+              </a:ext>
+            </a:extLst>
+          </p:cNvPr>
+          <p:cNvSpPr txBox="1"/>
+          <p:nvPr/>
+        </p:nvSpPr>
+        <p:spPr>
+          <a:xfrm>
+            <a:off x="2320413" y="4768645"/>
+            <a:ext cx="6789744" cy="646331"/>
+          </a:xfrm>
+          <a:prstGeom prst="rect">
+            <a:avLst/>
+          </a:prstGeom>
+          <a:noFill/>
+        </p:spPr>
+        <p:txBody>
+          <a:bodyPr wrap="none" rtlCol="0">
+            <a:spAutoFit/>
+          </a:bodyPr>
+          <a:lstStyle/>
+          <a:p>
+            <a:r>
+              <a:rPr lang="en-CA" dirty="0"/>
+              <a:t>Ces deux images ont été prises sur Wikipedia, l’une d’elles peut se </a:t>
+            </a:r>
+          </a:p>
+          <a:p>
+            <a:r>
+              <a:rPr lang="en-CA" dirty="0"/>
+              <a:t>Retrouver en arrière plan du site</a:t>
+            </a:r>
+            <a:endParaRPr lang="fr-CA" dirty="0"/>
+          </a:p>
+        </p:txBody>
+      </p:sp>
+      <p:pic>
+        <p:nvPicPr>
+          <p:cNvPr id="6" name="Image 5">
+            <a:extLst>
+              <a:ext uri="{FF2B5EF4-FFF2-40B4-BE49-F238E27FC236}">
+                <a16:creationId xmlns:a16="http://schemas.microsoft.com/office/drawing/2014/main" id="{DEFB0510-5956-5C98-C0C3-F6AA395F8ADD}"/>
+              </a:ext>
+            </a:extLst>
+          </p:cNvPr>
+          <p:cNvPicPr>
+            <a:picLocks noChangeAspect="1"/>
+          </p:cNvPicPr>
+          <p:nvPr/>
+        </p:nvPicPr>
+        <p:blipFill>
+          <a:blip r:embed="rId3"/>
+          <a:stretch>
+            <a:fillRect/>
+          </a:stretch>
+        </p:blipFill>
+        <p:spPr>
+          <a:xfrm>
+            <a:off x="845432" y="389627"/>
+            <a:ext cx="3185890" cy="2200168"/>
+          </a:xfrm>
+          <a:prstGeom prst="rect">
+            <a:avLst/>
+          </a:prstGeom>
+        </p:spPr>
+      </p:pic>
+      <p:sp>
+        <p:nvSpPr>
+          <p:cNvPr id="7" name="ZoneTexte 6">
+            <a:extLst>
+              <a:ext uri="{FF2B5EF4-FFF2-40B4-BE49-F238E27FC236}">
+                <a16:creationId xmlns:a16="http://schemas.microsoft.com/office/drawing/2014/main" id="{E29C77E2-30FD-5397-4423-97E62C9D39DA}"/>
+              </a:ext>
+            </a:extLst>
+          </p:cNvPr>
+          <p:cNvSpPr txBox="1"/>
+          <p:nvPr/>
+        </p:nvSpPr>
+        <p:spPr>
+          <a:xfrm>
+            <a:off x="495794" y="3244334"/>
+            <a:ext cx="3885166" cy="369332"/>
+          </a:xfrm>
+          <a:prstGeom prst="rect">
+            <a:avLst/>
+          </a:prstGeom>
+          <a:noFill/>
+        </p:spPr>
+        <p:txBody>
+          <a:bodyPr wrap="none" rtlCol="0">
+            <a:spAutoFit/>
+          </a:bodyPr>
+          <a:lstStyle/>
+          <a:p>
+            <a:r>
+              <a:rPr lang="en-CA" dirty="0"/>
+              <a:t>Parc de l’hotel de Ville de King County</a:t>
+            </a:r>
+            <a:endParaRPr lang="fr-CA" dirty="0"/>
+          </a:p>
+        </p:txBody>
+      </p:sp>
+      <p:sp>
+        <p:nvSpPr>
+          <p:cNvPr id="8" name="ZoneTexte 7">
+            <a:extLst>
+              <a:ext uri="{FF2B5EF4-FFF2-40B4-BE49-F238E27FC236}">
+                <a16:creationId xmlns:a16="http://schemas.microsoft.com/office/drawing/2014/main" id="{EE47D8B8-0189-3557-C120-15EB292FCA06}"/>
+              </a:ext>
+            </a:extLst>
+          </p:cNvPr>
+          <p:cNvSpPr txBox="1"/>
+          <p:nvPr/>
+        </p:nvSpPr>
+        <p:spPr>
+          <a:xfrm>
+            <a:off x="7275136" y="3244334"/>
+            <a:ext cx="2201757" cy="369332"/>
+          </a:xfrm>
+          <a:prstGeom prst="rect">
+            <a:avLst/>
+          </a:prstGeom>
+          <a:noFill/>
+        </p:spPr>
+        <p:txBody>
+          <a:bodyPr wrap="none" rtlCol="0">
+            <a:spAutoFit/>
+          </a:bodyPr>
+          <a:lstStyle/>
+          <a:p>
+            <a:r>
+              <a:rPr lang="en-CA" dirty="0"/>
+              <a:t>Logo de King County</a:t>
+            </a:r>
+            <a:endParaRPr lang="fr-CA" dirty="0"/>
+          </a:p>
+        </p:txBody>
+      </p:sp>
+    </p:spTree>
+    <p:extLst>
+      <p:ext uri="{BB962C8B-B14F-4D97-AF65-F5344CB8AC3E}">
+        <p14:creationId xmlns:p14="http://schemas.microsoft.com/office/powerpoint/2010/main" val="2457890346"/>
+      </p:ext>
+    </p:extLst>
+  </p:cSld>
+  <p:clrMapOvr>
+    <a:masterClrMapping/>
+  </p:clrMapOvr>
+</p:sld>
+</file>
+
+<file path=ppt/slides/slide2.xml><?xml version="1.0" encoding="utf-8"?>
+<p:sld xmlns:a="http://schemas.openxmlformats.org/drawingml/2006/main" xmlns:r="http://schemas.openxmlformats.org/officeDocument/2006/relationships" xmlns:p="http://schemas.openxmlformats.org/presentationml/2006/main">
+  <p:cSld>
+    <p:spTree>
+      <p:nvGrpSpPr>
+        <p:cNvPr id="1" name=""/>
+        <p:cNvGrpSpPr/>
+        <p:nvPr/>
+      </p:nvGrpSpPr>
+      <p:grpSpPr>
+        <a:xfrm>
+          <a:off x="0" y="0"/>
+          <a:ext cx="0" cy="0"/>
+          <a:chOff x="0" y="0"/>
+          <a:chExt cx="0" cy="0"/>
+        </a:xfrm>
+      </p:grpSpPr>
       <p:sp>
         <p:nvSpPr>
           <p:cNvPr id="13" name="Rectangle 12">
@@ -4522,10 +4728,10 @@
           <a:p>
             <a:pPr algn="ctr"/>
             <a:r>
-              <a:rPr lang="en-CA" dirty="0"/>
+              <a:rPr lang="en-CA" sz="4000" dirty="0"/>
               <a:t>Carte du Comte</a:t>
             </a:r>
-            <a:endParaRPr lang="fr-CA" dirty="0"/>
+            <a:endParaRPr lang="fr-CA" sz="4000" dirty="0"/>
           </a:p>
         </p:txBody>
       </p:sp>
@@ -5007,486 +5213,6 @@
           </a:fontRef>
         </p:style>
       </p:cxnSp>
-      <p:sp>
-        <p:nvSpPr>
-          <p:cNvPr id="27" name="Rectangle 26">
-            <a:extLst>
-              <a:ext uri="{FF2B5EF4-FFF2-40B4-BE49-F238E27FC236}">
-                <a16:creationId xmlns:a16="http://schemas.microsoft.com/office/drawing/2014/main" id="{6189C426-A7B5-F81E-9CDB-7AAB3420C401}"/>
-              </a:ext>
-            </a:extLst>
-          </p:cNvPr>
-          <p:cNvSpPr/>
-          <p:nvPr/>
-        </p:nvSpPr>
-        <p:spPr>
-          <a:xfrm>
-            <a:off x="2841513" y="4793147"/>
-            <a:ext cx="688258" cy="596075"/>
-          </a:xfrm>
-          <a:prstGeom prst="rect">
-            <a:avLst/>
-          </a:prstGeom>
-        </p:spPr>
-        <p:style>
-          <a:lnRef idx="2">
-            <a:schemeClr val="accent6"/>
-          </a:lnRef>
-          <a:fillRef idx="1">
-            <a:schemeClr val="lt1"/>
-          </a:fillRef>
-          <a:effectRef idx="0">
-            <a:schemeClr val="accent6"/>
-          </a:effectRef>
-          <a:fontRef idx="minor">
-            <a:schemeClr val="dk1"/>
-          </a:fontRef>
-        </p:style>
-        <p:txBody>
-          <a:bodyPr rtlCol="0" anchor="ctr"/>
-          <a:lstStyle/>
-          <a:p>
-            <a:pPr algn="ctr"/>
-            <a:r>
-              <a:rPr lang="en-CA" dirty="0"/>
-              <a:t>G4</a:t>
-            </a:r>
-            <a:endParaRPr lang="fr-CA" dirty="0"/>
-          </a:p>
-        </p:txBody>
-      </p:sp>
-      <p:sp>
-        <p:nvSpPr>
-          <p:cNvPr id="28" name="Rectangle 27">
-            <a:extLst>
-              <a:ext uri="{FF2B5EF4-FFF2-40B4-BE49-F238E27FC236}">
-                <a16:creationId xmlns:a16="http://schemas.microsoft.com/office/drawing/2014/main" id="{3BB4EA8A-90CE-7A4B-A85B-CEBA9BD94F7E}"/>
-              </a:ext>
-            </a:extLst>
-          </p:cNvPr>
-          <p:cNvSpPr/>
-          <p:nvPr/>
-        </p:nvSpPr>
-        <p:spPr>
-          <a:xfrm>
-            <a:off x="2829243" y="4129082"/>
-            <a:ext cx="688258" cy="596075"/>
-          </a:xfrm>
-          <a:prstGeom prst="rect">
-            <a:avLst/>
-          </a:prstGeom>
-        </p:spPr>
-        <p:style>
-          <a:lnRef idx="2">
-            <a:schemeClr val="accent6"/>
-          </a:lnRef>
-          <a:fillRef idx="1">
-            <a:schemeClr val="lt1"/>
-          </a:fillRef>
-          <a:effectRef idx="0">
-            <a:schemeClr val="accent6"/>
-          </a:effectRef>
-          <a:fontRef idx="minor">
-            <a:schemeClr val="dk1"/>
-          </a:fontRef>
-        </p:style>
-        <p:txBody>
-          <a:bodyPr rtlCol="0" anchor="ctr"/>
-          <a:lstStyle/>
-          <a:p>
-            <a:pPr algn="ctr"/>
-            <a:r>
-              <a:rPr lang="en-CA" dirty="0"/>
-              <a:t>G3</a:t>
-            </a:r>
-            <a:endParaRPr lang="fr-CA" dirty="0"/>
-          </a:p>
-        </p:txBody>
-      </p:sp>
-      <p:sp>
-        <p:nvSpPr>
-          <p:cNvPr id="29" name="Rectangle 28">
-            <a:extLst>
-              <a:ext uri="{FF2B5EF4-FFF2-40B4-BE49-F238E27FC236}">
-                <a16:creationId xmlns:a16="http://schemas.microsoft.com/office/drawing/2014/main" id="{CA52473A-A0C5-0FEC-F9DB-917D9DC6B9FB}"/>
-              </a:ext>
-            </a:extLst>
-          </p:cNvPr>
-          <p:cNvSpPr/>
-          <p:nvPr/>
-        </p:nvSpPr>
-        <p:spPr>
-          <a:xfrm>
-            <a:off x="2829243" y="3428391"/>
-            <a:ext cx="688258" cy="596075"/>
-          </a:xfrm>
-          <a:prstGeom prst="rect">
-            <a:avLst/>
-          </a:prstGeom>
-        </p:spPr>
-        <p:style>
-          <a:lnRef idx="2">
-            <a:schemeClr val="accent6"/>
-          </a:lnRef>
-          <a:fillRef idx="1">
-            <a:schemeClr val="lt1"/>
-          </a:fillRef>
-          <a:effectRef idx="0">
-            <a:schemeClr val="accent6"/>
-          </a:effectRef>
-          <a:fontRef idx="minor">
-            <a:schemeClr val="dk1"/>
-          </a:fontRef>
-        </p:style>
-        <p:txBody>
-          <a:bodyPr rtlCol="0" anchor="ctr"/>
-          <a:lstStyle/>
-          <a:p>
-            <a:pPr algn="ctr"/>
-            <a:r>
-              <a:rPr lang="en-CA" dirty="0"/>
-              <a:t>G2</a:t>
-            </a:r>
-            <a:endParaRPr lang="fr-CA" dirty="0"/>
-          </a:p>
-        </p:txBody>
-      </p:sp>
-      <p:sp>
-        <p:nvSpPr>
-          <p:cNvPr id="30" name="Rectangle 29">
-            <a:extLst>
-              <a:ext uri="{FF2B5EF4-FFF2-40B4-BE49-F238E27FC236}">
-                <a16:creationId xmlns:a16="http://schemas.microsoft.com/office/drawing/2014/main" id="{E93DB334-F533-B970-3C11-6EF2F5F95089}"/>
-              </a:ext>
-            </a:extLst>
-          </p:cNvPr>
-          <p:cNvSpPr/>
-          <p:nvPr/>
-        </p:nvSpPr>
-        <p:spPr>
-          <a:xfrm>
-            <a:off x="2841513" y="2754464"/>
-            <a:ext cx="688258" cy="596075"/>
-          </a:xfrm>
-          <a:prstGeom prst="rect">
-            <a:avLst/>
-          </a:prstGeom>
-        </p:spPr>
-        <p:style>
-          <a:lnRef idx="2">
-            <a:schemeClr val="accent6"/>
-          </a:lnRef>
-          <a:fillRef idx="1">
-            <a:schemeClr val="lt1"/>
-          </a:fillRef>
-          <a:effectRef idx="0">
-            <a:schemeClr val="accent6"/>
-          </a:effectRef>
-          <a:fontRef idx="minor">
-            <a:schemeClr val="dk1"/>
-          </a:fontRef>
-        </p:style>
-        <p:txBody>
-          <a:bodyPr rtlCol="0" anchor="ctr"/>
-          <a:lstStyle/>
-          <a:p>
-            <a:pPr algn="ctr"/>
-            <a:r>
-              <a:rPr lang="en-CA" dirty="0"/>
-              <a:t>G1</a:t>
-            </a:r>
-            <a:endParaRPr lang="fr-CA" dirty="0"/>
-          </a:p>
-        </p:txBody>
-      </p:sp>
-      <p:sp>
-        <p:nvSpPr>
-          <p:cNvPr id="31" name="Rectangle 30">
-            <a:extLst>
-              <a:ext uri="{FF2B5EF4-FFF2-40B4-BE49-F238E27FC236}">
-                <a16:creationId xmlns:a16="http://schemas.microsoft.com/office/drawing/2014/main" id="{17BD3999-3622-297C-49D3-A16F49BA3D6B}"/>
-              </a:ext>
-            </a:extLst>
-          </p:cNvPr>
-          <p:cNvSpPr/>
-          <p:nvPr/>
-        </p:nvSpPr>
-        <p:spPr>
-          <a:xfrm>
-            <a:off x="9510231" y="4693669"/>
-            <a:ext cx="688258" cy="596075"/>
-          </a:xfrm>
-          <a:prstGeom prst="rect">
-            <a:avLst/>
-          </a:prstGeom>
-        </p:spPr>
-        <p:style>
-          <a:lnRef idx="2">
-            <a:schemeClr val="accent6"/>
-          </a:lnRef>
-          <a:fillRef idx="1">
-            <a:schemeClr val="lt1"/>
-          </a:fillRef>
-          <a:effectRef idx="0">
-            <a:schemeClr val="accent6"/>
-          </a:effectRef>
-          <a:fontRef idx="minor">
-            <a:schemeClr val="dk1"/>
-          </a:fontRef>
-        </p:style>
-        <p:txBody>
-          <a:bodyPr rtlCol="0" anchor="ctr"/>
-          <a:lstStyle/>
-          <a:p>
-            <a:pPr algn="ctr"/>
-            <a:r>
-              <a:rPr lang="en-CA" dirty="0"/>
-              <a:t>D4</a:t>
-            </a:r>
-            <a:endParaRPr lang="fr-CA" dirty="0"/>
-          </a:p>
-        </p:txBody>
-      </p:sp>
-      <p:sp>
-        <p:nvSpPr>
-          <p:cNvPr id="32" name="Rectangle 31">
-            <a:extLst>
-              <a:ext uri="{FF2B5EF4-FFF2-40B4-BE49-F238E27FC236}">
-                <a16:creationId xmlns:a16="http://schemas.microsoft.com/office/drawing/2014/main" id="{CDC897B2-38E4-1E5F-F219-1ED5DDBF281A}"/>
-              </a:ext>
-            </a:extLst>
-          </p:cNvPr>
-          <p:cNvSpPr/>
-          <p:nvPr/>
-        </p:nvSpPr>
-        <p:spPr>
-          <a:xfrm>
-            <a:off x="9510231" y="4056045"/>
-            <a:ext cx="688258" cy="596075"/>
-          </a:xfrm>
-          <a:prstGeom prst="rect">
-            <a:avLst/>
-          </a:prstGeom>
-        </p:spPr>
-        <p:style>
-          <a:lnRef idx="2">
-            <a:schemeClr val="accent6"/>
-          </a:lnRef>
-          <a:fillRef idx="1">
-            <a:schemeClr val="lt1"/>
-          </a:fillRef>
-          <a:effectRef idx="0">
-            <a:schemeClr val="accent6"/>
-          </a:effectRef>
-          <a:fontRef idx="minor">
-            <a:schemeClr val="dk1"/>
-          </a:fontRef>
-        </p:style>
-        <p:txBody>
-          <a:bodyPr rtlCol="0" anchor="ctr"/>
-          <a:lstStyle/>
-          <a:p>
-            <a:pPr algn="ctr"/>
-            <a:r>
-              <a:rPr lang="en-CA" dirty="0"/>
-              <a:t>D3</a:t>
-            </a:r>
-            <a:endParaRPr lang="fr-CA" dirty="0"/>
-          </a:p>
-        </p:txBody>
-      </p:sp>
-      <p:sp>
-        <p:nvSpPr>
-          <p:cNvPr id="33" name="Rectangle 32">
-            <a:extLst>
-              <a:ext uri="{FF2B5EF4-FFF2-40B4-BE49-F238E27FC236}">
-                <a16:creationId xmlns:a16="http://schemas.microsoft.com/office/drawing/2014/main" id="{FF6D1E1B-F992-3BA1-7351-A48CCBB0A01A}"/>
-              </a:ext>
-            </a:extLst>
-          </p:cNvPr>
-          <p:cNvSpPr/>
-          <p:nvPr/>
-        </p:nvSpPr>
-        <p:spPr>
-          <a:xfrm>
-            <a:off x="9500399" y="3392136"/>
-            <a:ext cx="688258" cy="596075"/>
-          </a:xfrm>
-          <a:prstGeom prst="rect">
-            <a:avLst/>
-          </a:prstGeom>
-        </p:spPr>
-        <p:style>
-          <a:lnRef idx="2">
-            <a:schemeClr val="accent6"/>
-          </a:lnRef>
-          <a:fillRef idx="1">
-            <a:schemeClr val="lt1"/>
-          </a:fillRef>
-          <a:effectRef idx="0">
-            <a:schemeClr val="accent6"/>
-          </a:effectRef>
-          <a:fontRef idx="minor">
-            <a:schemeClr val="dk1"/>
-          </a:fontRef>
-        </p:style>
-        <p:txBody>
-          <a:bodyPr rtlCol="0" anchor="ctr"/>
-          <a:lstStyle/>
-          <a:p>
-            <a:pPr algn="ctr"/>
-            <a:r>
-              <a:rPr lang="en-CA" dirty="0"/>
-              <a:t>D2</a:t>
-            </a:r>
-            <a:endParaRPr lang="fr-CA" dirty="0"/>
-          </a:p>
-        </p:txBody>
-      </p:sp>
-      <p:sp>
-        <p:nvSpPr>
-          <p:cNvPr id="34" name="Rectangle 33">
-            <a:extLst>
-              <a:ext uri="{FF2B5EF4-FFF2-40B4-BE49-F238E27FC236}">
-                <a16:creationId xmlns:a16="http://schemas.microsoft.com/office/drawing/2014/main" id="{08960FA4-9BBF-D9FA-D9B3-B8BC48A44686}"/>
-              </a:ext>
-            </a:extLst>
-          </p:cNvPr>
-          <p:cNvSpPr/>
-          <p:nvPr/>
-        </p:nvSpPr>
-        <p:spPr>
-          <a:xfrm>
-            <a:off x="9488111" y="2741659"/>
-            <a:ext cx="688258" cy="596075"/>
-          </a:xfrm>
-          <a:prstGeom prst="rect">
-            <a:avLst/>
-          </a:prstGeom>
-        </p:spPr>
-        <p:style>
-          <a:lnRef idx="2">
-            <a:schemeClr val="accent6"/>
-          </a:lnRef>
-          <a:fillRef idx="1">
-            <a:schemeClr val="lt1"/>
-          </a:fillRef>
-          <a:effectRef idx="0">
-            <a:schemeClr val="accent6"/>
-          </a:effectRef>
-          <a:fontRef idx="minor">
-            <a:schemeClr val="dk1"/>
-          </a:fontRef>
-        </p:style>
-        <p:txBody>
-          <a:bodyPr rtlCol="0" anchor="ctr"/>
-          <a:lstStyle/>
-          <a:p>
-            <a:pPr algn="ctr"/>
-            <a:r>
-              <a:rPr lang="en-CA" dirty="0"/>
-              <a:t>D1</a:t>
-            </a:r>
-            <a:endParaRPr lang="fr-CA" dirty="0"/>
-          </a:p>
-        </p:txBody>
-      </p:sp>
-      <p:sp>
-        <p:nvSpPr>
-          <p:cNvPr id="35" name="Rectangle 34">
-            <a:extLst>
-              <a:ext uri="{FF2B5EF4-FFF2-40B4-BE49-F238E27FC236}">
-                <a16:creationId xmlns:a16="http://schemas.microsoft.com/office/drawing/2014/main" id="{F7F657C7-3B5C-164F-B198-69614334A2B7}"/>
-              </a:ext>
-            </a:extLst>
-          </p:cNvPr>
-          <p:cNvSpPr/>
-          <p:nvPr/>
-        </p:nvSpPr>
-        <p:spPr>
-          <a:xfrm>
-            <a:off x="2841527" y="5466429"/>
-            <a:ext cx="688258" cy="596075"/>
-          </a:xfrm>
-          <a:prstGeom prst="rect">
-            <a:avLst/>
-          </a:prstGeom>
-        </p:spPr>
-        <p:style>
-          <a:lnRef idx="2">
-            <a:schemeClr val="accent6"/>
-          </a:lnRef>
-          <a:fillRef idx="1">
-            <a:schemeClr val="lt1"/>
-          </a:fillRef>
-          <a:effectRef idx="0">
-            <a:schemeClr val="accent6"/>
-          </a:effectRef>
-          <a:fontRef idx="minor">
-            <a:schemeClr val="dk1"/>
-          </a:fontRef>
-        </p:style>
-        <p:txBody>
-          <a:bodyPr rtlCol="0" anchor="ctr"/>
-          <a:lstStyle/>
-          <a:p>
-            <a:pPr algn="ctr"/>
-            <a:r>
-              <a:rPr lang="en-CA" dirty="0"/>
-              <a:t>G5</a:t>
-            </a:r>
-            <a:endParaRPr lang="fr-CA" dirty="0"/>
-          </a:p>
-        </p:txBody>
-      </p:sp>
-      <p:sp>
-        <p:nvSpPr>
-          <p:cNvPr id="36" name="Rectangle 35">
-            <a:extLst>
-              <a:ext uri="{FF2B5EF4-FFF2-40B4-BE49-F238E27FC236}">
-                <a16:creationId xmlns:a16="http://schemas.microsoft.com/office/drawing/2014/main" id="{B0479AFA-B63F-6658-A9FB-94694C8224D9}"/>
-              </a:ext>
-            </a:extLst>
-          </p:cNvPr>
-          <p:cNvSpPr/>
-          <p:nvPr/>
-        </p:nvSpPr>
-        <p:spPr>
-          <a:xfrm>
-            <a:off x="9510231" y="5361501"/>
-            <a:ext cx="688258" cy="596075"/>
-          </a:xfrm>
-          <a:prstGeom prst="rect">
-            <a:avLst/>
-          </a:prstGeom>
-        </p:spPr>
-        <p:style>
-          <a:lnRef idx="2">
-            <a:schemeClr val="accent6"/>
-          </a:lnRef>
-          <a:fillRef idx="1">
-            <a:schemeClr val="lt1"/>
-          </a:fillRef>
-          <a:effectRef idx="0">
-            <a:schemeClr val="accent6"/>
-          </a:effectRef>
-          <a:fontRef idx="minor">
-            <a:schemeClr val="dk1"/>
-          </a:fontRef>
-        </p:style>
-        <p:txBody>
-          <a:bodyPr rtlCol="0" anchor="ctr"/>
-          <a:lstStyle/>
-          <a:p>
-            <a:pPr algn="ctr"/>
-            <a:r>
-              <a:rPr lang="en-CA" dirty="0"/>
-              <a:t>D5</a:t>
-            </a:r>
-            <a:endParaRPr lang="fr-CA" dirty="0"/>
-          </a:p>
-        </p:txBody>
-      </p:sp>
       <p:cxnSp>
         <p:nvCxnSpPr>
           <p:cNvPr id="3" name="Connecteur droit 2">
@@ -6144,6 +5870,390 @@
             <a:r>
               <a:rPr lang="en-CA" dirty="0"/>
               <a:t>Page d’acceuil du site</a:t>
+            </a:r>
+            <a:endParaRPr lang="fr-CA" dirty="0"/>
+          </a:p>
+        </p:txBody>
+      </p:sp>
+      <p:sp>
+        <p:nvSpPr>
+          <p:cNvPr id="15" name="Rectangle 14">
+            <a:extLst>
+              <a:ext uri="{FF2B5EF4-FFF2-40B4-BE49-F238E27FC236}">
+                <a16:creationId xmlns:a16="http://schemas.microsoft.com/office/drawing/2014/main" id="{B422B96F-AE2A-23B0-14DC-6F1412F91602}"/>
+              </a:ext>
+            </a:extLst>
+          </p:cNvPr>
+          <p:cNvSpPr/>
+          <p:nvPr/>
+        </p:nvSpPr>
+        <p:spPr>
+          <a:xfrm>
+            <a:off x="2769002" y="5339197"/>
+            <a:ext cx="836974" cy="782768"/>
+          </a:xfrm>
+          <a:prstGeom prst="rect">
+            <a:avLst/>
+          </a:prstGeom>
+        </p:spPr>
+        <p:style>
+          <a:lnRef idx="2">
+            <a:schemeClr val="accent6"/>
+          </a:lnRef>
+          <a:fillRef idx="1">
+            <a:schemeClr val="lt1"/>
+          </a:fillRef>
+          <a:effectRef idx="0">
+            <a:schemeClr val="accent6"/>
+          </a:effectRef>
+          <a:fontRef idx="minor">
+            <a:schemeClr val="dk1"/>
+          </a:fontRef>
+        </p:style>
+        <p:txBody>
+          <a:bodyPr rtlCol="0" anchor="ctr"/>
+          <a:lstStyle/>
+          <a:p>
+            <a:pPr algn="ctr"/>
+            <a:r>
+              <a:rPr lang="en-CA" dirty="0"/>
+              <a:t>G4</a:t>
+            </a:r>
+            <a:endParaRPr lang="fr-CA" dirty="0"/>
+          </a:p>
+        </p:txBody>
+      </p:sp>
+      <p:sp>
+        <p:nvSpPr>
+          <p:cNvPr id="20" name="Rectangle 19">
+            <a:extLst>
+              <a:ext uri="{FF2B5EF4-FFF2-40B4-BE49-F238E27FC236}">
+                <a16:creationId xmlns:a16="http://schemas.microsoft.com/office/drawing/2014/main" id="{92CEA98E-436D-D27E-F45E-510F197483D9}"/>
+              </a:ext>
+            </a:extLst>
+          </p:cNvPr>
+          <p:cNvSpPr/>
+          <p:nvPr/>
+        </p:nvSpPr>
+        <p:spPr>
+          <a:xfrm>
+            <a:off x="2769002" y="2708882"/>
+            <a:ext cx="846798" cy="812696"/>
+          </a:xfrm>
+          <a:prstGeom prst="rect">
+            <a:avLst/>
+          </a:prstGeom>
+        </p:spPr>
+        <p:style>
+          <a:lnRef idx="2">
+            <a:schemeClr val="accent6"/>
+          </a:lnRef>
+          <a:fillRef idx="1">
+            <a:schemeClr val="lt1"/>
+          </a:fillRef>
+          <a:effectRef idx="0">
+            <a:schemeClr val="accent6"/>
+          </a:effectRef>
+          <a:fontRef idx="minor">
+            <a:schemeClr val="dk1"/>
+          </a:fontRef>
+        </p:style>
+        <p:txBody>
+          <a:bodyPr rtlCol="0" anchor="ctr"/>
+          <a:lstStyle/>
+          <a:p>
+            <a:pPr algn="ctr"/>
+            <a:r>
+              <a:rPr lang="en-CA" dirty="0"/>
+              <a:t>G1</a:t>
+            </a:r>
+            <a:endParaRPr lang="fr-CA" dirty="0"/>
+          </a:p>
+        </p:txBody>
+      </p:sp>
+      <p:sp>
+        <p:nvSpPr>
+          <p:cNvPr id="39" name="Rectangle 38">
+            <a:extLst>
+              <a:ext uri="{FF2B5EF4-FFF2-40B4-BE49-F238E27FC236}">
+                <a16:creationId xmlns:a16="http://schemas.microsoft.com/office/drawing/2014/main" id="{41B27D4D-7EFE-2DE2-02E1-DD58283860A8}"/>
+              </a:ext>
+            </a:extLst>
+          </p:cNvPr>
+          <p:cNvSpPr/>
+          <p:nvPr/>
+        </p:nvSpPr>
+        <p:spPr>
+          <a:xfrm>
+            <a:off x="2764073" y="3606194"/>
+            <a:ext cx="841903" cy="829441"/>
+          </a:xfrm>
+          <a:prstGeom prst="rect">
+            <a:avLst/>
+          </a:prstGeom>
+        </p:spPr>
+        <p:style>
+          <a:lnRef idx="2">
+            <a:schemeClr val="accent6"/>
+          </a:lnRef>
+          <a:fillRef idx="1">
+            <a:schemeClr val="lt1"/>
+          </a:fillRef>
+          <a:effectRef idx="0">
+            <a:schemeClr val="accent6"/>
+          </a:effectRef>
+          <a:fontRef idx="minor">
+            <a:schemeClr val="dk1"/>
+          </a:fontRef>
+        </p:style>
+        <p:txBody>
+          <a:bodyPr rtlCol="0" anchor="ctr"/>
+          <a:lstStyle/>
+          <a:p>
+            <a:pPr algn="ctr"/>
+            <a:r>
+              <a:rPr lang="en-CA" dirty="0"/>
+              <a:t>G2</a:t>
+            </a:r>
+            <a:endParaRPr lang="fr-CA" dirty="0"/>
+          </a:p>
+        </p:txBody>
+      </p:sp>
+      <p:sp>
+        <p:nvSpPr>
+          <p:cNvPr id="40" name="Rectangle 39">
+            <a:extLst>
+              <a:ext uri="{FF2B5EF4-FFF2-40B4-BE49-F238E27FC236}">
+                <a16:creationId xmlns:a16="http://schemas.microsoft.com/office/drawing/2014/main" id="{1A0F6684-7B1F-E487-2F42-E098A26A6C35}"/>
+              </a:ext>
+            </a:extLst>
+          </p:cNvPr>
+          <p:cNvSpPr/>
+          <p:nvPr/>
+        </p:nvSpPr>
+        <p:spPr>
+          <a:xfrm>
+            <a:off x="2769002" y="4506974"/>
+            <a:ext cx="841903" cy="782769"/>
+          </a:xfrm>
+          <a:prstGeom prst="rect">
+            <a:avLst/>
+          </a:prstGeom>
+        </p:spPr>
+        <p:style>
+          <a:lnRef idx="2">
+            <a:schemeClr val="accent6"/>
+          </a:lnRef>
+          <a:fillRef idx="1">
+            <a:schemeClr val="lt1"/>
+          </a:fillRef>
+          <a:effectRef idx="0">
+            <a:schemeClr val="accent6"/>
+          </a:effectRef>
+          <a:fontRef idx="minor">
+            <a:schemeClr val="dk1"/>
+          </a:fontRef>
+        </p:style>
+        <p:txBody>
+          <a:bodyPr rtlCol="0" anchor="ctr"/>
+          <a:lstStyle/>
+          <a:p>
+            <a:pPr algn="ctr"/>
+            <a:r>
+              <a:rPr lang="en-CA" dirty="0"/>
+              <a:t>G3</a:t>
+            </a:r>
+            <a:endParaRPr lang="fr-CA" dirty="0"/>
+          </a:p>
+        </p:txBody>
+      </p:sp>
+      <p:sp>
+        <p:nvSpPr>
+          <p:cNvPr id="41" name="Rectangle 40">
+            <a:extLst>
+              <a:ext uri="{FF2B5EF4-FFF2-40B4-BE49-F238E27FC236}">
+                <a16:creationId xmlns:a16="http://schemas.microsoft.com/office/drawing/2014/main" id="{9ED38F16-E8D9-ECC8-63AE-B4B61A8ECF44}"/>
+              </a:ext>
+            </a:extLst>
+          </p:cNvPr>
+          <p:cNvSpPr/>
+          <p:nvPr/>
+        </p:nvSpPr>
+        <p:spPr>
+          <a:xfrm>
+            <a:off x="9420519" y="4437112"/>
+            <a:ext cx="846798" cy="812696"/>
+          </a:xfrm>
+          <a:prstGeom prst="rect">
+            <a:avLst/>
+          </a:prstGeom>
+        </p:spPr>
+        <p:style>
+          <a:lnRef idx="2">
+            <a:schemeClr val="accent6"/>
+          </a:lnRef>
+          <a:fillRef idx="1">
+            <a:schemeClr val="lt1"/>
+          </a:fillRef>
+          <a:effectRef idx="0">
+            <a:schemeClr val="accent6"/>
+          </a:effectRef>
+          <a:fontRef idx="minor">
+            <a:schemeClr val="dk1"/>
+          </a:fontRef>
+        </p:style>
+        <p:txBody>
+          <a:bodyPr rtlCol="0" anchor="ctr"/>
+          <a:lstStyle/>
+          <a:p>
+            <a:pPr algn="ctr"/>
+            <a:r>
+              <a:rPr lang="en-CA" dirty="0"/>
+              <a:t>D3</a:t>
+            </a:r>
+            <a:endParaRPr lang="fr-CA" dirty="0"/>
+          </a:p>
+        </p:txBody>
+      </p:sp>
+      <p:sp>
+        <p:nvSpPr>
+          <p:cNvPr id="48" name="Rectangle 47">
+            <a:extLst>
+              <a:ext uri="{FF2B5EF4-FFF2-40B4-BE49-F238E27FC236}">
+                <a16:creationId xmlns:a16="http://schemas.microsoft.com/office/drawing/2014/main" id="{15BE7117-3411-BD3B-EB10-0AA8DA03576F}"/>
+              </a:ext>
+            </a:extLst>
+          </p:cNvPr>
+          <p:cNvSpPr/>
+          <p:nvPr/>
+        </p:nvSpPr>
+        <p:spPr>
+          <a:xfrm>
+            <a:off x="9424232" y="3595788"/>
+            <a:ext cx="846798" cy="812696"/>
+          </a:xfrm>
+          <a:prstGeom prst="rect">
+            <a:avLst/>
+          </a:prstGeom>
+        </p:spPr>
+        <p:style>
+          <a:lnRef idx="2">
+            <a:schemeClr val="accent6"/>
+          </a:lnRef>
+          <a:fillRef idx="1">
+            <a:schemeClr val="lt1"/>
+          </a:fillRef>
+          <a:effectRef idx="0">
+            <a:schemeClr val="accent6"/>
+          </a:effectRef>
+          <a:fontRef idx="minor">
+            <a:schemeClr val="dk1"/>
+          </a:fontRef>
+        </p:style>
+        <p:txBody>
+          <a:bodyPr rtlCol="0" anchor="ctr"/>
+          <a:lstStyle/>
+          <a:p>
+            <a:pPr algn="ctr"/>
+            <a:r>
+              <a:rPr lang="en-CA" dirty="0"/>
+              <a:t>D2</a:t>
+            </a:r>
+            <a:endParaRPr lang="fr-CA" dirty="0"/>
+          </a:p>
+        </p:txBody>
+      </p:sp>
+      <p:sp>
+        <p:nvSpPr>
+          <p:cNvPr id="50" name="Rectangle 49">
+            <a:extLst>
+              <a:ext uri="{FF2B5EF4-FFF2-40B4-BE49-F238E27FC236}">
+                <a16:creationId xmlns:a16="http://schemas.microsoft.com/office/drawing/2014/main" id="{816F3787-B05F-3B7B-505A-406799AE71A5}"/>
+              </a:ext>
+            </a:extLst>
+          </p:cNvPr>
+          <p:cNvSpPr/>
+          <p:nvPr/>
+        </p:nvSpPr>
+        <p:spPr>
+          <a:xfrm>
+            <a:off x="9420519" y="2754464"/>
+            <a:ext cx="846798" cy="812696"/>
+          </a:xfrm>
+          <a:prstGeom prst="rect">
+            <a:avLst/>
+          </a:prstGeom>
+        </p:spPr>
+        <p:style>
+          <a:lnRef idx="2">
+            <a:schemeClr val="accent6"/>
+          </a:lnRef>
+          <a:fillRef idx="1">
+            <a:schemeClr val="lt1"/>
+          </a:fillRef>
+          <a:effectRef idx="0">
+            <a:schemeClr val="accent6"/>
+          </a:effectRef>
+          <a:fontRef idx="minor">
+            <a:schemeClr val="dk1"/>
+          </a:fontRef>
+        </p:style>
+        <p:txBody>
+          <a:bodyPr rtlCol="0" anchor="ctr"/>
+          <a:lstStyle/>
+          <a:p>
+            <a:pPr algn="ctr"/>
+            <a:r>
+              <a:rPr lang="en-CA" dirty="0"/>
+              <a:t>D1</a:t>
+            </a:r>
+            <a:endParaRPr lang="fr-CA" dirty="0"/>
+          </a:p>
+        </p:txBody>
+      </p:sp>
+      <p:sp>
+        <p:nvSpPr>
+          <p:cNvPr id="51" name="Rectangle 50">
+            <a:extLst>
+              <a:ext uri="{FF2B5EF4-FFF2-40B4-BE49-F238E27FC236}">
+                <a16:creationId xmlns:a16="http://schemas.microsoft.com/office/drawing/2014/main" id="{16179C9F-C428-C1D6-448E-D521F5E061CD}"/>
+              </a:ext>
+            </a:extLst>
+          </p:cNvPr>
+          <p:cNvSpPr/>
+          <p:nvPr/>
+        </p:nvSpPr>
+        <p:spPr>
+          <a:xfrm>
+            <a:off x="9435890" y="5307064"/>
+            <a:ext cx="846798" cy="812696"/>
+          </a:xfrm>
+          <a:prstGeom prst="rect">
+            <a:avLst/>
+          </a:prstGeom>
+        </p:spPr>
+        <p:style>
+          <a:lnRef idx="2">
+            <a:schemeClr val="accent6"/>
+          </a:lnRef>
+          <a:fillRef idx="1">
+            <a:schemeClr val="lt1"/>
+          </a:fillRef>
+          <a:effectRef idx="0">
+            <a:schemeClr val="accent6"/>
+          </a:effectRef>
+          <a:fontRef idx="minor">
+            <a:schemeClr val="dk1"/>
+          </a:fontRef>
+        </p:style>
+        <p:txBody>
+          <a:bodyPr rtlCol="0" anchor="ctr"/>
+          <a:lstStyle/>
+          <a:p>
+            <a:pPr algn="ctr"/>
+            <a:r>
+              <a:rPr lang="en-CA" dirty="0"/>
+              <a:t>D4</a:t>
             </a:r>
             <a:endParaRPr lang="fr-CA" dirty="0"/>
           </a:p>
@@ -6162,7 +6272,7 @@
 </p:sld>
 </file>
 
-<file path=ppt/slides/slide2.xml><?xml version="1.0" encoding="utf-8"?>
+<file path=ppt/slides/slide3.xml><?xml version="1.0" encoding="utf-8"?>
 <p:sld xmlns:a="http://schemas.openxmlformats.org/drawingml/2006/main" xmlns:r="http://schemas.openxmlformats.org/officeDocument/2006/relationships" xmlns:p="http://schemas.openxmlformats.org/presentationml/2006/main">
   <p:cSld>
     <p:spTree>
@@ -6277,10 +6387,10 @@
           <a:p>
             <a:pPr algn="ctr"/>
             <a:r>
-              <a:rPr lang="en-CA" dirty="0"/>
+              <a:rPr lang="en-CA" sz="4400" dirty="0"/>
               <a:t>Carte du Comte</a:t>
             </a:r>
-            <a:endParaRPr lang="fr-CA" dirty="0"/>
+            <a:endParaRPr lang="fr-CA" sz="4400" dirty="0"/>
           </a:p>
         </p:txBody>
       </p:sp>
@@ -6298,8 +6408,8 @@
         </p:nvSpPr>
         <p:spPr>
           <a:xfrm>
-            <a:off x="3360173" y="1641516"/>
-            <a:ext cx="2000971" cy="648929"/>
+            <a:off x="3794760" y="1641516"/>
+            <a:ext cx="1566384" cy="648929"/>
           </a:xfrm>
           <a:prstGeom prst="rect">
             <a:avLst/>
@@ -6695,486 +6805,6 @@
           </a:fontRef>
         </p:style>
       </p:cxnSp>
-      <p:sp>
-        <p:nvSpPr>
-          <p:cNvPr id="59" name="Rectangle 58">
-            <a:extLst>
-              <a:ext uri="{FF2B5EF4-FFF2-40B4-BE49-F238E27FC236}">
-                <a16:creationId xmlns:a16="http://schemas.microsoft.com/office/drawing/2014/main" id="{69CDE02A-7CAD-4B35-1FFC-715BD7EC7AAF}"/>
-              </a:ext>
-            </a:extLst>
-          </p:cNvPr>
-          <p:cNvSpPr/>
-          <p:nvPr/>
-        </p:nvSpPr>
-        <p:spPr>
-          <a:xfrm>
-            <a:off x="2841513" y="4793147"/>
-            <a:ext cx="688258" cy="596075"/>
-          </a:xfrm>
-          <a:prstGeom prst="rect">
-            <a:avLst/>
-          </a:prstGeom>
-        </p:spPr>
-        <p:style>
-          <a:lnRef idx="2">
-            <a:schemeClr val="accent6"/>
-          </a:lnRef>
-          <a:fillRef idx="1">
-            <a:schemeClr val="lt1"/>
-          </a:fillRef>
-          <a:effectRef idx="0">
-            <a:schemeClr val="accent6"/>
-          </a:effectRef>
-          <a:fontRef idx="minor">
-            <a:schemeClr val="dk1"/>
-          </a:fontRef>
-        </p:style>
-        <p:txBody>
-          <a:bodyPr rtlCol="0" anchor="ctr"/>
-          <a:lstStyle/>
-          <a:p>
-            <a:pPr algn="ctr"/>
-            <a:r>
-              <a:rPr lang="en-CA" dirty="0"/>
-              <a:t>G4</a:t>
-            </a:r>
-            <a:endParaRPr lang="fr-CA" dirty="0"/>
-          </a:p>
-        </p:txBody>
-      </p:sp>
-      <p:sp>
-        <p:nvSpPr>
-          <p:cNvPr id="60" name="Rectangle 59">
-            <a:extLst>
-              <a:ext uri="{FF2B5EF4-FFF2-40B4-BE49-F238E27FC236}">
-                <a16:creationId xmlns:a16="http://schemas.microsoft.com/office/drawing/2014/main" id="{5AA1A9D1-AF28-DBD4-89E3-5EC1E8DA9320}"/>
-              </a:ext>
-            </a:extLst>
-          </p:cNvPr>
-          <p:cNvSpPr/>
-          <p:nvPr/>
-        </p:nvSpPr>
-        <p:spPr>
-          <a:xfrm>
-            <a:off x="2829243" y="4129082"/>
-            <a:ext cx="688258" cy="596075"/>
-          </a:xfrm>
-          <a:prstGeom prst="rect">
-            <a:avLst/>
-          </a:prstGeom>
-        </p:spPr>
-        <p:style>
-          <a:lnRef idx="2">
-            <a:schemeClr val="accent6"/>
-          </a:lnRef>
-          <a:fillRef idx="1">
-            <a:schemeClr val="lt1"/>
-          </a:fillRef>
-          <a:effectRef idx="0">
-            <a:schemeClr val="accent6"/>
-          </a:effectRef>
-          <a:fontRef idx="minor">
-            <a:schemeClr val="dk1"/>
-          </a:fontRef>
-        </p:style>
-        <p:txBody>
-          <a:bodyPr rtlCol="0" anchor="ctr"/>
-          <a:lstStyle/>
-          <a:p>
-            <a:pPr algn="ctr"/>
-            <a:r>
-              <a:rPr lang="en-CA" dirty="0"/>
-              <a:t>G3</a:t>
-            </a:r>
-            <a:endParaRPr lang="fr-CA" dirty="0"/>
-          </a:p>
-        </p:txBody>
-      </p:sp>
-      <p:sp>
-        <p:nvSpPr>
-          <p:cNvPr id="61" name="Rectangle 60">
-            <a:extLst>
-              <a:ext uri="{FF2B5EF4-FFF2-40B4-BE49-F238E27FC236}">
-                <a16:creationId xmlns:a16="http://schemas.microsoft.com/office/drawing/2014/main" id="{31388B59-EF57-BD6B-AAEF-D30E6E67DD33}"/>
-              </a:ext>
-            </a:extLst>
-          </p:cNvPr>
-          <p:cNvSpPr/>
-          <p:nvPr/>
-        </p:nvSpPr>
-        <p:spPr>
-          <a:xfrm>
-            <a:off x="2829243" y="3428391"/>
-            <a:ext cx="688258" cy="596075"/>
-          </a:xfrm>
-          <a:prstGeom prst="rect">
-            <a:avLst/>
-          </a:prstGeom>
-        </p:spPr>
-        <p:style>
-          <a:lnRef idx="2">
-            <a:schemeClr val="accent6"/>
-          </a:lnRef>
-          <a:fillRef idx="1">
-            <a:schemeClr val="lt1"/>
-          </a:fillRef>
-          <a:effectRef idx="0">
-            <a:schemeClr val="accent6"/>
-          </a:effectRef>
-          <a:fontRef idx="minor">
-            <a:schemeClr val="dk1"/>
-          </a:fontRef>
-        </p:style>
-        <p:txBody>
-          <a:bodyPr rtlCol="0" anchor="ctr"/>
-          <a:lstStyle/>
-          <a:p>
-            <a:pPr algn="ctr"/>
-            <a:r>
-              <a:rPr lang="en-CA" dirty="0"/>
-              <a:t>G2</a:t>
-            </a:r>
-            <a:endParaRPr lang="fr-CA" dirty="0"/>
-          </a:p>
-        </p:txBody>
-      </p:sp>
-      <p:sp>
-        <p:nvSpPr>
-          <p:cNvPr id="62" name="Rectangle 61">
-            <a:extLst>
-              <a:ext uri="{FF2B5EF4-FFF2-40B4-BE49-F238E27FC236}">
-                <a16:creationId xmlns:a16="http://schemas.microsoft.com/office/drawing/2014/main" id="{CD936C91-4EDD-2B10-FFE1-0993347E4835}"/>
-              </a:ext>
-            </a:extLst>
-          </p:cNvPr>
-          <p:cNvSpPr/>
-          <p:nvPr/>
-        </p:nvSpPr>
-        <p:spPr>
-          <a:xfrm>
-            <a:off x="2841513" y="2754464"/>
-            <a:ext cx="688258" cy="596075"/>
-          </a:xfrm>
-          <a:prstGeom prst="rect">
-            <a:avLst/>
-          </a:prstGeom>
-        </p:spPr>
-        <p:style>
-          <a:lnRef idx="2">
-            <a:schemeClr val="accent6"/>
-          </a:lnRef>
-          <a:fillRef idx="1">
-            <a:schemeClr val="lt1"/>
-          </a:fillRef>
-          <a:effectRef idx="0">
-            <a:schemeClr val="accent6"/>
-          </a:effectRef>
-          <a:fontRef idx="minor">
-            <a:schemeClr val="dk1"/>
-          </a:fontRef>
-        </p:style>
-        <p:txBody>
-          <a:bodyPr rtlCol="0" anchor="ctr"/>
-          <a:lstStyle/>
-          <a:p>
-            <a:pPr algn="ctr"/>
-            <a:r>
-              <a:rPr lang="en-CA" dirty="0"/>
-              <a:t>G1</a:t>
-            </a:r>
-            <a:endParaRPr lang="fr-CA" dirty="0"/>
-          </a:p>
-        </p:txBody>
-      </p:sp>
-      <p:sp>
-        <p:nvSpPr>
-          <p:cNvPr id="63" name="Rectangle 62">
-            <a:extLst>
-              <a:ext uri="{FF2B5EF4-FFF2-40B4-BE49-F238E27FC236}">
-                <a16:creationId xmlns:a16="http://schemas.microsoft.com/office/drawing/2014/main" id="{90AA5DE4-B0B7-AF41-09C3-68DB6945C19E}"/>
-              </a:ext>
-            </a:extLst>
-          </p:cNvPr>
-          <p:cNvSpPr/>
-          <p:nvPr/>
-        </p:nvSpPr>
-        <p:spPr>
-          <a:xfrm>
-            <a:off x="9500399" y="4764034"/>
-            <a:ext cx="688258" cy="596075"/>
-          </a:xfrm>
-          <a:prstGeom prst="rect">
-            <a:avLst/>
-          </a:prstGeom>
-        </p:spPr>
-        <p:style>
-          <a:lnRef idx="2">
-            <a:schemeClr val="accent6"/>
-          </a:lnRef>
-          <a:fillRef idx="1">
-            <a:schemeClr val="lt1"/>
-          </a:fillRef>
-          <a:effectRef idx="0">
-            <a:schemeClr val="accent6"/>
-          </a:effectRef>
-          <a:fontRef idx="minor">
-            <a:schemeClr val="dk1"/>
-          </a:fontRef>
-        </p:style>
-        <p:txBody>
-          <a:bodyPr rtlCol="0" anchor="ctr"/>
-          <a:lstStyle/>
-          <a:p>
-            <a:pPr algn="ctr"/>
-            <a:r>
-              <a:rPr lang="en-CA" dirty="0"/>
-              <a:t>D4</a:t>
-            </a:r>
-            <a:endParaRPr lang="fr-CA" dirty="0"/>
-          </a:p>
-        </p:txBody>
-      </p:sp>
-      <p:sp>
-        <p:nvSpPr>
-          <p:cNvPr id="64" name="Rectangle 63">
-            <a:extLst>
-              <a:ext uri="{FF2B5EF4-FFF2-40B4-BE49-F238E27FC236}">
-                <a16:creationId xmlns:a16="http://schemas.microsoft.com/office/drawing/2014/main" id="{106DF9AE-3081-B202-9AEB-546125F145C9}"/>
-              </a:ext>
-            </a:extLst>
-          </p:cNvPr>
-          <p:cNvSpPr/>
-          <p:nvPr/>
-        </p:nvSpPr>
-        <p:spPr>
-          <a:xfrm>
-            <a:off x="9510231" y="4096929"/>
-            <a:ext cx="688258" cy="596075"/>
-          </a:xfrm>
-          <a:prstGeom prst="rect">
-            <a:avLst/>
-          </a:prstGeom>
-        </p:spPr>
-        <p:style>
-          <a:lnRef idx="2">
-            <a:schemeClr val="accent6"/>
-          </a:lnRef>
-          <a:fillRef idx="1">
-            <a:schemeClr val="lt1"/>
-          </a:fillRef>
-          <a:effectRef idx="0">
-            <a:schemeClr val="accent6"/>
-          </a:effectRef>
-          <a:fontRef idx="minor">
-            <a:schemeClr val="dk1"/>
-          </a:fontRef>
-        </p:style>
-        <p:txBody>
-          <a:bodyPr rtlCol="0" anchor="ctr"/>
-          <a:lstStyle/>
-          <a:p>
-            <a:pPr algn="ctr"/>
-            <a:r>
-              <a:rPr lang="en-CA" dirty="0"/>
-              <a:t>D3</a:t>
-            </a:r>
-            <a:endParaRPr lang="fr-CA" dirty="0"/>
-          </a:p>
-        </p:txBody>
-      </p:sp>
-      <p:sp>
-        <p:nvSpPr>
-          <p:cNvPr id="65" name="Rectangle 64">
-            <a:extLst>
-              <a:ext uri="{FF2B5EF4-FFF2-40B4-BE49-F238E27FC236}">
-                <a16:creationId xmlns:a16="http://schemas.microsoft.com/office/drawing/2014/main" id="{931CE785-425B-4B6F-A72E-5C14B0D65CB3}"/>
-              </a:ext>
-            </a:extLst>
-          </p:cNvPr>
-          <p:cNvSpPr/>
-          <p:nvPr/>
-        </p:nvSpPr>
-        <p:spPr>
-          <a:xfrm>
-            <a:off x="9510231" y="3428398"/>
-            <a:ext cx="688258" cy="596075"/>
-          </a:xfrm>
-          <a:prstGeom prst="rect">
-            <a:avLst/>
-          </a:prstGeom>
-        </p:spPr>
-        <p:style>
-          <a:lnRef idx="2">
-            <a:schemeClr val="accent6"/>
-          </a:lnRef>
-          <a:fillRef idx="1">
-            <a:schemeClr val="lt1"/>
-          </a:fillRef>
-          <a:effectRef idx="0">
-            <a:schemeClr val="accent6"/>
-          </a:effectRef>
-          <a:fontRef idx="minor">
-            <a:schemeClr val="dk1"/>
-          </a:fontRef>
-        </p:style>
-        <p:txBody>
-          <a:bodyPr rtlCol="0" anchor="ctr"/>
-          <a:lstStyle/>
-          <a:p>
-            <a:pPr algn="ctr"/>
-            <a:r>
-              <a:rPr lang="en-CA" dirty="0"/>
-              <a:t>D2</a:t>
-            </a:r>
-            <a:endParaRPr lang="fr-CA" dirty="0"/>
-          </a:p>
-        </p:txBody>
-      </p:sp>
-      <p:sp>
-        <p:nvSpPr>
-          <p:cNvPr id="66" name="Rectangle 65">
-            <a:extLst>
-              <a:ext uri="{FF2B5EF4-FFF2-40B4-BE49-F238E27FC236}">
-                <a16:creationId xmlns:a16="http://schemas.microsoft.com/office/drawing/2014/main" id="{D119A26A-2C85-CC89-0CA4-8FA8E5254D0F}"/>
-              </a:ext>
-            </a:extLst>
-          </p:cNvPr>
-          <p:cNvSpPr/>
-          <p:nvPr/>
-        </p:nvSpPr>
-        <p:spPr>
-          <a:xfrm>
-            <a:off x="9488111" y="2741659"/>
-            <a:ext cx="688258" cy="596075"/>
-          </a:xfrm>
-          <a:prstGeom prst="rect">
-            <a:avLst/>
-          </a:prstGeom>
-        </p:spPr>
-        <p:style>
-          <a:lnRef idx="2">
-            <a:schemeClr val="accent6"/>
-          </a:lnRef>
-          <a:fillRef idx="1">
-            <a:schemeClr val="lt1"/>
-          </a:fillRef>
-          <a:effectRef idx="0">
-            <a:schemeClr val="accent6"/>
-          </a:effectRef>
-          <a:fontRef idx="minor">
-            <a:schemeClr val="dk1"/>
-          </a:fontRef>
-        </p:style>
-        <p:txBody>
-          <a:bodyPr rtlCol="0" anchor="ctr"/>
-          <a:lstStyle/>
-          <a:p>
-            <a:pPr algn="ctr"/>
-            <a:r>
-              <a:rPr lang="en-CA" dirty="0"/>
-              <a:t>D1</a:t>
-            </a:r>
-            <a:endParaRPr lang="fr-CA" dirty="0"/>
-          </a:p>
-        </p:txBody>
-      </p:sp>
-      <p:sp>
-        <p:nvSpPr>
-          <p:cNvPr id="67" name="Rectangle 66">
-            <a:extLst>
-              <a:ext uri="{FF2B5EF4-FFF2-40B4-BE49-F238E27FC236}">
-                <a16:creationId xmlns:a16="http://schemas.microsoft.com/office/drawing/2014/main" id="{C11F8A4B-FE62-8DBD-01A4-060AA437AC03}"/>
-              </a:ext>
-            </a:extLst>
-          </p:cNvPr>
-          <p:cNvSpPr/>
-          <p:nvPr/>
-        </p:nvSpPr>
-        <p:spPr>
-          <a:xfrm>
-            <a:off x="2841527" y="5466429"/>
-            <a:ext cx="688258" cy="596075"/>
-          </a:xfrm>
-          <a:prstGeom prst="rect">
-            <a:avLst/>
-          </a:prstGeom>
-        </p:spPr>
-        <p:style>
-          <a:lnRef idx="2">
-            <a:schemeClr val="accent6"/>
-          </a:lnRef>
-          <a:fillRef idx="1">
-            <a:schemeClr val="lt1"/>
-          </a:fillRef>
-          <a:effectRef idx="0">
-            <a:schemeClr val="accent6"/>
-          </a:effectRef>
-          <a:fontRef idx="minor">
-            <a:schemeClr val="dk1"/>
-          </a:fontRef>
-        </p:style>
-        <p:txBody>
-          <a:bodyPr rtlCol="0" anchor="ctr"/>
-          <a:lstStyle/>
-          <a:p>
-            <a:pPr algn="ctr"/>
-            <a:r>
-              <a:rPr lang="en-CA" dirty="0"/>
-              <a:t>G5</a:t>
-            </a:r>
-            <a:endParaRPr lang="fr-CA" dirty="0"/>
-          </a:p>
-        </p:txBody>
-      </p:sp>
-      <p:sp>
-        <p:nvSpPr>
-          <p:cNvPr id="68" name="Rectangle 67">
-            <a:extLst>
-              <a:ext uri="{FF2B5EF4-FFF2-40B4-BE49-F238E27FC236}">
-                <a16:creationId xmlns:a16="http://schemas.microsoft.com/office/drawing/2014/main" id="{B1334AF3-18D5-C4A3-28AB-257735F7D395}"/>
-              </a:ext>
-            </a:extLst>
-          </p:cNvPr>
-          <p:cNvSpPr/>
-          <p:nvPr/>
-        </p:nvSpPr>
-        <p:spPr>
-          <a:xfrm>
-            <a:off x="9500399" y="5472024"/>
-            <a:ext cx="688258" cy="596075"/>
-          </a:xfrm>
-          <a:prstGeom prst="rect">
-            <a:avLst/>
-          </a:prstGeom>
-        </p:spPr>
-        <p:style>
-          <a:lnRef idx="2">
-            <a:schemeClr val="accent6"/>
-          </a:lnRef>
-          <a:fillRef idx="1">
-            <a:schemeClr val="lt1"/>
-          </a:fillRef>
-          <a:effectRef idx="0">
-            <a:schemeClr val="accent6"/>
-          </a:effectRef>
-          <a:fontRef idx="minor">
-            <a:schemeClr val="dk1"/>
-          </a:fontRef>
-        </p:style>
-        <p:txBody>
-          <a:bodyPr rtlCol="0" anchor="ctr"/>
-          <a:lstStyle/>
-          <a:p>
-            <a:pPr algn="ctr"/>
-            <a:r>
-              <a:rPr lang="en-CA" dirty="0"/>
-              <a:t>D5</a:t>
-            </a:r>
-            <a:endParaRPr lang="fr-CA" dirty="0"/>
-          </a:p>
-        </p:txBody>
-      </p:sp>
       <p:cxnSp>
         <p:nvCxnSpPr>
           <p:cNvPr id="69" name="Connecteur droit 68">
@@ -7297,7 +6927,7 @@
         </p:nvCxnSpPr>
         <p:spPr>
           <a:xfrm>
-            <a:off x="7307824" y="2768747"/>
+            <a:off x="7288159" y="2768747"/>
             <a:ext cx="0" cy="3308040"/>
           </a:xfrm>
           <a:prstGeom prst="line">
@@ -7919,10 +7549,2323 @@
           </a:prstGeom>
         </p:spPr>
       </p:pic>
+      <p:sp>
+        <p:nvSpPr>
+          <p:cNvPr id="3" name="Rectangle 2">
+            <a:extLst>
+              <a:ext uri="{FF2B5EF4-FFF2-40B4-BE49-F238E27FC236}">
+                <a16:creationId xmlns:a16="http://schemas.microsoft.com/office/drawing/2014/main" id="{3F66277D-4896-CADD-5117-69CC70961AAA}"/>
+              </a:ext>
+            </a:extLst>
+          </p:cNvPr>
+          <p:cNvSpPr/>
+          <p:nvPr/>
+        </p:nvSpPr>
+        <p:spPr>
+          <a:xfrm>
+            <a:off x="2769002" y="5309700"/>
+            <a:ext cx="836974" cy="812695"/>
+          </a:xfrm>
+          <a:prstGeom prst="rect">
+            <a:avLst/>
+          </a:prstGeom>
+        </p:spPr>
+        <p:style>
+          <a:lnRef idx="2">
+            <a:schemeClr val="accent6"/>
+          </a:lnRef>
+          <a:fillRef idx="1">
+            <a:schemeClr val="lt1"/>
+          </a:fillRef>
+          <a:effectRef idx="0">
+            <a:schemeClr val="accent6"/>
+          </a:effectRef>
+          <a:fontRef idx="minor">
+            <a:schemeClr val="dk1"/>
+          </a:fontRef>
+        </p:style>
+        <p:txBody>
+          <a:bodyPr rtlCol="0" anchor="ctr"/>
+          <a:lstStyle/>
+          <a:p>
+            <a:pPr algn="ctr"/>
+            <a:r>
+              <a:rPr lang="en-CA" dirty="0"/>
+              <a:t>G4</a:t>
+            </a:r>
+            <a:endParaRPr lang="fr-CA" dirty="0"/>
+          </a:p>
+        </p:txBody>
+      </p:sp>
+      <p:sp>
+        <p:nvSpPr>
+          <p:cNvPr id="4" name="Rectangle 3">
+            <a:extLst>
+              <a:ext uri="{FF2B5EF4-FFF2-40B4-BE49-F238E27FC236}">
+                <a16:creationId xmlns:a16="http://schemas.microsoft.com/office/drawing/2014/main" id="{DB3AC04B-302E-47B6-3EDC-97B686427A64}"/>
+              </a:ext>
+            </a:extLst>
+          </p:cNvPr>
+          <p:cNvSpPr/>
+          <p:nvPr/>
+        </p:nvSpPr>
+        <p:spPr>
+          <a:xfrm>
+            <a:off x="2769002" y="2708882"/>
+            <a:ext cx="846798" cy="812696"/>
+          </a:xfrm>
+          <a:prstGeom prst="rect">
+            <a:avLst/>
+          </a:prstGeom>
+        </p:spPr>
+        <p:style>
+          <a:lnRef idx="2">
+            <a:schemeClr val="accent6"/>
+          </a:lnRef>
+          <a:fillRef idx="1">
+            <a:schemeClr val="lt1"/>
+          </a:fillRef>
+          <a:effectRef idx="0">
+            <a:schemeClr val="accent6"/>
+          </a:effectRef>
+          <a:fontRef idx="minor">
+            <a:schemeClr val="dk1"/>
+          </a:fontRef>
+        </p:style>
+        <p:txBody>
+          <a:bodyPr rtlCol="0" anchor="ctr"/>
+          <a:lstStyle/>
+          <a:p>
+            <a:pPr algn="ctr"/>
+            <a:r>
+              <a:rPr lang="en-CA" dirty="0"/>
+              <a:t>G1</a:t>
+            </a:r>
+            <a:endParaRPr lang="fr-CA" dirty="0"/>
+          </a:p>
+        </p:txBody>
+      </p:sp>
+      <p:sp>
+        <p:nvSpPr>
+          <p:cNvPr id="5" name="Rectangle 4">
+            <a:extLst>
+              <a:ext uri="{FF2B5EF4-FFF2-40B4-BE49-F238E27FC236}">
+                <a16:creationId xmlns:a16="http://schemas.microsoft.com/office/drawing/2014/main" id="{8EEAD0CE-E20B-3950-8702-D159221728D2}"/>
+              </a:ext>
+            </a:extLst>
+          </p:cNvPr>
+          <p:cNvSpPr/>
+          <p:nvPr/>
+        </p:nvSpPr>
+        <p:spPr>
+          <a:xfrm>
+            <a:off x="2764073" y="3557034"/>
+            <a:ext cx="841903" cy="829441"/>
+          </a:xfrm>
+          <a:prstGeom prst="rect">
+            <a:avLst/>
+          </a:prstGeom>
+        </p:spPr>
+        <p:style>
+          <a:lnRef idx="2">
+            <a:schemeClr val="accent6"/>
+          </a:lnRef>
+          <a:fillRef idx="1">
+            <a:schemeClr val="lt1"/>
+          </a:fillRef>
+          <a:effectRef idx="0">
+            <a:schemeClr val="accent6"/>
+          </a:effectRef>
+          <a:fontRef idx="minor">
+            <a:schemeClr val="dk1"/>
+          </a:fontRef>
+        </p:style>
+        <p:txBody>
+          <a:bodyPr rtlCol="0" anchor="ctr"/>
+          <a:lstStyle/>
+          <a:p>
+            <a:pPr algn="ctr"/>
+            <a:r>
+              <a:rPr lang="en-CA" dirty="0"/>
+              <a:t>G2</a:t>
+            </a:r>
+            <a:endParaRPr lang="fr-CA" dirty="0"/>
+          </a:p>
+        </p:txBody>
+      </p:sp>
+      <p:sp>
+        <p:nvSpPr>
+          <p:cNvPr id="6" name="Rectangle 5">
+            <a:extLst>
+              <a:ext uri="{FF2B5EF4-FFF2-40B4-BE49-F238E27FC236}">
+                <a16:creationId xmlns:a16="http://schemas.microsoft.com/office/drawing/2014/main" id="{47590055-0BDB-50DC-C6E4-DA062B9614FF}"/>
+              </a:ext>
+            </a:extLst>
+          </p:cNvPr>
+          <p:cNvSpPr/>
+          <p:nvPr/>
+        </p:nvSpPr>
+        <p:spPr>
+          <a:xfrm>
+            <a:off x="2769002" y="4457814"/>
+            <a:ext cx="841903" cy="782769"/>
+          </a:xfrm>
+          <a:prstGeom prst="rect">
+            <a:avLst/>
+          </a:prstGeom>
+        </p:spPr>
+        <p:style>
+          <a:lnRef idx="2">
+            <a:schemeClr val="accent6"/>
+          </a:lnRef>
+          <a:fillRef idx="1">
+            <a:schemeClr val="lt1"/>
+          </a:fillRef>
+          <a:effectRef idx="0">
+            <a:schemeClr val="accent6"/>
+          </a:effectRef>
+          <a:fontRef idx="minor">
+            <a:schemeClr val="dk1"/>
+          </a:fontRef>
+        </p:style>
+        <p:txBody>
+          <a:bodyPr rtlCol="0" anchor="ctr"/>
+          <a:lstStyle/>
+          <a:p>
+            <a:pPr algn="ctr"/>
+            <a:r>
+              <a:rPr lang="en-CA" dirty="0"/>
+              <a:t>G3</a:t>
+            </a:r>
+            <a:endParaRPr lang="fr-CA" dirty="0"/>
+          </a:p>
+        </p:txBody>
+      </p:sp>
+      <p:sp>
+        <p:nvSpPr>
+          <p:cNvPr id="11" name="Rectangle 10">
+            <a:extLst>
+              <a:ext uri="{FF2B5EF4-FFF2-40B4-BE49-F238E27FC236}">
+                <a16:creationId xmlns:a16="http://schemas.microsoft.com/office/drawing/2014/main" id="{B409B556-2672-012F-28CC-54B699276C6D}"/>
+              </a:ext>
+            </a:extLst>
+          </p:cNvPr>
+          <p:cNvSpPr/>
+          <p:nvPr/>
+        </p:nvSpPr>
+        <p:spPr>
+          <a:xfrm>
+            <a:off x="9400855" y="4407616"/>
+            <a:ext cx="846798" cy="812696"/>
+          </a:xfrm>
+          <a:prstGeom prst="rect">
+            <a:avLst/>
+          </a:prstGeom>
+        </p:spPr>
+        <p:style>
+          <a:lnRef idx="2">
+            <a:schemeClr val="accent6"/>
+          </a:lnRef>
+          <a:fillRef idx="1">
+            <a:schemeClr val="lt1"/>
+          </a:fillRef>
+          <a:effectRef idx="0">
+            <a:schemeClr val="accent6"/>
+          </a:effectRef>
+          <a:fontRef idx="minor">
+            <a:schemeClr val="dk1"/>
+          </a:fontRef>
+        </p:style>
+        <p:txBody>
+          <a:bodyPr rtlCol="0" anchor="ctr"/>
+          <a:lstStyle/>
+          <a:p>
+            <a:pPr algn="ctr"/>
+            <a:r>
+              <a:rPr lang="en-CA" dirty="0"/>
+              <a:t>D3</a:t>
+            </a:r>
+            <a:endParaRPr lang="fr-CA" dirty="0"/>
+          </a:p>
+        </p:txBody>
+      </p:sp>
+      <p:sp>
+        <p:nvSpPr>
+          <p:cNvPr id="12" name="Rectangle 11">
+            <a:extLst>
+              <a:ext uri="{FF2B5EF4-FFF2-40B4-BE49-F238E27FC236}">
+                <a16:creationId xmlns:a16="http://schemas.microsoft.com/office/drawing/2014/main" id="{F88706D0-7664-DC03-4578-BB945BDD8506}"/>
+              </a:ext>
+            </a:extLst>
+          </p:cNvPr>
+          <p:cNvSpPr/>
+          <p:nvPr/>
+        </p:nvSpPr>
+        <p:spPr>
+          <a:xfrm>
+            <a:off x="9404568" y="3566292"/>
+            <a:ext cx="846798" cy="812696"/>
+          </a:xfrm>
+          <a:prstGeom prst="rect">
+            <a:avLst/>
+          </a:prstGeom>
+        </p:spPr>
+        <p:style>
+          <a:lnRef idx="2">
+            <a:schemeClr val="accent6"/>
+          </a:lnRef>
+          <a:fillRef idx="1">
+            <a:schemeClr val="lt1"/>
+          </a:fillRef>
+          <a:effectRef idx="0">
+            <a:schemeClr val="accent6"/>
+          </a:effectRef>
+          <a:fontRef idx="minor">
+            <a:schemeClr val="dk1"/>
+          </a:fontRef>
+        </p:style>
+        <p:txBody>
+          <a:bodyPr rtlCol="0" anchor="ctr"/>
+          <a:lstStyle/>
+          <a:p>
+            <a:pPr algn="ctr"/>
+            <a:r>
+              <a:rPr lang="en-CA" dirty="0"/>
+              <a:t>D2</a:t>
+            </a:r>
+            <a:endParaRPr lang="fr-CA" dirty="0"/>
+          </a:p>
+        </p:txBody>
+      </p:sp>
+      <p:sp>
+        <p:nvSpPr>
+          <p:cNvPr id="13" name="Rectangle 12">
+            <a:extLst>
+              <a:ext uri="{FF2B5EF4-FFF2-40B4-BE49-F238E27FC236}">
+                <a16:creationId xmlns:a16="http://schemas.microsoft.com/office/drawing/2014/main" id="{321AE2ED-7AD3-A65B-191D-E88CAAA66C16}"/>
+              </a:ext>
+            </a:extLst>
+          </p:cNvPr>
+          <p:cNvSpPr/>
+          <p:nvPr/>
+        </p:nvSpPr>
+        <p:spPr>
+          <a:xfrm>
+            <a:off x="9400855" y="2724968"/>
+            <a:ext cx="846798" cy="812696"/>
+          </a:xfrm>
+          <a:prstGeom prst="rect">
+            <a:avLst/>
+          </a:prstGeom>
+        </p:spPr>
+        <p:style>
+          <a:lnRef idx="2">
+            <a:schemeClr val="accent6"/>
+          </a:lnRef>
+          <a:fillRef idx="1">
+            <a:schemeClr val="lt1"/>
+          </a:fillRef>
+          <a:effectRef idx="0">
+            <a:schemeClr val="accent6"/>
+          </a:effectRef>
+          <a:fontRef idx="minor">
+            <a:schemeClr val="dk1"/>
+          </a:fontRef>
+        </p:style>
+        <p:txBody>
+          <a:bodyPr rtlCol="0" anchor="ctr"/>
+          <a:lstStyle/>
+          <a:p>
+            <a:pPr algn="ctr"/>
+            <a:r>
+              <a:rPr lang="en-CA" dirty="0"/>
+              <a:t>D1</a:t>
+            </a:r>
+            <a:endParaRPr lang="fr-CA" dirty="0"/>
+          </a:p>
+        </p:txBody>
+      </p:sp>
+      <p:sp>
+        <p:nvSpPr>
+          <p:cNvPr id="14" name="Rectangle 13">
+            <a:extLst>
+              <a:ext uri="{FF2B5EF4-FFF2-40B4-BE49-F238E27FC236}">
+                <a16:creationId xmlns:a16="http://schemas.microsoft.com/office/drawing/2014/main" id="{F763FC8F-74B3-3B99-938D-43C356B3C9D3}"/>
+              </a:ext>
+            </a:extLst>
+          </p:cNvPr>
+          <p:cNvSpPr/>
+          <p:nvPr/>
+        </p:nvSpPr>
+        <p:spPr>
+          <a:xfrm>
+            <a:off x="9406394" y="5277568"/>
+            <a:ext cx="846798" cy="812696"/>
+          </a:xfrm>
+          <a:prstGeom prst="rect">
+            <a:avLst/>
+          </a:prstGeom>
+        </p:spPr>
+        <p:style>
+          <a:lnRef idx="2">
+            <a:schemeClr val="accent6"/>
+          </a:lnRef>
+          <a:fillRef idx="1">
+            <a:schemeClr val="lt1"/>
+          </a:fillRef>
+          <a:effectRef idx="0">
+            <a:schemeClr val="accent6"/>
+          </a:effectRef>
+          <a:fontRef idx="minor">
+            <a:schemeClr val="dk1"/>
+          </a:fontRef>
+        </p:style>
+        <p:txBody>
+          <a:bodyPr rtlCol="0" anchor="ctr"/>
+          <a:lstStyle/>
+          <a:p>
+            <a:pPr algn="ctr"/>
+            <a:r>
+              <a:rPr lang="en-CA" dirty="0"/>
+              <a:t>D4</a:t>
+            </a:r>
+            <a:endParaRPr lang="fr-CA" dirty="0"/>
+          </a:p>
+        </p:txBody>
+      </p:sp>
+      <p:pic>
+        <p:nvPicPr>
+          <p:cNvPr id="2" name="Image 1">
+            <a:extLst>
+              <a:ext uri="{FF2B5EF4-FFF2-40B4-BE49-F238E27FC236}">
+                <a16:creationId xmlns:a16="http://schemas.microsoft.com/office/drawing/2014/main" id="{23FFEB39-134D-3933-8CAE-D3178C593168}"/>
+              </a:ext>
+            </a:extLst>
+          </p:cNvPr>
+          <p:cNvPicPr>
+            <a:picLocks noChangeAspect="1"/>
+          </p:cNvPicPr>
+          <p:nvPr/>
+        </p:nvPicPr>
+        <p:blipFill>
+          <a:blip r:embed="rId3"/>
+          <a:stretch>
+            <a:fillRect/>
+          </a:stretch>
+        </p:blipFill>
+        <p:spPr>
+          <a:xfrm>
+            <a:off x="2849880" y="1628157"/>
+            <a:ext cx="871134" cy="688822"/>
+          </a:xfrm>
+          <a:prstGeom prst="rect">
+            <a:avLst/>
+          </a:prstGeom>
+        </p:spPr>
+      </p:pic>
     </p:spTree>
     <p:extLst>
       <p:ext uri="{BB962C8B-B14F-4D97-AF65-F5344CB8AC3E}">
         <p14:creationId xmlns:p14="http://schemas.microsoft.com/office/powerpoint/2010/main" val="1993491781"/>
+      </p:ext>
+    </p:extLst>
+  </p:cSld>
+  <p:clrMapOvr>
+    <a:masterClrMapping/>
+  </p:clrMapOvr>
+</p:sld>
+</file>
+
+<file path=ppt/slides/slide4.xml><?xml version="1.0" encoding="utf-8"?>
+<p:sld xmlns:a="http://schemas.openxmlformats.org/drawingml/2006/main" xmlns:r="http://schemas.openxmlformats.org/officeDocument/2006/relationships" xmlns:p="http://schemas.openxmlformats.org/presentationml/2006/main">
+  <p:cSld>
+    <p:spTree>
+      <p:nvGrpSpPr>
+        <p:cNvPr id="1" name="">
+          <a:extLst>
+            <a:ext uri="{FF2B5EF4-FFF2-40B4-BE49-F238E27FC236}">
+              <a16:creationId xmlns:a16="http://schemas.microsoft.com/office/drawing/2014/main" id="{ECB32818-FB64-46B9-E76C-13581D374249}"/>
+            </a:ext>
+          </a:extLst>
+        </p:cNvPr>
+        <p:cNvGrpSpPr/>
+        <p:nvPr/>
+      </p:nvGrpSpPr>
+      <p:grpSpPr>
+        <a:xfrm>
+          <a:off x="0" y="0"/>
+          <a:ext cx="0" cy="0"/>
+          <a:chOff x="0" y="0"/>
+          <a:chExt cx="0" cy="0"/>
+        </a:xfrm>
+      </p:grpSpPr>
+      <p:sp>
+        <p:nvSpPr>
+          <p:cNvPr id="13" name="Rectangle 12">
+            <a:extLst>
+              <a:ext uri="{FF2B5EF4-FFF2-40B4-BE49-F238E27FC236}">
+                <a16:creationId xmlns:a16="http://schemas.microsoft.com/office/drawing/2014/main" id="{F636F855-2CE0-8E8C-C480-A57E9AC52CBC}"/>
+              </a:ext>
+            </a:extLst>
+          </p:cNvPr>
+          <p:cNvSpPr/>
+          <p:nvPr/>
+        </p:nvSpPr>
+        <p:spPr>
+          <a:xfrm>
+            <a:off x="2769002" y="1579963"/>
+            <a:ext cx="7479892" cy="795029"/>
+          </a:xfrm>
+          <a:prstGeom prst="rect">
+            <a:avLst/>
+          </a:prstGeom>
+        </p:spPr>
+        <p:style>
+          <a:lnRef idx="2">
+            <a:schemeClr val="dk1"/>
+          </a:lnRef>
+          <a:fillRef idx="1">
+            <a:schemeClr val="lt1"/>
+          </a:fillRef>
+          <a:effectRef idx="0">
+            <a:schemeClr val="dk1"/>
+          </a:effectRef>
+          <a:fontRef idx="minor">
+            <a:schemeClr val="dk1"/>
+          </a:fontRef>
+        </p:style>
+        <p:txBody>
+          <a:bodyPr rtlCol="0" anchor="ctr"/>
+          <a:lstStyle/>
+          <a:p>
+            <a:pPr algn="ctr"/>
+            <a:endParaRPr lang="fr-CA" dirty="0">
+              <a:solidFill>
+                <a:schemeClr val="tx1"/>
+              </a:solidFill>
+            </a:endParaRPr>
+          </a:p>
+        </p:txBody>
+      </p:sp>
+      <p:sp>
+        <p:nvSpPr>
+          <p:cNvPr id="6" name="Rectangle 5">
+            <a:extLst>
+              <a:ext uri="{FF2B5EF4-FFF2-40B4-BE49-F238E27FC236}">
+                <a16:creationId xmlns:a16="http://schemas.microsoft.com/office/drawing/2014/main" id="{0889D4E4-5A69-812E-CABF-F3F509A68B42}"/>
+              </a:ext>
+            </a:extLst>
+          </p:cNvPr>
+          <p:cNvSpPr/>
+          <p:nvPr/>
+        </p:nvSpPr>
+        <p:spPr>
+          <a:xfrm>
+            <a:off x="3645303" y="2741659"/>
+            <a:ext cx="5727290" cy="3320845"/>
+          </a:xfrm>
+          <a:prstGeom prst="rect">
+            <a:avLst/>
+          </a:prstGeom>
+          <a:ln/>
+        </p:spPr>
+        <p:style>
+          <a:lnRef idx="2">
+            <a:schemeClr val="accent1">
+              <a:shade val="15000"/>
+            </a:schemeClr>
+          </a:lnRef>
+          <a:fillRef idx="1">
+            <a:schemeClr val="accent1"/>
+          </a:fillRef>
+          <a:effectRef idx="0">
+            <a:schemeClr val="accent1"/>
+          </a:effectRef>
+          <a:fontRef idx="minor">
+            <a:schemeClr val="lt1"/>
+          </a:fontRef>
+        </p:style>
+        <p:txBody>
+          <a:bodyPr rtlCol="0" anchor="ctr"/>
+          <a:lstStyle/>
+          <a:p>
+            <a:pPr algn="ctr"/>
+            <a:r>
+              <a:rPr lang="en-CA" sz="3600" dirty="0"/>
+              <a:t>Carte du Comte</a:t>
+            </a:r>
+            <a:endParaRPr lang="fr-CA" sz="3600" dirty="0"/>
+          </a:p>
+        </p:txBody>
+      </p:sp>
+      <p:sp>
+        <p:nvSpPr>
+          <p:cNvPr id="7" name="Rectangle 6">
+            <a:extLst>
+              <a:ext uri="{FF2B5EF4-FFF2-40B4-BE49-F238E27FC236}">
+                <a16:creationId xmlns:a16="http://schemas.microsoft.com/office/drawing/2014/main" id="{BE2D2F80-E571-2869-B7F5-B3B158650498}"/>
+              </a:ext>
+            </a:extLst>
+          </p:cNvPr>
+          <p:cNvSpPr/>
+          <p:nvPr/>
+        </p:nvSpPr>
+        <p:spPr>
+          <a:xfrm>
+            <a:off x="3548219" y="1652278"/>
+            <a:ext cx="2700180" cy="648929"/>
+          </a:xfrm>
+          <a:prstGeom prst="rect">
+            <a:avLst/>
+          </a:prstGeom>
+          <a:solidFill>
+            <a:schemeClr val="bg2"/>
+          </a:solidFill>
+        </p:spPr>
+        <p:style>
+          <a:lnRef idx="2">
+            <a:schemeClr val="accent1">
+              <a:shade val="15000"/>
+            </a:schemeClr>
+          </a:lnRef>
+          <a:fillRef idx="1">
+            <a:schemeClr val="accent1"/>
+          </a:fillRef>
+          <a:effectRef idx="0">
+            <a:schemeClr val="accent1"/>
+          </a:effectRef>
+          <a:fontRef idx="minor">
+            <a:schemeClr val="lt1"/>
+          </a:fontRef>
+        </p:style>
+        <p:txBody>
+          <a:bodyPr rtlCol="0" anchor="ctr"/>
+          <a:lstStyle/>
+          <a:p>
+            <a:pPr algn="ctr"/>
+            <a:r>
+              <a:rPr lang="en-CA" dirty="0">
+                <a:solidFill>
+                  <a:schemeClr val="tx1"/>
+                </a:solidFill>
+              </a:rPr>
+              <a:t>Acheteur </a:t>
+            </a:r>
+            <a:endParaRPr lang="fr-CA" dirty="0">
+              <a:solidFill>
+                <a:schemeClr val="tx1"/>
+              </a:solidFill>
+            </a:endParaRPr>
+          </a:p>
+        </p:txBody>
+      </p:sp>
+      <p:sp>
+        <p:nvSpPr>
+          <p:cNvPr id="8" name="Rectangle 7">
+            <a:extLst>
+              <a:ext uri="{FF2B5EF4-FFF2-40B4-BE49-F238E27FC236}">
+                <a16:creationId xmlns:a16="http://schemas.microsoft.com/office/drawing/2014/main" id="{F5AA0CEB-96D8-79F6-F29C-A8C1D641A087}"/>
+              </a:ext>
+            </a:extLst>
+          </p:cNvPr>
+          <p:cNvSpPr/>
+          <p:nvPr/>
+        </p:nvSpPr>
+        <p:spPr>
+          <a:xfrm>
+            <a:off x="6361471" y="1675460"/>
+            <a:ext cx="3030786" cy="648929"/>
+          </a:xfrm>
+          <a:prstGeom prst="rect">
+            <a:avLst/>
+          </a:prstGeom>
+          <a:solidFill>
+            <a:schemeClr val="bg2"/>
+          </a:solidFill>
+        </p:spPr>
+        <p:style>
+          <a:lnRef idx="2">
+            <a:schemeClr val="accent1">
+              <a:shade val="15000"/>
+            </a:schemeClr>
+          </a:lnRef>
+          <a:fillRef idx="1">
+            <a:schemeClr val="accent1"/>
+          </a:fillRef>
+          <a:effectRef idx="0">
+            <a:schemeClr val="accent1"/>
+          </a:effectRef>
+          <a:fontRef idx="minor">
+            <a:schemeClr val="lt1"/>
+          </a:fontRef>
+        </p:style>
+        <p:txBody>
+          <a:bodyPr rtlCol="0" anchor="ctr"/>
+          <a:lstStyle/>
+          <a:p>
+            <a:pPr algn="ctr"/>
+            <a:r>
+              <a:rPr lang="en-CA" dirty="0">
+                <a:solidFill>
+                  <a:schemeClr val="tx1"/>
+                </a:solidFill>
+              </a:rPr>
+              <a:t>Propriétaire</a:t>
+            </a:r>
+            <a:endParaRPr lang="fr-CA" dirty="0"/>
+          </a:p>
+        </p:txBody>
+      </p:sp>
+      <p:sp>
+        <p:nvSpPr>
+          <p:cNvPr id="11" name="ZoneTexte 10">
+            <a:extLst>
+              <a:ext uri="{FF2B5EF4-FFF2-40B4-BE49-F238E27FC236}">
+                <a16:creationId xmlns:a16="http://schemas.microsoft.com/office/drawing/2014/main" id="{068E9220-F12C-9B85-A25F-3DE3F8FAB672}"/>
+              </a:ext>
+            </a:extLst>
+          </p:cNvPr>
+          <p:cNvSpPr txBox="1"/>
+          <p:nvPr/>
+        </p:nvSpPr>
+        <p:spPr>
+          <a:xfrm>
+            <a:off x="2787444" y="1924352"/>
+            <a:ext cx="742333" cy="369332"/>
+          </a:xfrm>
+          <a:prstGeom prst="rect">
+            <a:avLst/>
+          </a:prstGeom>
+          <a:noFill/>
+        </p:spPr>
+        <p:txBody>
+          <a:bodyPr wrap="square">
+            <a:spAutoFit/>
+          </a:bodyPr>
+          <a:lstStyle/>
+          <a:p>
+            <a:r>
+              <a:rPr lang="en-CA" dirty="0"/>
+              <a:t>Profil</a:t>
+            </a:r>
+            <a:endParaRPr lang="fr-CA" dirty="0"/>
+          </a:p>
+        </p:txBody>
+      </p:sp>
+      <p:sp>
+        <p:nvSpPr>
+          <p:cNvPr id="17" name="Triangle isocèle 16">
+            <a:extLst>
+              <a:ext uri="{FF2B5EF4-FFF2-40B4-BE49-F238E27FC236}">
+                <a16:creationId xmlns:a16="http://schemas.microsoft.com/office/drawing/2014/main" id="{155E5C59-EC5A-624C-ED0F-4CDC20A3FAC7}"/>
+              </a:ext>
+            </a:extLst>
+          </p:cNvPr>
+          <p:cNvSpPr/>
+          <p:nvPr/>
+        </p:nvSpPr>
+        <p:spPr>
+          <a:xfrm rot="10800000">
+            <a:off x="5643710" y="1852224"/>
+            <a:ext cx="226142" cy="274075"/>
+          </a:xfrm>
+          <a:prstGeom prst="triangle">
+            <a:avLst/>
+          </a:prstGeom>
+        </p:spPr>
+        <p:style>
+          <a:lnRef idx="2">
+            <a:schemeClr val="accent1">
+              <a:shade val="15000"/>
+            </a:schemeClr>
+          </a:lnRef>
+          <a:fillRef idx="1">
+            <a:schemeClr val="accent1"/>
+          </a:fillRef>
+          <a:effectRef idx="0">
+            <a:schemeClr val="accent1"/>
+          </a:effectRef>
+          <a:fontRef idx="minor">
+            <a:schemeClr val="lt1"/>
+          </a:fontRef>
+        </p:style>
+        <p:txBody>
+          <a:bodyPr rtlCol="0" anchor="ctr"/>
+          <a:lstStyle/>
+          <a:p>
+            <a:pPr algn="ctr"/>
+            <a:endParaRPr lang="fr-CA"/>
+          </a:p>
+        </p:txBody>
+      </p:sp>
+      <p:sp>
+        <p:nvSpPr>
+          <p:cNvPr id="18" name="Triangle isocèle 17">
+            <a:extLst>
+              <a:ext uri="{FF2B5EF4-FFF2-40B4-BE49-F238E27FC236}">
+                <a16:creationId xmlns:a16="http://schemas.microsoft.com/office/drawing/2014/main" id="{E8582089-5293-D6F7-C6DD-822B4102D2E1}"/>
+              </a:ext>
+            </a:extLst>
+          </p:cNvPr>
+          <p:cNvSpPr/>
+          <p:nvPr/>
+        </p:nvSpPr>
+        <p:spPr>
+          <a:xfrm rot="10800000">
+            <a:off x="8659776" y="1911048"/>
+            <a:ext cx="226142" cy="274075"/>
+          </a:xfrm>
+          <a:prstGeom prst="triangle">
+            <a:avLst/>
+          </a:prstGeom>
+        </p:spPr>
+        <p:style>
+          <a:lnRef idx="2">
+            <a:schemeClr val="accent1">
+              <a:shade val="15000"/>
+            </a:schemeClr>
+          </a:lnRef>
+          <a:fillRef idx="1">
+            <a:schemeClr val="accent1"/>
+          </a:fillRef>
+          <a:effectRef idx="0">
+            <a:schemeClr val="accent1"/>
+          </a:effectRef>
+          <a:fontRef idx="minor">
+            <a:schemeClr val="lt1"/>
+          </a:fontRef>
+        </p:style>
+        <p:txBody>
+          <a:bodyPr rtlCol="0" anchor="ctr"/>
+          <a:lstStyle/>
+          <a:p>
+            <a:pPr algn="ctr"/>
+            <a:endParaRPr lang="fr-CA"/>
+          </a:p>
+        </p:txBody>
+      </p:sp>
+      <p:sp>
+        <p:nvSpPr>
+          <p:cNvPr id="19" name="Triangle isocèle 18">
+            <a:extLst>
+              <a:ext uri="{FF2B5EF4-FFF2-40B4-BE49-F238E27FC236}">
+                <a16:creationId xmlns:a16="http://schemas.microsoft.com/office/drawing/2014/main" id="{4DA3A9DB-01EA-169E-D669-91F7E6D37BC8}"/>
+              </a:ext>
+            </a:extLst>
+          </p:cNvPr>
+          <p:cNvSpPr/>
+          <p:nvPr/>
+        </p:nvSpPr>
+        <p:spPr>
+          <a:xfrm>
+            <a:off x="2753031" y="728990"/>
+            <a:ext cx="7479892" cy="795029"/>
+          </a:xfrm>
+          <a:prstGeom prst="triangle">
+            <a:avLst/>
+          </a:prstGeom>
+        </p:spPr>
+        <p:style>
+          <a:lnRef idx="2">
+            <a:schemeClr val="accent1">
+              <a:shade val="15000"/>
+            </a:schemeClr>
+          </a:lnRef>
+          <a:fillRef idx="1">
+            <a:schemeClr val="accent1"/>
+          </a:fillRef>
+          <a:effectRef idx="0">
+            <a:schemeClr val="accent1"/>
+          </a:effectRef>
+          <a:fontRef idx="minor">
+            <a:schemeClr val="lt1"/>
+          </a:fontRef>
+        </p:style>
+        <p:txBody>
+          <a:bodyPr rtlCol="0" anchor="ctr"/>
+          <a:lstStyle/>
+          <a:p>
+            <a:pPr algn="ctr"/>
+            <a:endParaRPr lang="fr-CA"/>
+          </a:p>
+        </p:txBody>
+      </p:sp>
+      <p:sp>
+        <p:nvSpPr>
+          <p:cNvPr id="22" name="Rectangle 21">
+            <a:extLst>
+              <a:ext uri="{FF2B5EF4-FFF2-40B4-BE49-F238E27FC236}">
+                <a16:creationId xmlns:a16="http://schemas.microsoft.com/office/drawing/2014/main" id="{1E5095F3-2E57-13D7-9641-7C99CA3CDE44}"/>
+              </a:ext>
+            </a:extLst>
+          </p:cNvPr>
+          <p:cNvSpPr/>
+          <p:nvPr/>
+        </p:nvSpPr>
+        <p:spPr>
+          <a:xfrm>
+            <a:off x="2753031" y="6206582"/>
+            <a:ext cx="7479892" cy="559830"/>
+          </a:xfrm>
+          <a:prstGeom prst="rect">
+            <a:avLst/>
+          </a:prstGeom>
+        </p:spPr>
+        <p:style>
+          <a:lnRef idx="2">
+            <a:schemeClr val="accent1">
+              <a:shade val="15000"/>
+            </a:schemeClr>
+          </a:lnRef>
+          <a:fillRef idx="1">
+            <a:schemeClr val="accent1"/>
+          </a:fillRef>
+          <a:effectRef idx="0">
+            <a:schemeClr val="accent1"/>
+          </a:effectRef>
+          <a:fontRef idx="minor">
+            <a:schemeClr val="lt1"/>
+          </a:fontRef>
+        </p:style>
+        <p:txBody>
+          <a:bodyPr rtlCol="0" anchor="ctr"/>
+          <a:lstStyle/>
+          <a:p>
+            <a:pPr algn="ctr"/>
+            <a:endParaRPr lang="fr-CA" dirty="0"/>
+          </a:p>
+        </p:txBody>
+      </p:sp>
+      <p:sp>
+        <p:nvSpPr>
+          <p:cNvPr id="23" name="Rectangle 22">
+            <a:extLst>
+              <a:ext uri="{FF2B5EF4-FFF2-40B4-BE49-F238E27FC236}">
+                <a16:creationId xmlns:a16="http://schemas.microsoft.com/office/drawing/2014/main" id="{3B1B9429-332C-3B5E-831C-2A54A07931CD}"/>
+              </a:ext>
+            </a:extLst>
+          </p:cNvPr>
+          <p:cNvSpPr/>
+          <p:nvPr/>
+        </p:nvSpPr>
+        <p:spPr>
+          <a:xfrm>
+            <a:off x="2769002" y="2434975"/>
+            <a:ext cx="7479892" cy="224453"/>
+          </a:xfrm>
+          <a:prstGeom prst="rect">
+            <a:avLst/>
+          </a:prstGeom>
+        </p:spPr>
+        <p:style>
+          <a:lnRef idx="2">
+            <a:schemeClr val="accent6"/>
+          </a:lnRef>
+          <a:fillRef idx="1">
+            <a:schemeClr val="lt1"/>
+          </a:fillRef>
+          <a:effectRef idx="0">
+            <a:schemeClr val="accent6"/>
+          </a:effectRef>
+          <a:fontRef idx="minor">
+            <a:schemeClr val="dk1"/>
+          </a:fontRef>
+        </p:style>
+        <p:txBody>
+          <a:bodyPr rtlCol="0" anchor="ctr"/>
+          <a:lstStyle/>
+          <a:p>
+            <a:pPr algn="ctr"/>
+            <a:r>
+              <a:rPr lang="en-CA" dirty="0">
+                <a:solidFill>
+                  <a:schemeClr val="bg2">
+                    <a:lumMod val="90000"/>
+                  </a:schemeClr>
+                </a:solidFill>
+              </a:rPr>
+              <a:t>rechercher</a:t>
+            </a:r>
+            <a:endParaRPr lang="fr-CA" dirty="0">
+              <a:solidFill>
+                <a:schemeClr val="bg2">
+                  <a:lumMod val="90000"/>
+                </a:schemeClr>
+              </a:solidFill>
+            </a:endParaRPr>
+          </a:p>
+        </p:txBody>
+      </p:sp>
+      <p:sp>
+        <p:nvSpPr>
+          <p:cNvPr id="24" name="Ellipse 23">
+            <a:extLst>
+              <a:ext uri="{FF2B5EF4-FFF2-40B4-BE49-F238E27FC236}">
+                <a16:creationId xmlns:a16="http://schemas.microsoft.com/office/drawing/2014/main" id="{C77CDC2D-8D21-4D8B-BA21-62668F0ABDF0}"/>
+              </a:ext>
+            </a:extLst>
+          </p:cNvPr>
+          <p:cNvSpPr/>
+          <p:nvPr/>
+        </p:nvSpPr>
+        <p:spPr>
+          <a:xfrm>
+            <a:off x="3188122" y="2473914"/>
+            <a:ext cx="113067" cy="155179"/>
+          </a:xfrm>
+          <a:prstGeom prst="ellipse">
+            <a:avLst/>
+          </a:prstGeom>
+        </p:spPr>
+        <p:style>
+          <a:lnRef idx="2">
+            <a:schemeClr val="accent6"/>
+          </a:lnRef>
+          <a:fillRef idx="1">
+            <a:schemeClr val="lt1"/>
+          </a:fillRef>
+          <a:effectRef idx="0">
+            <a:schemeClr val="accent6"/>
+          </a:effectRef>
+          <a:fontRef idx="minor">
+            <a:schemeClr val="dk1"/>
+          </a:fontRef>
+        </p:style>
+        <p:txBody>
+          <a:bodyPr rtlCol="0" anchor="ctr"/>
+          <a:lstStyle/>
+          <a:p>
+            <a:pPr algn="ctr"/>
+            <a:endParaRPr lang="fr-CA"/>
+          </a:p>
+        </p:txBody>
+      </p:sp>
+      <p:cxnSp>
+        <p:nvCxnSpPr>
+          <p:cNvPr id="26" name="Connecteur droit 25">
+            <a:extLst>
+              <a:ext uri="{FF2B5EF4-FFF2-40B4-BE49-F238E27FC236}">
+                <a16:creationId xmlns:a16="http://schemas.microsoft.com/office/drawing/2014/main" id="{A2EFA988-D339-4008-4A65-7CD8D4456124}"/>
+              </a:ext>
+            </a:extLst>
+          </p:cNvPr>
+          <p:cNvCxnSpPr/>
+          <p:nvPr/>
+        </p:nvCxnSpPr>
+        <p:spPr>
+          <a:xfrm flipH="1">
+            <a:off x="3097152" y="2528017"/>
+            <a:ext cx="88490" cy="98322"/>
+          </a:xfrm>
+          <a:prstGeom prst="line">
+            <a:avLst/>
+          </a:prstGeom>
+        </p:spPr>
+        <p:style>
+          <a:lnRef idx="2">
+            <a:schemeClr val="dk1"/>
+          </a:lnRef>
+          <a:fillRef idx="0">
+            <a:schemeClr val="dk1"/>
+          </a:fillRef>
+          <a:effectRef idx="1">
+            <a:schemeClr val="dk1"/>
+          </a:effectRef>
+          <a:fontRef idx="minor">
+            <a:schemeClr val="tx1"/>
+          </a:fontRef>
+        </p:style>
+      </p:cxnSp>
+      <p:cxnSp>
+        <p:nvCxnSpPr>
+          <p:cNvPr id="3" name="Connecteur droit 2">
+            <a:extLst>
+              <a:ext uri="{FF2B5EF4-FFF2-40B4-BE49-F238E27FC236}">
+                <a16:creationId xmlns:a16="http://schemas.microsoft.com/office/drawing/2014/main" id="{7CD5AE1A-0C94-B2AA-B567-AF4EF498B882}"/>
+              </a:ext>
+            </a:extLst>
+          </p:cNvPr>
+          <p:cNvCxnSpPr/>
+          <p:nvPr/>
+        </p:nvCxnSpPr>
+        <p:spPr>
+          <a:xfrm>
+            <a:off x="4159045" y="2754464"/>
+            <a:ext cx="0" cy="3308040"/>
+          </a:xfrm>
+          <a:prstGeom prst="line">
+            <a:avLst/>
+          </a:prstGeom>
+        </p:spPr>
+        <p:style>
+          <a:lnRef idx="1">
+            <a:schemeClr val="dk1"/>
+          </a:lnRef>
+          <a:fillRef idx="0">
+            <a:schemeClr val="dk1"/>
+          </a:fillRef>
+          <a:effectRef idx="0">
+            <a:schemeClr val="dk1"/>
+          </a:effectRef>
+          <a:fontRef idx="minor">
+            <a:schemeClr val="tx1"/>
+          </a:fontRef>
+        </p:style>
+      </p:cxnSp>
+      <p:cxnSp>
+        <p:nvCxnSpPr>
+          <p:cNvPr id="4" name="Connecteur droit 3">
+            <a:extLst>
+              <a:ext uri="{FF2B5EF4-FFF2-40B4-BE49-F238E27FC236}">
+                <a16:creationId xmlns:a16="http://schemas.microsoft.com/office/drawing/2014/main" id="{320695C9-ABC0-59BD-A36B-28191CA1A9BA}"/>
+              </a:ext>
+            </a:extLst>
+          </p:cNvPr>
+          <p:cNvCxnSpPr/>
+          <p:nvPr/>
+        </p:nvCxnSpPr>
+        <p:spPr>
+          <a:xfrm>
+            <a:off x="6248399" y="2740947"/>
+            <a:ext cx="0" cy="3308040"/>
+          </a:xfrm>
+          <a:prstGeom prst="line">
+            <a:avLst/>
+          </a:prstGeom>
+        </p:spPr>
+        <p:style>
+          <a:lnRef idx="1">
+            <a:schemeClr val="dk1"/>
+          </a:lnRef>
+          <a:fillRef idx="0">
+            <a:schemeClr val="dk1"/>
+          </a:fillRef>
+          <a:effectRef idx="0">
+            <a:schemeClr val="dk1"/>
+          </a:effectRef>
+          <a:fontRef idx="minor">
+            <a:schemeClr val="tx1"/>
+          </a:fontRef>
+        </p:style>
+      </p:cxnSp>
+      <p:cxnSp>
+        <p:nvCxnSpPr>
+          <p:cNvPr id="5" name="Connecteur droit 4">
+            <a:extLst>
+              <a:ext uri="{FF2B5EF4-FFF2-40B4-BE49-F238E27FC236}">
+                <a16:creationId xmlns:a16="http://schemas.microsoft.com/office/drawing/2014/main" id="{52D1893E-6572-2F03-4C91-32DC5186272E}"/>
+              </a:ext>
+            </a:extLst>
+          </p:cNvPr>
+          <p:cNvCxnSpPr/>
+          <p:nvPr/>
+        </p:nvCxnSpPr>
+        <p:spPr>
+          <a:xfrm>
+            <a:off x="6803923" y="2768747"/>
+            <a:ext cx="0" cy="3308040"/>
+          </a:xfrm>
+          <a:prstGeom prst="line">
+            <a:avLst/>
+          </a:prstGeom>
+        </p:spPr>
+        <p:style>
+          <a:lnRef idx="1">
+            <a:schemeClr val="dk1"/>
+          </a:lnRef>
+          <a:fillRef idx="0">
+            <a:schemeClr val="dk1"/>
+          </a:fillRef>
+          <a:effectRef idx="0">
+            <a:schemeClr val="dk1"/>
+          </a:effectRef>
+          <a:fontRef idx="minor">
+            <a:schemeClr val="tx1"/>
+          </a:fontRef>
+        </p:style>
+      </p:cxnSp>
+      <p:cxnSp>
+        <p:nvCxnSpPr>
+          <p:cNvPr id="10" name="Connecteur droit 9">
+            <a:extLst>
+              <a:ext uri="{FF2B5EF4-FFF2-40B4-BE49-F238E27FC236}">
+                <a16:creationId xmlns:a16="http://schemas.microsoft.com/office/drawing/2014/main" id="{239B6262-118B-3B15-3501-6CE3269F3477}"/>
+              </a:ext>
+            </a:extLst>
+          </p:cNvPr>
+          <p:cNvCxnSpPr/>
+          <p:nvPr/>
+        </p:nvCxnSpPr>
+        <p:spPr>
+          <a:xfrm>
+            <a:off x="7307824" y="2768747"/>
+            <a:ext cx="0" cy="3308040"/>
+          </a:xfrm>
+          <a:prstGeom prst="line">
+            <a:avLst/>
+          </a:prstGeom>
+        </p:spPr>
+        <p:style>
+          <a:lnRef idx="1">
+            <a:schemeClr val="dk1"/>
+          </a:lnRef>
+          <a:fillRef idx="0">
+            <a:schemeClr val="dk1"/>
+          </a:fillRef>
+          <a:effectRef idx="0">
+            <a:schemeClr val="dk1"/>
+          </a:effectRef>
+          <a:fontRef idx="minor">
+            <a:schemeClr val="tx1"/>
+          </a:fontRef>
+        </p:style>
+      </p:cxnSp>
+      <p:cxnSp>
+        <p:nvCxnSpPr>
+          <p:cNvPr id="12" name="Connecteur droit 11">
+            <a:extLst>
+              <a:ext uri="{FF2B5EF4-FFF2-40B4-BE49-F238E27FC236}">
+                <a16:creationId xmlns:a16="http://schemas.microsoft.com/office/drawing/2014/main" id="{D61367B3-9C6D-9C88-7777-1FCFD9F44B4D}"/>
+              </a:ext>
+            </a:extLst>
+          </p:cNvPr>
+          <p:cNvCxnSpPr/>
+          <p:nvPr/>
+        </p:nvCxnSpPr>
+        <p:spPr>
+          <a:xfrm>
+            <a:off x="7747819" y="2740947"/>
+            <a:ext cx="0" cy="3308040"/>
+          </a:xfrm>
+          <a:prstGeom prst="line">
+            <a:avLst/>
+          </a:prstGeom>
+        </p:spPr>
+        <p:style>
+          <a:lnRef idx="1">
+            <a:schemeClr val="dk1"/>
+          </a:lnRef>
+          <a:fillRef idx="0">
+            <a:schemeClr val="dk1"/>
+          </a:fillRef>
+          <a:effectRef idx="0">
+            <a:schemeClr val="dk1"/>
+          </a:effectRef>
+          <a:fontRef idx="minor">
+            <a:schemeClr val="tx1"/>
+          </a:fontRef>
+        </p:style>
+      </p:cxnSp>
+      <p:cxnSp>
+        <p:nvCxnSpPr>
+          <p:cNvPr id="14" name="Connecteur droit 13">
+            <a:extLst>
+              <a:ext uri="{FF2B5EF4-FFF2-40B4-BE49-F238E27FC236}">
+                <a16:creationId xmlns:a16="http://schemas.microsoft.com/office/drawing/2014/main" id="{71F50936-649C-2A14-194A-C5A95BECFFC3}"/>
+              </a:ext>
+            </a:extLst>
+          </p:cNvPr>
+          <p:cNvCxnSpPr/>
+          <p:nvPr/>
+        </p:nvCxnSpPr>
+        <p:spPr>
+          <a:xfrm>
+            <a:off x="8283677" y="2741659"/>
+            <a:ext cx="0" cy="3308040"/>
+          </a:xfrm>
+          <a:prstGeom prst="line">
+            <a:avLst/>
+          </a:prstGeom>
+        </p:spPr>
+        <p:style>
+          <a:lnRef idx="1">
+            <a:schemeClr val="dk1"/>
+          </a:lnRef>
+          <a:fillRef idx="0">
+            <a:schemeClr val="dk1"/>
+          </a:fillRef>
+          <a:effectRef idx="0">
+            <a:schemeClr val="dk1"/>
+          </a:effectRef>
+          <a:fontRef idx="minor">
+            <a:schemeClr val="tx1"/>
+          </a:fontRef>
+        </p:style>
+      </p:cxnSp>
+      <p:cxnSp>
+        <p:nvCxnSpPr>
+          <p:cNvPr id="16" name="Connecteur droit 15">
+            <a:extLst>
+              <a:ext uri="{FF2B5EF4-FFF2-40B4-BE49-F238E27FC236}">
+                <a16:creationId xmlns:a16="http://schemas.microsoft.com/office/drawing/2014/main" id="{EA60B4FB-38CA-3C26-4CAA-250D93FB59C9}"/>
+              </a:ext>
+            </a:extLst>
+          </p:cNvPr>
+          <p:cNvCxnSpPr/>
+          <p:nvPr/>
+        </p:nvCxnSpPr>
+        <p:spPr>
+          <a:xfrm>
+            <a:off x="8772847" y="2741659"/>
+            <a:ext cx="0" cy="3308040"/>
+          </a:xfrm>
+          <a:prstGeom prst="line">
+            <a:avLst/>
+          </a:prstGeom>
+        </p:spPr>
+        <p:style>
+          <a:lnRef idx="1">
+            <a:schemeClr val="dk1"/>
+          </a:lnRef>
+          <a:fillRef idx="0">
+            <a:schemeClr val="dk1"/>
+          </a:fillRef>
+          <a:effectRef idx="0">
+            <a:schemeClr val="dk1"/>
+          </a:effectRef>
+          <a:fontRef idx="minor">
+            <a:schemeClr val="tx1"/>
+          </a:fontRef>
+        </p:style>
+      </p:cxnSp>
+      <p:cxnSp>
+        <p:nvCxnSpPr>
+          <p:cNvPr id="21" name="Connecteur droit 20">
+            <a:extLst>
+              <a:ext uri="{FF2B5EF4-FFF2-40B4-BE49-F238E27FC236}">
+                <a16:creationId xmlns:a16="http://schemas.microsoft.com/office/drawing/2014/main" id="{A6A12CA0-E5B2-D71D-1878-3F2FC3E1F53D}"/>
+              </a:ext>
+            </a:extLst>
+          </p:cNvPr>
+          <p:cNvCxnSpPr>
+            <a:cxnSpLocks/>
+          </p:cNvCxnSpPr>
+          <p:nvPr/>
+        </p:nvCxnSpPr>
+        <p:spPr>
+          <a:xfrm>
+            <a:off x="3664967" y="3038397"/>
+            <a:ext cx="5727290" cy="0"/>
+          </a:xfrm>
+          <a:prstGeom prst="line">
+            <a:avLst/>
+          </a:prstGeom>
+        </p:spPr>
+        <p:style>
+          <a:lnRef idx="1">
+            <a:schemeClr val="dk1"/>
+          </a:lnRef>
+          <a:fillRef idx="0">
+            <a:schemeClr val="dk1"/>
+          </a:fillRef>
+          <a:effectRef idx="0">
+            <a:schemeClr val="dk1"/>
+          </a:effectRef>
+          <a:fontRef idx="minor">
+            <a:schemeClr val="tx1"/>
+          </a:fontRef>
+        </p:style>
+      </p:cxnSp>
+      <p:cxnSp>
+        <p:nvCxnSpPr>
+          <p:cNvPr id="25" name="Connecteur droit 24">
+            <a:extLst>
+              <a:ext uri="{FF2B5EF4-FFF2-40B4-BE49-F238E27FC236}">
+                <a16:creationId xmlns:a16="http://schemas.microsoft.com/office/drawing/2014/main" id="{4C430705-D360-19BD-0961-927EB58A577A}"/>
+              </a:ext>
+            </a:extLst>
+          </p:cNvPr>
+          <p:cNvCxnSpPr/>
+          <p:nvPr/>
+        </p:nvCxnSpPr>
+        <p:spPr>
+          <a:xfrm>
+            <a:off x="4616245" y="2754464"/>
+            <a:ext cx="0" cy="3308040"/>
+          </a:xfrm>
+          <a:prstGeom prst="line">
+            <a:avLst/>
+          </a:prstGeom>
+        </p:spPr>
+        <p:style>
+          <a:lnRef idx="1">
+            <a:schemeClr val="dk1"/>
+          </a:lnRef>
+          <a:fillRef idx="0">
+            <a:schemeClr val="dk1"/>
+          </a:fillRef>
+          <a:effectRef idx="0">
+            <a:schemeClr val="dk1"/>
+          </a:effectRef>
+          <a:fontRef idx="minor">
+            <a:schemeClr val="tx1"/>
+          </a:fontRef>
+        </p:style>
+      </p:cxnSp>
+      <p:cxnSp>
+        <p:nvCxnSpPr>
+          <p:cNvPr id="37" name="Connecteur droit 36">
+            <a:extLst>
+              <a:ext uri="{FF2B5EF4-FFF2-40B4-BE49-F238E27FC236}">
+                <a16:creationId xmlns:a16="http://schemas.microsoft.com/office/drawing/2014/main" id="{7005A82C-8DB1-5464-662C-0F394DA382E9}"/>
+              </a:ext>
+            </a:extLst>
+          </p:cNvPr>
+          <p:cNvCxnSpPr/>
+          <p:nvPr/>
+        </p:nvCxnSpPr>
+        <p:spPr>
+          <a:xfrm>
+            <a:off x="5112774" y="2754464"/>
+            <a:ext cx="0" cy="3308040"/>
+          </a:xfrm>
+          <a:prstGeom prst="line">
+            <a:avLst/>
+          </a:prstGeom>
+        </p:spPr>
+        <p:style>
+          <a:lnRef idx="1">
+            <a:schemeClr val="dk1"/>
+          </a:lnRef>
+          <a:fillRef idx="0">
+            <a:schemeClr val="dk1"/>
+          </a:fillRef>
+          <a:effectRef idx="0">
+            <a:schemeClr val="dk1"/>
+          </a:effectRef>
+          <a:fontRef idx="minor">
+            <a:schemeClr val="tx1"/>
+          </a:fontRef>
+        </p:style>
+      </p:cxnSp>
+      <p:cxnSp>
+        <p:nvCxnSpPr>
+          <p:cNvPr id="38" name="Connecteur droit 37">
+            <a:extLst>
+              <a:ext uri="{FF2B5EF4-FFF2-40B4-BE49-F238E27FC236}">
+                <a16:creationId xmlns:a16="http://schemas.microsoft.com/office/drawing/2014/main" id="{4719D609-A0E3-5C3B-7BFA-73745710F105}"/>
+              </a:ext>
+            </a:extLst>
+          </p:cNvPr>
+          <p:cNvCxnSpPr/>
+          <p:nvPr/>
+        </p:nvCxnSpPr>
+        <p:spPr>
+          <a:xfrm>
+            <a:off x="5638797" y="2768747"/>
+            <a:ext cx="0" cy="3308040"/>
+          </a:xfrm>
+          <a:prstGeom prst="line">
+            <a:avLst/>
+          </a:prstGeom>
+        </p:spPr>
+        <p:style>
+          <a:lnRef idx="1">
+            <a:schemeClr val="dk1"/>
+          </a:lnRef>
+          <a:fillRef idx="0">
+            <a:schemeClr val="dk1"/>
+          </a:fillRef>
+          <a:effectRef idx="0">
+            <a:schemeClr val="dk1"/>
+          </a:effectRef>
+          <a:fontRef idx="minor">
+            <a:schemeClr val="tx1"/>
+          </a:fontRef>
+        </p:style>
+      </p:cxnSp>
+      <p:cxnSp>
+        <p:nvCxnSpPr>
+          <p:cNvPr id="42" name="Connecteur droit 41">
+            <a:extLst>
+              <a:ext uri="{FF2B5EF4-FFF2-40B4-BE49-F238E27FC236}">
+                <a16:creationId xmlns:a16="http://schemas.microsoft.com/office/drawing/2014/main" id="{0D58BEC2-8E78-3D3A-A509-350681629DC2}"/>
+              </a:ext>
+            </a:extLst>
+          </p:cNvPr>
+          <p:cNvCxnSpPr>
+            <a:cxnSpLocks/>
+          </p:cNvCxnSpPr>
+          <p:nvPr/>
+        </p:nvCxnSpPr>
+        <p:spPr>
+          <a:xfrm>
+            <a:off x="3664967" y="3392136"/>
+            <a:ext cx="5727290" cy="0"/>
+          </a:xfrm>
+          <a:prstGeom prst="line">
+            <a:avLst/>
+          </a:prstGeom>
+        </p:spPr>
+        <p:style>
+          <a:lnRef idx="1">
+            <a:schemeClr val="dk1"/>
+          </a:lnRef>
+          <a:fillRef idx="0">
+            <a:schemeClr val="dk1"/>
+          </a:fillRef>
+          <a:effectRef idx="0">
+            <a:schemeClr val="dk1"/>
+          </a:effectRef>
+          <a:fontRef idx="minor">
+            <a:schemeClr val="tx1"/>
+          </a:fontRef>
+        </p:style>
+      </p:cxnSp>
+      <p:cxnSp>
+        <p:nvCxnSpPr>
+          <p:cNvPr id="43" name="Connecteur droit 42">
+            <a:extLst>
+              <a:ext uri="{FF2B5EF4-FFF2-40B4-BE49-F238E27FC236}">
+                <a16:creationId xmlns:a16="http://schemas.microsoft.com/office/drawing/2014/main" id="{2C64760A-5D43-6F87-7A28-65E6B6EA67FD}"/>
+              </a:ext>
+            </a:extLst>
+          </p:cNvPr>
+          <p:cNvCxnSpPr>
+            <a:cxnSpLocks/>
+          </p:cNvCxnSpPr>
+          <p:nvPr/>
+        </p:nvCxnSpPr>
+        <p:spPr>
+          <a:xfrm>
+            <a:off x="3645303" y="3806050"/>
+            <a:ext cx="5727290" cy="0"/>
+          </a:xfrm>
+          <a:prstGeom prst="line">
+            <a:avLst/>
+          </a:prstGeom>
+        </p:spPr>
+        <p:style>
+          <a:lnRef idx="1">
+            <a:schemeClr val="dk1"/>
+          </a:lnRef>
+          <a:fillRef idx="0">
+            <a:schemeClr val="dk1"/>
+          </a:fillRef>
+          <a:effectRef idx="0">
+            <a:schemeClr val="dk1"/>
+          </a:effectRef>
+          <a:fontRef idx="minor">
+            <a:schemeClr val="tx1"/>
+          </a:fontRef>
+        </p:style>
+      </p:cxnSp>
+      <p:cxnSp>
+        <p:nvCxnSpPr>
+          <p:cNvPr id="44" name="Connecteur droit 43">
+            <a:extLst>
+              <a:ext uri="{FF2B5EF4-FFF2-40B4-BE49-F238E27FC236}">
+                <a16:creationId xmlns:a16="http://schemas.microsoft.com/office/drawing/2014/main" id="{C0604AF4-ECFA-8C9A-1571-7A13C3E587E1}"/>
+              </a:ext>
+            </a:extLst>
+          </p:cNvPr>
+          <p:cNvCxnSpPr>
+            <a:cxnSpLocks/>
+          </p:cNvCxnSpPr>
+          <p:nvPr/>
+        </p:nvCxnSpPr>
+        <p:spPr>
+          <a:xfrm>
+            <a:off x="3645303" y="4273083"/>
+            <a:ext cx="5727290" cy="0"/>
+          </a:xfrm>
+          <a:prstGeom prst="line">
+            <a:avLst/>
+          </a:prstGeom>
+        </p:spPr>
+        <p:style>
+          <a:lnRef idx="1">
+            <a:schemeClr val="dk1"/>
+          </a:lnRef>
+          <a:fillRef idx="0">
+            <a:schemeClr val="dk1"/>
+          </a:fillRef>
+          <a:effectRef idx="0">
+            <a:schemeClr val="dk1"/>
+          </a:effectRef>
+          <a:fontRef idx="minor">
+            <a:schemeClr val="tx1"/>
+          </a:fontRef>
+        </p:style>
+      </p:cxnSp>
+      <p:cxnSp>
+        <p:nvCxnSpPr>
+          <p:cNvPr id="45" name="Connecteur droit 44">
+            <a:extLst>
+              <a:ext uri="{FF2B5EF4-FFF2-40B4-BE49-F238E27FC236}">
+                <a16:creationId xmlns:a16="http://schemas.microsoft.com/office/drawing/2014/main" id="{92EBB8C6-AD77-F9F4-3F7B-B7C4F2D29243}"/>
+              </a:ext>
+            </a:extLst>
+          </p:cNvPr>
+          <p:cNvCxnSpPr>
+            <a:cxnSpLocks/>
+          </p:cNvCxnSpPr>
+          <p:nvPr/>
+        </p:nvCxnSpPr>
+        <p:spPr>
+          <a:xfrm>
+            <a:off x="3645303" y="4725157"/>
+            <a:ext cx="5727290" cy="0"/>
+          </a:xfrm>
+          <a:prstGeom prst="line">
+            <a:avLst/>
+          </a:prstGeom>
+        </p:spPr>
+        <p:style>
+          <a:lnRef idx="1">
+            <a:schemeClr val="dk1"/>
+          </a:lnRef>
+          <a:fillRef idx="0">
+            <a:schemeClr val="dk1"/>
+          </a:fillRef>
+          <a:effectRef idx="0">
+            <a:schemeClr val="dk1"/>
+          </a:effectRef>
+          <a:fontRef idx="minor">
+            <a:schemeClr val="tx1"/>
+          </a:fontRef>
+        </p:style>
+      </p:cxnSp>
+      <p:cxnSp>
+        <p:nvCxnSpPr>
+          <p:cNvPr id="46" name="Connecteur droit 45">
+            <a:extLst>
+              <a:ext uri="{FF2B5EF4-FFF2-40B4-BE49-F238E27FC236}">
+                <a16:creationId xmlns:a16="http://schemas.microsoft.com/office/drawing/2014/main" id="{4FDE62DA-9A49-1FC8-9E02-621768C71F4C}"/>
+              </a:ext>
+            </a:extLst>
+          </p:cNvPr>
+          <p:cNvCxnSpPr>
+            <a:cxnSpLocks/>
+          </p:cNvCxnSpPr>
+          <p:nvPr/>
+        </p:nvCxnSpPr>
+        <p:spPr>
+          <a:xfrm>
+            <a:off x="3664967" y="5187483"/>
+            <a:ext cx="5727290" cy="0"/>
+          </a:xfrm>
+          <a:prstGeom prst="line">
+            <a:avLst/>
+          </a:prstGeom>
+        </p:spPr>
+        <p:style>
+          <a:lnRef idx="1">
+            <a:schemeClr val="dk1"/>
+          </a:lnRef>
+          <a:fillRef idx="0">
+            <a:schemeClr val="dk1"/>
+          </a:fillRef>
+          <a:effectRef idx="0">
+            <a:schemeClr val="dk1"/>
+          </a:effectRef>
+          <a:fontRef idx="minor">
+            <a:schemeClr val="tx1"/>
+          </a:fontRef>
+        </p:style>
+      </p:cxnSp>
+      <p:cxnSp>
+        <p:nvCxnSpPr>
+          <p:cNvPr id="47" name="Connecteur droit 46">
+            <a:extLst>
+              <a:ext uri="{FF2B5EF4-FFF2-40B4-BE49-F238E27FC236}">
+                <a16:creationId xmlns:a16="http://schemas.microsoft.com/office/drawing/2014/main" id="{D002578C-D4C9-717E-AAF4-2D99B87BB87C}"/>
+              </a:ext>
+            </a:extLst>
+          </p:cNvPr>
+          <p:cNvCxnSpPr>
+            <a:cxnSpLocks/>
+          </p:cNvCxnSpPr>
+          <p:nvPr/>
+        </p:nvCxnSpPr>
+        <p:spPr>
+          <a:xfrm>
+            <a:off x="3645303" y="5625018"/>
+            <a:ext cx="5727290" cy="0"/>
+          </a:xfrm>
+          <a:prstGeom prst="line">
+            <a:avLst/>
+          </a:prstGeom>
+        </p:spPr>
+        <p:style>
+          <a:lnRef idx="1">
+            <a:schemeClr val="dk1"/>
+          </a:lnRef>
+          <a:fillRef idx="0">
+            <a:schemeClr val="dk1"/>
+          </a:fillRef>
+          <a:effectRef idx="0">
+            <a:schemeClr val="dk1"/>
+          </a:effectRef>
+          <a:fontRef idx="minor">
+            <a:schemeClr val="tx1"/>
+          </a:fontRef>
+        </p:style>
+      </p:cxnSp>
+      <p:sp>
+        <p:nvSpPr>
+          <p:cNvPr id="49" name="ZoneTexte 48">
+            <a:extLst>
+              <a:ext uri="{FF2B5EF4-FFF2-40B4-BE49-F238E27FC236}">
+                <a16:creationId xmlns:a16="http://schemas.microsoft.com/office/drawing/2014/main" id="{73732F51-D5F4-8519-2E59-98D464D28429}"/>
+              </a:ext>
+            </a:extLst>
+          </p:cNvPr>
+          <p:cNvSpPr txBox="1"/>
+          <p:nvPr/>
+        </p:nvSpPr>
+        <p:spPr>
+          <a:xfrm>
+            <a:off x="5361144" y="238498"/>
+            <a:ext cx="2386675" cy="369332"/>
+          </a:xfrm>
+          <a:prstGeom prst="rect">
+            <a:avLst/>
+          </a:prstGeom>
+          <a:noFill/>
+        </p:spPr>
+        <p:txBody>
+          <a:bodyPr wrap="square" rtlCol="0">
+            <a:spAutoFit/>
+          </a:bodyPr>
+          <a:lstStyle/>
+          <a:p>
+            <a:r>
+              <a:rPr lang="en-CA" dirty="0"/>
+              <a:t>Page d’acceuil du site</a:t>
+            </a:r>
+            <a:endParaRPr lang="fr-CA" dirty="0"/>
+          </a:p>
+        </p:txBody>
+      </p:sp>
+      <p:sp>
+        <p:nvSpPr>
+          <p:cNvPr id="2" name="Rectangle 1">
+            <a:extLst>
+              <a:ext uri="{FF2B5EF4-FFF2-40B4-BE49-F238E27FC236}">
+                <a16:creationId xmlns:a16="http://schemas.microsoft.com/office/drawing/2014/main" id="{02C4FA92-F253-2771-076A-624BF6E5CA87}"/>
+              </a:ext>
+            </a:extLst>
+          </p:cNvPr>
+          <p:cNvSpPr/>
+          <p:nvPr/>
+        </p:nvSpPr>
+        <p:spPr>
+          <a:xfrm>
+            <a:off x="2729670" y="5339197"/>
+            <a:ext cx="836974" cy="782768"/>
+          </a:xfrm>
+          <a:prstGeom prst="rect">
+            <a:avLst/>
+          </a:prstGeom>
+        </p:spPr>
+        <p:style>
+          <a:lnRef idx="2">
+            <a:schemeClr val="accent6"/>
+          </a:lnRef>
+          <a:fillRef idx="1">
+            <a:schemeClr val="lt1"/>
+          </a:fillRef>
+          <a:effectRef idx="0">
+            <a:schemeClr val="accent6"/>
+          </a:effectRef>
+          <a:fontRef idx="minor">
+            <a:schemeClr val="dk1"/>
+          </a:fontRef>
+        </p:style>
+        <p:txBody>
+          <a:bodyPr rtlCol="0" anchor="ctr"/>
+          <a:lstStyle/>
+          <a:p>
+            <a:pPr algn="ctr"/>
+            <a:r>
+              <a:rPr lang="en-CA" dirty="0"/>
+              <a:t>G4</a:t>
+            </a:r>
+            <a:endParaRPr lang="fr-CA" dirty="0"/>
+          </a:p>
+        </p:txBody>
+      </p:sp>
+      <p:sp>
+        <p:nvSpPr>
+          <p:cNvPr id="15" name="Rectangle 14">
+            <a:extLst>
+              <a:ext uri="{FF2B5EF4-FFF2-40B4-BE49-F238E27FC236}">
+                <a16:creationId xmlns:a16="http://schemas.microsoft.com/office/drawing/2014/main" id="{CFD470EA-DF36-9BAC-B4F3-EA577C5EDD70}"/>
+              </a:ext>
+            </a:extLst>
+          </p:cNvPr>
+          <p:cNvSpPr/>
+          <p:nvPr/>
+        </p:nvSpPr>
+        <p:spPr>
+          <a:xfrm>
+            <a:off x="2729670" y="2708882"/>
+            <a:ext cx="846798" cy="812696"/>
+          </a:xfrm>
+          <a:prstGeom prst="rect">
+            <a:avLst/>
+          </a:prstGeom>
+        </p:spPr>
+        <p:style>
+          <a:lnRef idx="2">
+            <a:schemeClr val="accent6"/>
+          </a:lnRef>
+          <a:fillRef idx="1">
+            <a:schemeClr val="lt1"/>
+          </a:fillRef>
+          <a:effectRef idx="0">
+            <a:schemeClr val="accent6"/>
+          </a:effectRef>
+          <a:fontRef idx="minor">
+            <a:schemeClr val="dk1"/>
+          </a:fontRef>
+        </p:style>
+        <p:txBody>
+          <a:bodyPr rtlCol="0" anchor="ctr"/>
+          <a:lstStyle/>
+          <a:p>
+            <a:pPr algn="ctr"/>
+            <a:r>
+              <a:rPr lang="en-CA" dirty="0"/>
+              <a:t>G1</a:t>
+            </a:r>
+            <a:endParaRPr lang="fr-CA" dirty="0"/>
+          </a:p>
+        </p:txBody>
+      </p:sp>
+      <p:sp>
+        <p:nvSpPr>
+          <p:cNvPr id="39" name="Rectangle 38">
+            <a:extLst>
+              <a:ext uri="{FF2B5EF4-FFF2-40B4-BE49-F238E27FC236}">
+                <a16:creationId xmlns:a16="http://schemas.microsoft.com/office/drawing/2014/main" id="{3FAB14B6-235B-462F-D3C6-E36E95F1066D}"/>
+              </a:ext>
+            </a:extLst>
+          </p:cNvPr>
+          <p:cNvSpPr/>
+          <p:nvPr/>
+        </p:nvSpPr>
+        <p:spPr>
+          <a:xfrm>
+            <a:off x="2724741" y="3606194"/>
+            <a:ext cx="841903" cy="829441"/>
+          </a:xfrm>
+          <a:prstGeom prst="rect">
+            <a:avLst/>
+          </a:prstGeom>
+        </p:spPr>
+        <p:style>
+          <a:lnRef idx="2">
+            <a:schemeClr val="accent6"/>
+          </a:lnRef>
+          <a:fillRef idx="1">
+            <a:schemeClr val="lt1"/>
+          </a:fillRef>
+          <a:effectRef idx="0">
+            <a:schemeClr val="accent6"/>
+          </a:effectRef>
+          <a:fontRef idx="minor">
+            <a:schemeClr val="dk1"/>
+          </a:fontRef>
+        </p:style>
+        <p:txBody>
+          <a:bodyPr rtlCol="0" anchor="ctr"/>
+          <a:lstStyle/>
+          <a:p>
+            <a:pPr algn="ctr"/>
+            <a:r>
+              <a:rPr lang="en-CA" dirty="0"/>
+              <a:t>G2</a:t>
+            </a:r>
+            <a:endParaRPr lang="fr-CA" dirty="0"/>
+          </a:p>
+        </p:txBody>
+      </p:sp>
+      <p:sp>
+        <p:nvSpPr>
+          <p:cNvPr id="41" name="Rectangle 40">
+            <a:extLst>
+              <a:ext uri="{FF2B5EF4-FFF2-40B4-BE49-F238E27FC236}">
+                <a16:creationId xmlns:a16="http://schemas.microsoft.com/office/drawing/2014/main" id="{EB0E7138-B7AE-6EBA-2E17-108C331D6A5A}"/>
+              </a:ext>
+            </a:extLst>
+          </p:cNvPr>
+          <p:cNvSpPr/>
+          <p:nvPr/>
+        </p:nvSpPr>
+        <p:spPr>
+          <a:xfrm>
+            <a:off x="2729670" y="4506974"/>
+            <a:ext cx="841903" cy="782769"/>
+          </a:xfrm>
+          <a:prstGeom prst="rect">
+            <a:avLst/>
+          </a:prstGeom>
+        </p:spPr>
+        <p:style>
+          <a:lnRef idx="2">
+            <a:schemeClr val="accent6"/>
+          </a:lnRef>
+          <a:fillRef idx="1">
+            <a:schemeClr val="lt1"/>
+          </a:fillRef>
+          <a:effectRef idx="0">
+            <a:schemeClr val="accent6"/>
+          </a:effectRef>
+          <a:fontRef idx="minor">
+            <a:schemeClr val="dk1"/>
+          </a:fontRef>
+        </p:style>
+        <p:txBody>
+          <a:bodyPr rtlCol="0" anchor="ctr"/>
+          <a:lstStyle/>
+          <a:p>
+            <a:pPr algn="ctr"/>
+            <a:r>
+              <a:rPr lang="en-CA" dirty="0"/>
+              <a:t>G3</a:t>
+            </a:r>
+            <a:endParaRPr lang="fr-CA" dirty="0"/>
+          </a:p>
+        </p:txBody>
+      </p:sp>
+      <p:sp>
+        <p:nvSpPr>
+          <p:cNvPr id="50" name="Rectangle 49">
+            <a:extLst>
+              <a:ext uri="{FF2B5EF4-FFF2-40B4-BE49-F238E27FC236}">
+                <a16:creationId xmlns:a16="http://schemas.microsoft.com/office/drawing/2014/main" id="{FFD72DF2-3CFD-5764-00D4-E32EC6987760}"/>
+              </a:ext>
+            </a:extLst>
+          </p:cNvPr>
+          <p:cNvSpPr/>
+          <p:nvPr/>
+        </p:nvSpPr>
+        <p:spPr>
+          <a:xfrm>
+            <a:off x="9436338" y="4430375"/>
+            <a:ext cx="846798" cy="812696"/>
+          </a:xfrm>
+          <a:prstGeom prst="rect">
+            <a:avLst/>
+          </a:prstGeom>
+        </p:spPr>
+        <p:style>
+          <a:lnRef idx="2">
+            <a:schemeClr val="accent6"/>
+          </a:lnRef>
+          <a:fillRef idx="1">
+            <a:schemeClr val="lt1"/>
+          </a:fillRef>
+          <a:effectRef idx="0">
+            <a:schemeClr val="accent6"/>
+          </a:effectRef>
+          <a:fontRef idx="minor">
+            <a:schemeClr val="dk1"/>
+          </a:fontRef>
+        </p:style>
+        <p:txBody>
+          <a:bodyPr rtlCol="0" anchor="ctr"/>
+          <a:lstStyle/>
+          <a:p>
+            <a:pPr algn="ctr"/>
+            <a:r>
+              <a:rPr lang="en-CA" dirty="0"/>
+              <a:t>D3</a:t>
+            </a:r>
+            <a:endParaRPr lang="fr-CA" dirty="0"/>
+          </a:p>
+        </p:txBody>
+      </p:sp>
+      <p:sp>
+        <p:nvSpPr>
+          <p:cNvPr id="52" name="Rectangle 51">
+            <a:extLst>
+              <a:ext uri="{FF2B5EF4-FFF2-40B4-BE49-F238E27FC236}">
+                <a16:creationId xmlns:a16="http://schemas.microsoft.com/office/drawing/2014/main" id="{E5D24F52-DE52-F67B-14D9-2AA1F06D8239}"/>
+              </a:ext>
+            </a:extLst>
+          </p:cNvPr>
+          <p:cNvSpPr/>
+          <p:nvPr/>
+        </p:nvSpPr>
+        <p:spPr>
+          <a:xfrm>
+            <a:off x="9440051" y="3589051"/>
+            <a:ext cx="846798" cy="812696"/>
+          </a:xfrm>
+          <a:prstGeom prst="rect">
+            <a:avLst/>
+          </a:prstGeom>
+        </p:spPr>
+        <p:style>
+          <a:lnRef idx="2">
+            <a:schemeClr val="accent6"/>
+          </a:lnRef>
+          <a:fillRef idx="1">
+            <a:schemeClr val="lt1"/>
+          </a:fillRef>
+          <a:effectRef idx="0">
+            <a:schemeClr val="accent6"/>
+          </a:effectRef>
+          <a:fontRef idx="minor">
+            <a:schemeClr val="dk1"/>
+          </a:fontRef>
+        </p:style>
+        <p:txBody>
+          <a:bodyPr rtlCol="0" anchor="ctr"/>
+          <a:lstStyle/>
+          <a:p>
+            <a:pPr algn="ctr"/>
+            <a:r>
+              <a:rPr lang="en-CA" dirty="0"/>
+              <a:t>D2</a:t>
+            </a:r>
+            <a:endParaRPr lang="fr-CA" dirty="0"/>
+          </a:p>
+        </p:txBody>
+      </p:sp>
+      <p:sp>
+        <p:nvSpPr>
+          <p:cNvPr id="53" name="Rectangle 52">
+            <a:extLst>
+              <a:ext uri="{FF2B5EF4-FFF2-40B4-BE49-F238E27FC236}">
+                <a16:creationId xmlns:a16="http://schemas.microsoft.com/office/drawing/2014/main" id="{28192146-44EC-F51E-096E-937B8F358E52}"/>
+              </a:ext>
+            </a:extLst>
+          </p:cNvPr>
+          <p:cNvSpPr/>
+          <p:nvPr/>
+        </p:nvSpPr>
+        <p:spPr>
+          <a:xfrm>
+            <a:off x="9436338" y="2747727"/>
+            <a:ext cx="846798" cy="812696"/>
+          </a:xfrm>
+          <a:prstGeom prst="rect">
+            <a:avLst/>
+          </a:prstGeom>
+        </p:spPr>
+        <p:style>
+          <a:lnRef idx="2">
+            <a:schemeClr val="accent6"/>
+          </a:lnRef>
+          <a:fillRef idx="1">
+            <a:schemeClr val="lt1"/>
+          </a:fillRef>
+          <a:effectRef idx="0">
+            <a:schemeClr val="accent6"/>
+          </a:effectRef>
+          <a:fontRef idx="minor">
+            <a:schemeClr val="dk1"/>
+          </a:fontRef>
+        </p:style>
+        <p:txBody>
+          <a:bodyPr rtlCol="0" anchor="ctr"/>
+          <a:lstStyle/>
+          <a:p>
+            <a:pPr algn="ctr"/>
+            <a:r>
+              <a:rPr lang="en-CA" dirty="0"/>
+              <a:t>D1</a:t>
+            </a:r>
+            <a:endParaRPr lang="fr-CA" dirty="0"/>
+          </a:p>
+        </p:txBody>
+      </p:sp>
+      <p:sp>
+        <p:nvSpPr>
+          <p:cNvPr id="54" name="Rectangle 53">
+            <a:extLst>
+              <a:ext uri="{FF2B5EF4-FFF2-40B4-BE49-F238E27FC236}">
+                <a16:creationId xmlns:a16="http://schemas.microsoft.com/office/drawing/2014/main" id="{CE84EEB4-94F0-0DDD-139C-45A112838070}"/>
+              </a:ext>
+            </a:extLst>
+          </p:cNvPr>
+          <p:cNvSpPr/>
+          <p:nvPr/>
+        </p:nvSpPr>
+        <p:spPr>
+          <a:xfrm>
+            <a:off x="9451709" y="5300327"/>
+            <a:ext cx="846798" cy="812696"/>
+          </a:xfrm>
+          <a:prstGeom prst="rect">
+            <a:avLst/>
+          </a:prstGeom>
+        </p:spPr>
+        <p:style>
+          <a:lnRef idx="2">
+            <a:schemeClr val="accent6"/>
+          </a:lnRef>
+          <a:fillRef idx="1">
+            <a:schemeClr val="lt1"/>
+          </a:fillRef>
+          <a:effectRef idx="0">
+            <a:schemeClr val="accent6"/>
+          </a:effectRef>
+          <a:fontRef idx="minor">
+            <a:schemeClr val="dk1"/>
+          </a:fontRef>
+        </p:style>
+        <p:txBody>
+          <a:bodyPr rtlCol="0" anchor="ctr"/>
+          <a:lstStyle/>
+          <a:p>
+            <a:pPr algn="ctr"/>
+            <a:r>
+              <a:rPr lang="en-CA" dirty="0"/>
+              <a:t>D4</a:t>
+            </a:r>
+            <a:endParaRPr lang="fr-CA" dirty="0"/>
+          </a:p>
+        </p:txBody>
+      </p:sp>
+      <p:pic>
+        <p:nvPicPr>
+          <p:cNvPr id="56" name="Image 55">
+            <a:extLst>
+              <a:ext uri="{FF2B5EF4-FFF2-40B4-BE49-F238E27FC236}">
+                <a16:creationId xmlns:a16="http://schemas.microsoft.com/office/drawing/2014/main" id="{7B1FACC1-53D4-87E6-EBAD-E1469EDE6C13}"/>
+              </a:ext>
+            </a:extLst>
+          </p:cNvPr>
+          <p:cNvPicPr>
+            <a:picLocks noChangeAspect="1"/>
+          </p:cNvPicPr>
+          <p:nvPr/>
+        </p:nvPicPr>
+        <p:blipFill>
+          <a:blip r:embed="rId2"/>
+          <a:stretch>
+            <a:fillRect/>
+          </a:stretch>
+        </p:blipFill>
+        <p:spPr>
+          <a:xfrm>
+            <a:off x="2753031" y="2740947"/>
+            <a:ext cx="795188" cy="745123"/>
+          </a:xfrm>
+          <a:prstGeom prst="rect">
+            <a:avLst/>
+          </a:prstGeom>
+        </p:spPr>
+      </p:pic>
+      <p:pic>
+        <p:nvPicPr>
+          <p:cNvPr id="58" name="Image 57">
+            <a:extLst>
+              <a:ext uri="{FF2B5EF4-FFF2-40B4-BE49-F238E27FC236}">
+                <a16:creationId xmlns:a16="http://schemas.microsoft.com/office/drawing/2014/main" id="{FFCBF016-54BA-EE3A-3694-538B93028422}"/>
+              </a:ext>
+            </a:extLst>
+          </p:cNvPr>
+          <p:cNvPicPr>
+            <a:picLocks noChangeAspect="1"/>
+          </p:cNvPicPr>
+          <p:nvPr/>
+        </p:nvPicPr>
+        <p:blipFill>
+          <a:blip r:embed="rId3"/>
+          <a:stretch>
+            <a:fillRect/>
+          </a:stretch>
+        </p:blipFill>
+        <p:spPr>
+          <a:xfrm>
+            <a:off x="2753031" y="3656230"/>
+            <a:ext cx="803790" cy="741057"/>
+          </a:xfrm>
+          <a:prstGeom prst="rect">
+            <a:avLst/>
+          </a:prstGeom>
+        </p:spPr>
+      </p:pic>
+      <p:pic>
+        <p:nvPicPr>
+          <p:cNvPr id="60" name="Image 59">
+            <a:extLst>
+              <a:ext uri="{FF2B5EF4-FFF2-40B4-BE49-F238E27FC236}">
+                <a16:creationId xmlns:a16="http://schemas.microsoft.com/office/drawing/2014/main" id="{7F026626-1A2A-76BD-E21F-F0E462AC36D7}"/>
+              </a:ext>
+            </a:extLst>
+          </p:cNvPr>
+          <p:cNvPicPr>
+            <a:picLocks noChangeAspect="1"/>
+          </p:cNvPicPr>
+          <p:nvPr/>
+        </p:nvPicPr>
+        <p:blipFill>
+          <a:blip r:embed="rId4"/>
+          <a:stretch>
+            <a:fillRect/>
+          </a:stretch>
+        </p:blipFill>
+        <p:spPr>
+          <a:xfrm>
+            <a:off x="2753031" y="4520655"/>
+            <a:ext cx="803789" cy="746799"/>
+          </a:xfrm>
+          <a:prstGeom prst="rect">
+            <a:avLst/>
+          </a:prstGeom>
+        </p:spPr>
+      </p:pic>
+      <p:pic>
+        <p:nvPicPr>
+          <p:cNvPr id="62" name="Image 61">
+            <a:extLst>
+              <a:ext uri="{FF2B5EF4-FFF2-40B4-BE49-F238E27FC236}">
+                <a16:creationId xmlns:a16="http://schemas.microsoft.com/office/drawing/2014/main" id="{468BC831-479F-F4A5-BAF8-08050DDCEC72}"/>
+              </a:ext>
+            </a:extLst>
+          </p:cNvPr>
+          <p:cNvPicPr>
+            <a:picLocks noChangeAspect="1"/>
+          </p:cNvPicPr>
+          <p:nvPr/>
+        </p:nvPicPr>
+        <p:blipFill>
+          <a:blip r:embed="rId5"/>
+          <a:stretch>
+            <a:fillRect/>
+          </a:stretch>
+        </p:blipFill>
+        <p:spPr>
+          <a:xfrm>
+            <a:off x="9479452" y="2780132"/>
+            <a:ext cx="759568" cy="755916"/>
+          </a:xfrm>
+          <a:prstGeom prst="rect">
+            <a:avLst/>
+          </a:prstGeom>
+        </p:spPr>
+      </p:pic>
+      <p:pic>
+        <p:nvPicPr>
+          <p:cNvPr id="28" name="Image 27">
+            <a:extLst>
+              <a:ext uri="{FF2B5EF4-FFF2-40B4-BE49-F238E27FC236}">
+                <a16:creationId xmlns:a16="http://schemas.microsoft.com/office/drawing/2014/main" id="{4E648A66-19BF-419C-8FEA-EDAD8627CD7A}"/>
+              </a:ext>
+            </a:extLst>
+          </p:cNvPr>
+          <p:cNvPicPr>
+            <a:picLocks noChangeAspect="1"/>
+          </p:cNvPicPr>
+          <p:nvPr/>
+        </p:nvPicPr>
+        <p:blipFill>
+          <a:blip r:embed="rId6"/>
+          <a:stretch>
+            <a:fillRect/>
+          </a:stretch>
+        </p:blipFill>
+        <p:spPr>
+          <a:xfrm>
+            <a:off x="9479452" y="3629607"/>
+            <a:ext cx="769442" cy="743512"/>
+          </a:xfrm>
+          <a:prstGeom prst="rect">
+            <a:avLst/>
+          </a:prstGeom>
+        </p:spPr>
+      </p:pic>
+      <p:pic>
+        <p:nvPicPr>
+          <p:cNvPr id="30" name="Image 29">
+            <a:extLst>
+              <a:ext uri="{FF2B5EF4-FFF2-40B4-BE49-F238E27FC236}">
+                <a16:creationId xmlns:a16="http://schemas.microsoft.com/office/drawing/2014/main" id="{56021D9A-3FB6-F16D-3F14-63668E1A7489}"/>
+              </a:ext>
+            </a:extLst>
+          </p:cNvPr>
+          <p:cNvPicPr>
+            <a:picLocks noChangeAspect="1"/>
+          </p:cNvPicPr>
+          <p:nvPr/>
+        </p:nvPicPr>
+        <p:blipFill>
+          <a:blip r:embed="rId7"/>
+          <a:stretch>
+            <a:fillRect/>
+          </a:stretch>
+        </p:blipFill>
+        <p:spPr>
+          <a:xfrm>
+            <a:off x="2767308" y="5370178"/>
+            <a:ext cx="762469" cy="706609"/>
+          </a:xfrm>
+          <a:prstGeom prst="rect">
+            <a:avLst/>
+          </a:prstGeom>
+        </p:spPr>
+      </p:pic>
+      <p:pic>
+        <p:nvPicPr>
+          <p:cNvPr id="34" name="Image 33">
+            <a:extLst>
+              <a:ext uri="{FF2B5EF4-FFF2-40B4-BE49-F238E27FC236}">
+                <a16:creationId xmlns:a16="http://schemas.microsoft.com/office/drawing/2014/main" id="{B30BC359-573D-9958-2F81-95383EEAEA49}"/>
+              </a:ext>
+            </a:extLst>
+          </p:cNvPr>
+          <p:cNvPicPr>
+            <a:picLocks noChangeAspect="1"/>
+          </p:cNvPicPr>
+          <p:nvPr/>
+        </p:nvPicPr>
+        <p:blipFill>
+          <a:blip r:embed="rId8"/>
+          <a:stretch>
+            <a:fillRect/>
+          </a:stretch>
+        </p:blipFill>
+        <p:spPr>
+          <a:xfrm>
+            <a:off x="9473355" y="5338336"/>
+            <a:ext cx="803685" cy="718071"/>
+          </a:xfrm>
+          <a:prstGeom prst="rect">
+            <a:avLst/>
+          </a:prstGeom>
+        </p:spPr>
+      </p:pic>
+      <p:pic>
+        <p:nvPicPr>
+          <p:cNvPr id="20" name="Image 19">
+            <a:extLst>
+              <a:ext uri="{FF2B5EF4-FFF2-40B4-BE49-F238E27FC236}">
+                <a16:creationId xmlns:a16="http://schemas.microsoft.com/office/drawing/2014/main" id="{0CA013E0-0875-695C-C5F8-0107AC61FE8C}"/>
+              </a:ext>
+            </a:extLst>
+          </p:cNvPr>
+          <p:cNvPicPr>
+            <a:picLocks noChangeAspect="1"/>
+          </p:cNvPicPr>
+          <p:nvPr/>
+        </p:nvPicPr>
+        <p:blipFill>
+          <a:blip r:embed="rId9"/>
+          <a:stretch>
+            <a:fillRect/>
+          </a:stretch>
+        </p:blipFill>
+        <p:spPr>
+          <a:xfrm>
+            <a:off x="9462294" y="4408484"/>
+            <a:ext cx="786600" cy="756062"/>
+          </a:xfrm>
+          <a:prstGeom prst="rect">
+            <a:avLst/>
+          </a:prstGeom>
+        </p:spPr>
+      </p:pic>
+    </p:spTree>
+    <p:extLst>
+      <p:ext uri="{BB962C8B-B14F-4D97-AF65-F5344CB8AC3E}">
+        <p14:creationId xmlns:p14="http://schemas.microsoft.com/office/powerpoint/2010/main" val="4220549135"/>
       </p:ext>
     </p:extLst>
   </p:cSld>
